--- a/Git Workshop.pptx
+++ b/Git Workshop.pptx
@@ -35,23 +35,38 @@
     <p:sldId id="280" r:id="rId30"/>
     <p:sldId id="281" r:id="rId31"/>
     <p:sldId id="282" r:id="rId32"/>
+    <p:sldId id="283" r:id="rId33"/>
+    <p:sldId id="284" r:id="rId34"/>
+    <p:sldId id="285" r:id="rId35"/>
+    <p:sldId id="286" r:id="rId36"/>
+    <p:sldId id="287" r:id="rId37"/>
+    <p:sldId id="288" r:id="rId38"/>
+    <p:sldId id="289" r:id="rId39"/>
+    <p:sldId id="290" r:id="rId40"/>
+    <p:sldId id="291" r:id="rId41"/>
+    <p:sldId id="292" r:id="rId42"/>
+    <p:sldId id="293" r:id="rId43"/>
+    <p:sldId id="294" r:id="rId44"/>
+    <p:sldId id="295" r:id="rId45"/>
+    <p:sldId id="296" r:id="rId46"/>
+    <p:sldId id="297" r:id="rId47"/>
   </p:sldIdLst>
   <p:sldSz cy="5143500" cx="9144000"/>
   <p:notesSz cx="6858000" cy="9144000"/>
   <p:embeddedFontLst>
     <p:embeddedFont>
       <p:font typeface="Montserrat"/>
-      <p:regular r:id="rId33"/>
-      <p:bold r:id="rId34"/>
-      <p:italic r:id="rId35"/>
-      <p:boldItalic r:id="rId36"/>
+      <p:regular r:id="rId48"/>
+      <p:bold r:id="rId49"/>
+      <p:italic r:id="rId50"/>
+      <p:boldItalic r:id="rId51"/>
     </p:embeddedFont>
     <p:embeddedFont>
       <p:font typeface="Lato"/>
-      <p:regular r:id="rId37"/>
-      <p:bold r:id="rId38"/>
-      <p:italic r:id="rId39"/>
-      <p:boldItalic r:id="rId40"/>
+      <p:regular r:id="rId52"/>
+      <p:bold r:id="rId53"/>
+      <p:italic r:id="rId54"/>
+      <p:boldItalic r:id="rId55"/>
     </p:embeddedFont>
   </p:embeddedFontLst>
   <p:defaultTextStyle>
@@ -813,7 +828,8 @@
               <a:buNone/>
             </a:pPr>
             <a:r>
-              <a:t/>
+              <a:rPr lang="en"/>
+              <a:t>Hi! I’m Hani Ho and I’m here to guide you on improving your Git workflows. This workshop is catered to people at a beginner or intermediate level at Git. You can find a copy of this slides on GitHub.</a:t>
             </a:r>
             <a:endParaRPr/>
           </a:p>
@@ -1012,7 +1028,7 @@
             </a:pPr>
             <a:r>
               <a:rPr lang="en"/>
-              <a:t>For this workshop, having Git Bash and Git GUI will be slightly recommended. Worry not since I believe we all have Git installed but not necessarily these tools. We can do this in normal CLI as it’ll still be able to read Git commands. But for those who want to follow along, here are the steps. This should be pretty straightforward but I’ve provided images just to make sure.</a:t>
+              <a:t>For this workshop, having Git Bash and Git GUI will be only slightly recommended. Worry not since I believe we all have Git installed but not necessarily these tools. Using normal CLI is fine as it’ll still be able to read Git commands. But for those who want to follow along, here are the steps. This should be pretty straightforward but I’ve still provided images just to make sure.</a:t>
             </a:r>
             <a:endParaRPr/>
           </a:p>
@@ -1903,7 +1919,8 @@
               <a:buNone/>
             </a:pPr>
             <a:r>
-              <a:t/>
+              <a:rPr lang="en"/>
+              <a:t>First off, let’s discuss some benefits in mastering Git.</a:t>
             </a:r>
             <a:endParaRPr/>
           </a:p>
@@ -2596,7 +2613,8 @@
               <a:buNone/>
             </a:pPr>
             <a:r>
-              <a:t/>
+              <a:rPr lang="en"/>
+              <a:t>After quickly running through those numerous steps, we can now continue on to setup Git aliases.</a:t>
             </a:r>
             <a:endParaRPr/>
           </a:p>
@@ -2696,7 +2714,207 @@
             </a:pPr>
             <a:r>
               <a:rPr lang="en"/>
-              <a:t>Then, we can set up Git aliases so we don’t have to memorize commands that we frequently use.</a:t>
+              <a:t>Git aliases allow us to set another name for our commands. That way, we don’t have to memorize commands that we frequently use, especially with many parameters. Just like the one we used before to show the graph of commits and its branches. Git aliases are located in the .gitconfig file on your Users folder. You can either set this through Git CLI or edit the .gitconfig directly. I strongly suggest that you edit it directly and paste the contents from this sample .gitconfig file. Go to the GitHub repo for this workshop, open demo.gitconfig. Then, click Raw.</a:t>
+            </a:r>
+            <a:endParaRPr/>
+          </a:p>
+        </p:txBody>
+      </p:sp>
+    </p:spTree>
+  </p:cSld>
+  <p:clrMapOvr>
+    <a:masterClrMapping/>
+  </p:clrMapOvr>
+</p:notes>
+</file>
+
+<file path=ppt/notesSlides/notesSlide28.xml><?xml version="1.0" encoding="utf-8"?>
+<p:notes xmlns:a="http://schemas.openxmlformats.org/drawingml/2006/main" xmlns:r="http://schemas.openxmlformats.org/officeDocument/2006/relationships" xmlns:mc="http://schemas.openxmlformats.org/markup-compatibility/2006" xmlns:mv="urn:schemas-microsoft-com:mac:vml" xmlns:p="http://schemas.openxmlformats.org/presentationml/2006/main" xmlns:c="http://schemas.openxmlformats.org/drawingml/2006/chart" xmlns:dgm="http://schemas.openxmlformats.org/drawingml/2006/diagram" xmlns:o="urn:schemas-microsoft-com:office:office" xmlns:v="urn:schemas-microsoft-com:vml" xmlns:pvml="urn:schemas-microsoft-com:office:powerpoint" xmlns:com="http://schemas.openxmlformats.org/drawingml/2006/compatibility" xmlns:p14="http://schemas.microsoft.com/office/powerpoint/2010/main" xmlns:p15="http://schemas.microsoft.com/office/powerpoint/2012/main" xmlns:ahyp="http://schemas.microsoft.com/office/drawing/2018/hyperlinkcolor" showMasterPhAnim="0" showMasterSp="0">
+  <p:cSld>
+    <p:spTree>
+      <p:nvGrpSpPr>
+        <p:cNvPr id="306" name="Shape 306"/>
+        <p:cNvGrpSpPr/>
+        <p:nvPr/>
+      </p:nvGrpSpPr>
+      <p:grpSpPr>
+        <a:xfrm>
+          <a:off x="0" y="0"/>
+          <a:ext cx="0" cy="0"/>
+          <a:chOff x="0" y="0"/>
+          <a:chExt cx="0" cy="0"/>
+        </a:xfrm>
+      </p:grpSpPr>
+      <p:sp>
+        <p:nvSpPr>
+          <p:cNvPr id="307" name="Google Shape;307;gf3016d0a0e_1_180:notes"/>
+          <p:cNvSpPr/>
+          <p:nvPr>
+            <p:ph idx="2" type="sldImg"/>
+          </p:nvPr>
+        </p:nvSpPr>
+        <p:spPr>
+          <a:xfrm>
+            <a:off x="381300" y="685800"/>
+            <a:ext cx="6096000" cy="3429000"/>
+          </a:xfrm>
+          <a:custGeom>
+            <a:rect b="b" l="l" r="r" t="t"/>
+            <a:pathLst>
+              <a:path extrusionOk="0" h="120000" w="120000">
+                <a:moveTo>
+                  <a:pt x="0" y="0"/>
+                </a:moveTo>
+                <a:lnTo>
+                  <a:pt x="120000" y="0"/>
+                </a:lnTo>
+                <a:lnTo>
+                  <a:pt x="120000" y="120000"/>
+                </a:lnTo>
+                <a:lnTo>
+                  <a:pt x="0" y="120000"/>
+                </a:lnTo>
+                <a:close/>
+              </a:path>
+            </a:pathLst>
+          </a:custGeom>
+        </p:spPr>
+      </p:sp>
+      <p:sp>
+        <p:nvSpPr>
+          <p:cNvPr id="308" name="Google Shape;308;gf3016d0a0e_1_180:notes"/>
+          <p:cNvSpPr txBox="1"/>
+          <p:nvPr>
+            <p:ph idx="1" type="body"/>
+          </p:nvPr>
+        </p:nvSpPr>
+        <p:spPr>
+          <a:xfrm>
+            <a:off x="685800" y="4343400"/>
+            <a:ext cx="5486400" cy="4114800"/>
+          </a:xfrm>
+          <a:prstGeom prst="rect">
+            <a:avLst/>
+          </a:prstGeom>
+        </p:spPr>
+        <p:txBody>
+          <a:bodyPr anchorCtr="0" anchor="t" bIns="91425" lIns="91425" spcFirstLastPara="1" rIns="91425" wrap="square" tIns="91425">
+            <a:noAutofit/>
+          </a:bodyPr>
+          <a:lstStyle/>
+          <a:p>
+            <a:pPr indent="0" lvl="0" marL="0" rtl="0" algn="l">
+              <a:spcBef>
+                <a:spcPts val="0"/>
+              </a:spcBef>
+              <a:spcAft>
+                <a:spcPts val="0"/>
+              </a:spcAft>
+              <a:buNone/>
+            </a:pPr>
+            <a:r>
+              <a:rPr lang="en"/>
+              <a:t>If ever you’re a masochist, you can do it by typing these commands. So, now that we’ve got that out of the way, we can move on to the meat of this workshop.</a:t>
+            </a:r>
+            <a:endParaRPr/>
+          </a:p>
+        </p:txBody>
+      </p:sp>
+    </p:spTree>
+  </p:cSld>
+  <p:clrMapOvr>
+    <a:masterClrMapping/>
+  </p:clrMapOvr>
+</p:notes>
+</file>
+
+<file path=ppt/notesSlides/notesSlide29.xml><?xml version="1.0" encoding="utf-8"?>
+<p:notes xmlns:a="http://schemas.openxmlformats.org/drawingml/2006/main" xmlns:r="http://schemas.openxmlformats.org/officeDocument/2006/relationships" xmlns:mc="http://schemas.openxmlformats.org/markup-compatibility/2006" xmlns:mv="urn:schemas-microsoft-com:mac:vml" xmlns:p="http://schemas.openxmlformats.org/presentationml/2006/main" xmlns:c="http://schemas.openxmlformats.org/drawingml/2006/chart" xmlns:dgm="http://schemas.openxmlformats.org/drawingml/2006/diagram" xmlns:o="urn:schemas-microsoft-com:office:office" xmlns:v="urn:schemas-microsoft-com:vml" xmlns:pvml="urn:schemas-microsoft-com:office:powerpoint" xmlns:com="http://schemas.openxmlformats.org/drawingml/2006/compatibility" xmlns:p14="http://schemas.microsoft.com/office/powerpoint/2010/main" xmlns:p15="http://schemas.microsoft.com/office/powerpoint/2012/main" xmlns:ahyp="http://schemas.microsoft.com/office/drawing/2018/hyperlinkcolor" showMasterPhAnim="0" showMasterSp="0">
+  <p:cSld>
+    <p:spTree>
+      <p:nvGrpSpPr>
+        <p:cNvPr id="312" name="Shape 312"/>
+        <p:cNvGrpSpPr/>
+        <p:nvPr/>
+      </p:nvGrpSpPr>
+      <p:grpSpPr>
+        <a:xfrm>
+          <a:off x="0" y="0"/>
+          <a:ext cx="0" cy="0"/>
+          <a:chOff x="0" y="0"/>
+          <a:chExt cx="0" cy="0"/>
+        </a:xfrm>
+      </p:grpSpPr>
+      <p:sp>
+        <p:nvSpPr>
+          <p:cNvPr id="313" name="Google Shape;313;gf3016d0a0e_1_186:notes"/>
+          <p:cNvSpPr/>
+          <p:nvPr>
+            <p:ph idx="2" type="sldImg"/>
+          </p:nvPr>
+        </p:nvSpPr>
+        <p:spPr>
+          <a:xfrm>
+            <a:off x="381300" y="685800"/>
+            <a:ext cx="6096000" cy="3429000"/>
+          </a:xfrm>
+          <a:custGeom>
+            <a:rect b="b" l="l" r="r" t="t"/>
+            <a:pathLst>
+              <a:path extrusionOk="0" h="120000" w="120000">
+                <a:moveTo>
+                  <a:pt x="0" y="0"/>
+                </a:moveTo>
+                <a:lnTo>
+                  <a:pt x="120000" y="0"/>
+                </a:lnTo>
+                <a:lnTo>
+                  <a:pt x="120000" y="120000"/>
+                </a:lnTo>
+                <a:lnTo>
+                  <a:pt x="0" y="120000"/>
+                </a:lnTo>
+                <a:close/>
+              </a:path>
+            </a:pathLst>
+          </a:custGeom>
+        </p:spPr>
+      </p:sp>
+      <p:sp>
+        <p:nvSpPr>
+          <p:cNvPr id="314" name="Google Shape;314;gf3016d0a0e_1_186:notes"/>
+          <p:cNvSpPr txBox="1"/>
+          <p:nvPr>
+            <p:ph idx="1" type="body"/>
+          </p:nvPr>
+        </p:nvSpPr>
+        <p:spPr>
+          <a:xfrm>
+            <a:off x="685800" y="4343400"/>
+            <a:ext cx="5486400" cy="4114800"/>
+          </a:xfrm>
+          <a:prstGeom prst="rect">
+            <a:avLst/>
+          </a:prstGeom>
+        </p:spPr>
+        <p:txBody>
+          <a:bodyPr anchorCtr="0" anchor="t" bIns="91425" lIns="91425" spcFirstLastPara="1" rIns="91425" wrap="square" tIns="91425">
+            <a:noAutofit/>
+          </a:bodyPr>
+          <a:lstStyle/>
+          <a:p>
+            <a:pPr indent="0" lvl="0" marL="0" rtl="0" algn="l">
+              <a:spcBef>
+                <a:spcPts val="0"/>
+              </a:spcBef>
+              <a:spcAft>
+                <a:spcPts val="0"/>
+              </a:spcAft>
+              <a:buNone/>
+            </a:pPr>
+            <a:r>
+              <a:rPr lang="en"/>
+              <a:t>Git Workflows!</a:t>
             </a:r>
             <a:endParaRPr/>
           </a:p>
@@ -2857,6 +3075,1177 @@
 </p:notes>
 </file>
 
+<file path=ppt/notesSlides/notesSlide30.xml><?xml version="1.0" encoding="utf-8"?>
+<p:notes xmlns:a="http://schemas.openxmlformats.org/drawingml/2006/main" xmlns:r="http://schemas.openxmlformats.org/officeDocument/2006/relationships" xmlns:mc="http://schemas.openxmlformats.org/markup-compatibility/2006" xmlns:mv="urn:schemas-microsoft-com:mac:vml" xmlns:p="http://schemas.openxmlformats.org/presentationml/2006/main" xmlns:c="http://schemas.openxmlformats.org/drawingml/2006/chart" xmlns:dgm="http://schemas.openxmlformats.org/drawingml/2006/diagram" xmlns:o="urn:schemas-microsoft-com:office:office" xmlns:v="urn:schemas-microsoft-com:vml" xmlns:pvml="urn:schemas-microsoft-com:office:powerpoint" xmlns:com="http://schemas.openxmlformats.org/drawingml/2006/compatibility" xmlns:p14="http://schemas.microsoft.com/office/powerpoint/2010/main" xmlns:p15="http://schemas.microsoft.com/office/powerpoint/2012/main" xmlns:ahyp="http://schemas.microsoft.com/office/drawing/2018/hyperlinkcolor" showMasterPhAnim="0" showMasterSp="0">
+  <p:cSld>
+    <p:spTree>
+      <p:nvGrpSpPr>
+        <p:cNvPr id="317" name="Shape 317"/>
+        <p:cNvGrpSpPr/>
+        <p:nvPr/>
+      </p:nvGrpSpPr>
+      <p:grpSpPr>
+        <a:xfrm>
+          <a:off x="0" y="0"/>
+          <a:ext cx="0" cy="0"/>
+          <a:chOff x="0" y="0"/>
+          <a:chExt cx="0" cy="0"/>
+        </a:xfrm>
+      </p:grpSpPr>
+      <p:sp>
+        <p:nvSpPr>
+          <p:cNvPr id="318" name="Google Shape;318;gf3016d0a0e_1_195:notes"/>
+          <p:cNvSpPr/>
+          <p:nvPr>
+            <p:ph idx="2" type="sldImg"/>
+          </p:nvPr>
+        </p:nvSpPr>
+        <p:spPr>
+          <a:xfrm>
+            <a:off x="381300" y="685800"/>
+            <a:ext cx="6096000" cy="3429000"/>
+          </a:xfrm>
+          <a:custGeom>
+            <a:rect b="b" l="l" r="r" t="t"/>
+            <a:pathLst>
+              <a:path extrusionOk="0" h="120000" w="120000">
+                <a:moveTo>
+                  <a:pt x="0" y="0"/>
+                </a:moveTo>
+                <a:lnTo>
+                  <a:pt x="120000" y="0"/>
+                </a:lnTo>
+                <a:lnTo>
+                  <a:pt x="120000" y="120000"/>
+                </a:lnTo>
+                <a:lnTo>
+                  <a:pt x="0" y="120000"/>
+                </a:lnTo>
+                <a:close/>
+              </a:path>
+            </a:pathLst>
+          </a:custGeom>
+        </p:spPr>
+      </p:sp>
+      <p:sp>
+        <p:nvSpPr>
+          <p:cNvPr id="319" name="Google Shape;319;gf3016d0a0e_1_195:notes"/>
+          <p:cNvSpPr txBox="1"/>
+          <p:nvPr>
+            <p:ph idx="1" type="body"/>
+          </p:nvPr>
+        </p:nvSpPr>
+        <p:spPr>
+          <a:xfrm>
+            <a:off x="685800" y="4343400"/>
+            <a:ext cx="5486400" cy="4114800"/>
+          </a:xfrm>
+          <a:prstGeom prst="rect">
+            <a:avLst/>
+          </a:prstGeom>
+        </p:spPr>
+        <p:txBody>
+          <a:bodyPr anchorCtr="0" anchor="t" bIns="91425" lIns="91425" spcFirstLastPara="1" rIns="91425" wrap="square" tIns="91425">
+            <a:noAutofit/>
+          </a:bodyPr>
+          <a:lstStyle/>
+          <a:p>
+            <a:pPr indent="0" lvl="0" marL="0" rtl="0" algn="l">
+              <a:spcBef>
+                <a:spcPts val="0"/>
+              </a:spcBef>
+              <a:spcAft>
+                <a:spcPts val="0"/>
+              </a:spcAft>
+              <a:buNone/>
+            </a:pPr>
+            <a:r>
+              <a:rPr lang="en"/>
+              <a:t>To refresh our memories, here are the things we’re going to discuss:</a:t>
+            </a:r>
+            <a:endParaRPr/>
+          </a:p>
+          <a:p>
+            <a:pPr indent="-298450" lvl="0" marL="457200" rtl="0" algn="l">
+              <a:spcBef>
+                <a:spcPts val="0"/>
+              </a:spcBef>
+              <a:spcAft>
+                <a:spcPts val="0"/>
+              </a:spcAft>
+              <a:buSzPts val="1100"/>
+              <a:buAutoNum type="arabicPeriod"/>
+            </a:pPr>
+            <a:r>
+              <a:rPr lang="en"/>
+              <a:t>Save Points During Development</a:t>
+            </a:r>
+            <a:endParaRPr/>
+          </a:p>
+          <a:p>
+            <a:pPr indent="-298450" lvl="0" marL="457200" rtl="0" algn="l">
+              <a:spcBef>
+                <a:spcPts val="0"/>
+              </a:spcBef>
+              <a:spcAft>
+                <a:spcPts val="0"/>
+              </a:spcAft>
+              <a:buSzPts val="1100"/>
+              <a:buAutoNum type="arabicPeriod"/>
+            </a:pPr>
+            <a:r>
+              <a:rPr lang="en"/>
+              <a:t>Managing Commits to Tell a Story</a:t>
+            </a:r>
+            <a:endParaRPr/>
+          </a:p>
+          <a:p>
+            <a:pPr indent="-298450" lvl="0" marL="457200" rtl="0" algn="l">
+              <a:spcBef>
+                <a:spcPts val="0"/>
+              </a:spcBef>
+              <a:spcAft>
+                <a:spcPts val="0"/>
+              </a:spcAft>
+              <a:buSzPts val="1100"/>
+              <a:buAutoNum type="arabicPeriod"/>
+            </a:pPr>
+            <a:r>
+              <a:rPr lang="en"/>
+              <a:t>Merge Conflicts</a:t>
+            </a:r>
+            <a:endParaRPr/>
+          </a:p>
+          <a:p>
+            <a:pPr indent="-298450" lvl="0" marL="457200" rtl="0" algn="l">
+              <a:spcBef>
+                <a:spcPts val="0"/>
+              </a:spcBef>
+              <a:spcAft>
+                <a:spcPts val="0"/>
+              </a:spcAft>
+              <a:buSzPts val="1100"/>
+              <a:buAutoNum type="arabicPeriod"/>
+            </a:pPr>
+            <a:r>
+              <a:rPr lang="en"/>
+              <a:t>Managing Releases AND</a:t>
+            </a:r>
+            <a:endParaRPr/>
+          </a:p>
+          <a:p>
+            <a:pPr indent="-298450" lvl="0" marL="457200" rtl="0" algn="l">
+              <a:spcBef>
+                <a:spcPts val="0"/>
+              </a:spcBef>
+              <a:spcAft>
+                <a:spcPts val="0"/>
+              </a:spcAft>
+              <a:buSzPts val="1100"/>
+              <a:buAutoNum type="arabicPeriod"/>
+            </a:pPr>
+            <a:r>
+              <a:rPr lang="en"/>
+              <a:t>Team Git Workflows</a:t>
+            </a:r>
+            <a:endParaRPr/>
+          </a:p>
+        </p:txBody>
+      </p:sp>
+    </p:spTree>
+  </p:cSld>
+  <p:clrMapOvr>
+    <a:masterClrMapping/>
+  </p:clrMapOvr>
+</p:notes>
+</file>
+
+<file path=ppt/notesSlides/notesSlide31.xml><?xml version="1.0" encoding="utf-8"?>
+<p:notes xmlns:a="http://schemas.openxmlformats.org/drawingml/2006/main" xmlns:r="http://schemas.openxmlformats.org/officeDocument/2006/relationships" xmlns:mc="http://schemas.openxmlformats.org/markup-compatibility/2006" xmlns:mv="urn:schemas-microsoft-com:mac:vml" xmlns:p="http://schemas.openxmlformats.org/presentationml/2006/main" xmlns:c="http://schemas.openxmlformats.org/drawingml/2006/chart" xmlns:dgm="http://schemas.openxmlformats.org/drawingml/2006/diagram" xmlns:o="urn:schemas-microsoft-com:office:office" xmlns:v="urn:schemas-microsoft-com:vml" xmlns:pvml="urn:schemas-microsoft-com:office:powerpoint" xmlns:com="http://schemas.openxmlformats.org/drawingml/2006/compatibility" xmlns:p14="http://schemas.microsoft.com/office/powerpoint/2010/main" xmlns:p15="http://schemas.microsoft.com/office/powerpoint/2012/main" xmlns:ahyp="http://schemas.microsoft.com/office/drawing/2018/hyperlinkcolor" showMasterPhAnim="0" showMasterSp="0">
+  <p:cSld>
+    <p:spTree>
+      <p:nvGrpSpPr>
+        <p:cNvPr id="324" name="Shape 324"/>
+        <p:cNvGrpSpPr/>
+        <p:nvPr/>
+      </p:nvGrpSpPr>
+      <p:grpSpPr>
+        <a:xfrm>
+          <a:off x="0" y="0"/>
+          <a:ext cx="0" cy="0"/>
+          <a:chOff x="0" y="0"/>
+          <a:chExt cx="0" cy="0"/>
+        </a:xfrm>
+      </p:grpSpPr>
+      <p:sp>
+        <p:nvSpPr>
+          <p:cNvPr id="325" name="Google Shape;325;gf3016d0a0e_1_191:notes"/>
+          <p:cNvSpPr/>
+          <p:nvPr>
+            <p:ph idx="2" type="sldImg"/>
+          </p:nvPr>
+        </p:nvSpPr>
+        <p:spPr>
+          <a:xfrm>
+            <a:off x="381300" y="685800"/>
+            <a:ext cx="6096000" cy="3429000"/>
+          </a:xfrm>
+          <a:custGeom>
+            <a:rect b="b" l="l" r="r" t="t"/>
+            <a:pathLst>
+              <a:path extrusionOk="0" h="120000" w="120000">
+                <a:moveTo>
+                  <a:pt x="0" y="0"/>
+                </a:moveTo>
+                <a:lnTo>
+                  <a:pt x="120000" y="0"/>
+                </a:lnTo>
+                <a:lnTo>
+                  <a:pt x="120000" y="120000"/>
+                </a:lnTo>
+                <a:lnTo>
+                  <a:pt x="0" y="120000"/>
+                </a:lnTo>
+                <a:close/>
+              </a:path>
+            </a:pathLst>
+          </a:custGeom>
+        </p:spPr>
+      </p:sp>
+      <p:sp>
+        <p:nvSpPr>
+          <p:cNvPr id="326" name="Google Shape;326;gf3016d0a0e_1_191:notes"/>
+          <p:cNvSpPr txBox="1"/>
+          <p:nvPr>
+            <p:ph idx="1" type="body"/>
+          </p:nvPr>
+        </p:nvSpPr>
+        <p:spPr>
+          <a:xfrm>
+            <a:off x="685800" y="4343400"/>
+            <a:ext cx="5486400" cy="4114800"/>
+          </a:xfrm>
+          <a:prstGeom prst="rect">
+            <a:avLst/>
+          </a:prstGeom>
+        </p:spPr>
+        <p:txBody>
+          <a:bodyPr anchorCtr="0" anchor="t" bIns="91425" lIns="91425" spcFirstLastPara="1" rIns="91425" wrap="square" tIns="91425">
+            <a:noAutofit/>
+          </a:bodyPr>
+          <a:lstStyle/>
+          <a:p>
+            <a:pPr indent="0" lvl="0" marL="0" rtl="0" algn="l">
+              <a:spcBef>
+                <a:spcPts val="0"/>
+              </a:spcBef>
+              <a:spcAft>
+                <a:spcPts val="0"/>
+              </a:spcAft>
+              <a:buNone/>
+            </a:pPr>
+            <a:r>
+              <a:rPr lang="en"/>
+              <a:t>I strongly suggest we all follow along so we can: 1.) Make sure it’s working on our end and 2.) Learn this much better!</a:t>
+            </a:r>
+            <a:endParaRPr/>
+          </a:p>
+          <a:p>
+            <a:pPr indent="0" lvl="0" marL="0" rtl="0" algn="l">
+              <a:spcBef>
+                <a:spcPts val="0"/>
+              </a:spcBef>
+              <a:spcAft>
+                <a:spcPts val="0"/>
+              </a:spcAft>
+              <a:buNone/>
+            </a:pPr>
+            <a:r>
+              <a:t/>
+            </a:r>
+            <a:endParaRPr/>
+          </a:p>
+          <a:p>
+            <a:pPr indent="0" lvl="0" marL="0" rtl="0" algn="l">
+              <a:spcBef>
+                <a:spcPts val="0"/>
+              </a:spcBef>
+              <a:spcAft>
+                <a:spcPts val="0"/>
+              </a:spcAft>
+              <a:buNone/>
+            </a:pPr>
+            <a:r>
+              <a:rPr lang="en"/>
+              <a:t>We don’t necessarily need to have the same code especially since I’ll be using C# and not everyone have C# set up on their machines. But I recommend that you do it in your language of choice or at the very least, using pseudocode on .txt files. Using Git will be our main focus so this will just be trivial code.</a:t>
+            </a:r>
+            <a:endParaRPr/>
+          </a:p>
+          <a:p>
+            <a:pPr indent="0" lvl="0" marL="0" rtl="0" algn="l">
+              <a:spcBef>
+                <a:spcPts val="0"/>
+              </a:spcBef>
+              <a:spcAft>
+                <a:spcPts val="0"/>
+              </a:spcAft>
+              <a:buNone/>
+            </a:pPr>
+            <a:r>
+              <a:t/>
+            </a:r>
+            <a:endParaRPr/>
+          </a:p>
+          <a:p>
+            <a:pPr indent="0" lvl="0" marL="0" rtl="0" algn="l">
+              <a:spcBef>
+                <a:spcPts val="0"/>
+              </a:spcBef>
+              <a:spcAft>
+                <a:spcPts val="0"/>
+              </a:spcAft>
+              <a:buNone/>
+            </a:pPr>
+            <a:r>
+              <a:rPr lang="en"/>
+              <a:t>In this workflow, we’ll assume the position of someone developing a feature difficult for them. So, we’re going to try to employ two possible solutions since we don’t know which one will work yet. We also know basic TDD, so we’re going to write tests as part of our workflow. We’re going to work on creating a function that returns true if the number is even. Sounds familiar? We’re going to walk through one of the examples given at the start.</a:t>
+            </a:r>
+            <a:endParaRPr/>
+          </a:p>
+          <a:p>
+            <a:pPr indent="0" lvl="0" marL="0" rtl="0" algn="l">
+              <a:spcBef>
+                <a:spcPts val="0"/>
+              </a:spcBef>
+              <a:spcAft>
+                <a:spcPts val="0"/>
+              </a:spcAft>
+              <a:buNone/>
+            </a:pPr>
+            <a:r>
+              <a:t/>
+            </a:r>
+            <a:endParaRPr/>
+          </a:p>
+          <a:p>
+            <a:pPr indent="0" lvl="0" marL="0" rtl="0" algn="l">
+              <a:spcBef>
+                <a:spcPts val="0"/>
+              </a:spcBef>
+              <a:spcAft>
+                <a:spcPts val="0"/>
+              </a:spcAft>
+              <a:buNone/>
+            </a:pPr>
+            <a:r>
+              <a:rPr lang="en"/>
+              <a:t>We are thinking of two potential solutions: 1.) using a switch-case statement and 2.) doing it mathematically. So, first up, we’ll try the switch-case approach. Then, see that it’ll fail so we go back in time! Then, we’ll go on to do it mathematically! I’ll start sharing my screen so we can all follow along. Don’t hesitate to ask questions or ask me to slow down if I’m going too fast.</a:t>
+            </a:r>
+            <a:endParaRPr/>
+          </a:p>
+        </p:txBody>
+      </p:sp>
+    </p:spTree>
+  </p:cSld>
+  <p:clrMapOvr>
+    <a:masterClrMapping/>
+  </p:clrMapOvr>
+</p:notes>
+</file>
+
+<file path=ppt/notesSlides/notesSlide32.xml><?xml version="1.0" encoding="utf-8"?>
+<p:notes xmlns:a="http://schemas.openxmlformats.org/drawingml/2006/main" xmlns:r="http://schemas.openxmlformats.org/officeDocument/2006/relationships" xmlns:mc="http://schemas.openxmlformats.org/markup-compatibility/2006" xmlns:mv="urn:schemas-microsoft-com:mac:vml" xmlns:p="http://schemas.openxmlformats.org/presentationml/2006/main" xmlns:c="http://schemas.openxmlformats.org/drawingml/2006/chart" xmlns:dgm="http://schemas.openxmlformats.org/drawingml/2006/diagram" xmlns:o="urn:schemas-microsoft-com:office:office" xmlns:v="urn:schemas-microsoft-com:vml" xmlns:pvml="urn:schemas-microsoft-com:office:powerpoint" xmlns:com="http://schemas.openxmlformats.org/drawingml/2006/compatibility" xmlns:p14="http://schemas.microsoft.com/office/powerpoint/2010/main" xmlns:p15="http://schemas.microsoft.com/office/powerpoint/2012/main" xmlns:ahyp="http://schemas.microsoft.com/office/drawing/2018/hyperlinkcolor" showMasterPhAnim="0" showMasterSp="0">
+  <p:cSld>
+    <p:spTree>
+      <p:nvGrpSpPr>
+        <p:cNvPr id="330" name="Shape 330"/>
+        <p:cNvGrpSpPr/>
+        <p:nvPr/>
+      </p:nvGrpSpPr>
+      <p:grpSpPr>
+        <a:xfrm>
+          <a:off x="0" y="0"/>
+          <a:ext cx="0" cy="0"/>
+          <a:chOff x="0" y="0"/>
+          <a:chExt cx="0" cy="0"/>
+        </a:xfrm>
+      </p:grpSpPr>
+      <p:sp>
+        <p:nvSpPr>
+          <p:cNvPr id="331" name="Google Shape;331;gf3016d0a0e_1_202:notes"/>
+          <p:cNvSpPr/>
+          <p:nvPr>
+            <p:ph idx="2" type="sldImg"/>
+          </p:nvPr>
+        </p:nvSpPr>
+        <p:spPr>
+          <a:xfrm>
+            <a:off x="381300" y="685800"/>
+            <a:ext cx="6096000" cy="3429000"/>
+          </a:xfrm>
+          <a:custGeom>
+            <a:rect b="b" l="l" r="r" t="t"/>
+            <a:pathLst>
+              <a:path extrusionOk="0" h="120000" w="120000">
+                <a:moveTo>
+                  <a:pt x="0" y="0"/>
+                </a:moveTo>
+                <a:lnTo>
+                  <a:pt x="120000" y="0"/>
+                </a:lnTo>
+                <a:lnTo>
+                  <a:pt x="120000" y="120000"/>
+                </a:lnTo>
+                <a:lnTo>
+                  <a:pt x="0" y="120000"/>
+                </a:lnTo>
+                <a:close/>
+              </a:path>
+            </a:pathLst>
+          </a:custGeom>
+        </p:spPr>
+      </p:sp>
+      <p:sp>
+        <p:nvSpPr>
+          <p:cNvPr id="332" name="Google Shape;332;gf3016d0a0e_1_202:notes"/>
+          <p:cNvSpPr txBox="1"/>
+          <p:nvPr>
+            <p:ph idx="1" type="body"/>
+          </p:nvPr>
+        </p:nvSpPr>
+        <p:spPr>
+          <a:xfrm>
+            <a:off x="685800" y="4343400"/>
+            <a:ext cx="5486400" cy="4114800"/>
+          </a:xfrm>
+          <a:prstGeom prst="rect">
+            <a:avLst/>
+          </a:prstGeom>
+        </p:spPr>
+        <p:txBody>
+          <a:bodyPr anchorCtr="0" anchor="t" bIns="91425" lIns="91425" spcFirstLastPara="1" rIns="91425" wrap="square" tIns="91425">
+            <a:noAutofit/>
+          </a:bodyPr>
+          <a:lstStyle/>
+          <a:p>
+            <a:pPr indent="0" lvl="0" marL="0" rtl="0" algn="l">
+              <a:spcBef>
+                <a:spcPts val="0"/>
+              </a:spcBef>
+              <a:spcAft>
+                <a:spcPts val="0"/>
+              </a:spcAft>
+              <a:buNone/>
+            </a:pPr>
+            <a:r>
+              <a:t/>
+            </a:r>
+            <a:endParaRPr/>
+          </a:p>
+        </p:txBody>
+      </p:sp>
+    </p:spTree>
+  </p:cSld>
+  <p:clrMapOvr>
+    <a:masterClrMapping/>
+  </p:clrMapOvr>
+</p:notes>
+</file>
+
+<file path=ppt/notesSlides/notesSlide33.xml><?xml version="1.0" encoding="utf-8"?>
+<p:notes xmlns:a="http://schemas.openxmlformats.org/drawingml/2006/main" xmlns:r="http://schemas.openxmlformats.org/officeDocument/2006/relationships" xmlns:mc="http://schemas.openxmlformats.org/markup-compatibility/2006" xmlns:mv="urn:schemas-microsoft-com:mac:vml" xmlns:p="http://schemas.openxmlformats.org/presentationml/2006/main" xmlns:c="http://schemas.openxmlformats.org/drawingml/2006/chart" xmlns:dgm="http://schemas.openxmlformats.org/drawingml/2006/diagram" xmlns:o="urn:schemas-microsoft-com:office:office" xmlns:v="urn:schemas-microsoft-com:vml" xmlns:pvml="urn:schemas-microsoft-com:office:powerpoint" xmlns:com="http://schemas.openxmlformats.org/drawingml/2006/compatibility" xmlns:p14="http://schemas.microsoft.com/office/powerpoint/2010/main" xmlns:p15="http://schemas.microsoft.com/office/powerpoint/2012/main" xmlns:ahyp="http://schemas.microsoft.com/office/drawing/2018/hyperlinkcolor" showMasterPhAnim="0" showMasterSp="0">
+  <p:cSld>
+    <p:spTree>
+      <p:nvGrpSpPr>
+        <p:cNvPr id="336" name="Shape 336"/>
+        <p:cNvGrpSpPr/>
+        <p:nvPr/>
+      </p:nvGrpSpPr>
+      <p:grpSpPr>
+        <a:xfrm>
+          <a:off x="0" y="0"/>
+          <a:ext cx="0" cy="0"/>
+          <a:chOff x="0" y="0"/>
+          <a:chExt cx="0" cy="0"/>
+        </a:xfrm>
+      </p:grpSpPr>
+      <p:sp>
+        <p:nvSpPr>
+          <p:cNvPr id="337" name="Google Shape;337;gf3016d0a0e_1_207:notes"/>
+          <p:cNvSpPr/>
+          <p:nvPr>
+            <p:ph idx="2" type="sldImg"/>
+          </p:nvPr>
+        </p:nvSpPr>
+        <p:spPr>
+          <a:xfrm>
+            <a:off x="381300" y="685800"/>
+            <a:ext cx="6096000" cy="3429000"/>
+          </a:xfrm>
+          <a:custGeom>
+            <a:rect b="b" l="l" r="r" t="t"/>
+            <a:pathLst>
+              <a:path extrusionOk="0" h="120000" w="120000">
+                <a:moveTo>
+                  <a:pt x="0" y="0"/>
+                </a:moveTo>
+                <a:lnTo>
+                  <a:pt x="120000" y="0"/>
+                </a:lnTo>
+                <a:lnTo>
+                  <a:pt x="120000" y="120000"/>
+                </a:lnTo>
+                <a:lnTo>
+                  <a:pt x="0" y="120000"/>
+                </a:lnTo>
+                <a:close/>
+              </a:path>
+            </a:pathLst>
+          </a:custGeom>
+        </p:spPr>
+      </p:sp>
+      <p:sp>
+        <p:nvSpPr>
+          <p:cNvPr id="338" name="Google Shape;338;gf3016d0a0e_1_207:notes"/>
+          <p:cNvSpPr txBox="1"/>
+          <p:nvPr>
+            <p:ph idx="1" type="body"/>
+          </p:nvPr>
+        </p:nvSpPr>
+        <p:spPr>
+          <a:xfrm>
+            <a:off x="685800" y="4343400"/>
+            <a:ext cx="5486400" cy="4114800"/>
+          </a:xfrm>
+          <a:prstGeom prst="rect">
+            <a:avLst/>
+          </a:prstGeom>
+        </p:spPr>
+        <p:txBody>
+          <a:bodyPr anchorCtr="0" anchor="t" bIns="91425" lIns="91425" spcFirstLastPara="1" rIns="91425" wrap="square" tIns="91425">
+            <a:noAutofit/>
+          </a:bodyPr>
+          <a:lstStyle/>
+          <a:p>
+            <a:pPr indent="0" lvl="0" marL="0" rtl="0" algn="l">
+              <a:spcBef>
+                <a:spcPts val="0"/>
+              </a:spcBef>
+              <a:spcAft>
+                <a:spcPts val="0"/>
+              </a:spcAft>
+              <a:buNone/>
+            </a:pPr>
+            <a:r>
+              <a:t/>
+            </a:r>
+            <a:endParaRPr/>
+          </a:p>
+        </p:txBody>
+      </p:sp>
+    </p:spTree>
+  </p:cSld>
+  <p:clrMapOvr>
+    <a:masterClrMapping/>
+  </p:clrMapOvr>
+</p:notes>
+</file>
+
+<file path=ppt/notesSlides/notesSlide34.xml><?xml version="1.0" encoding="utf-8"?>
+<p:notes xmlns:a="http://schemas.openxmlformats.org/drawingml/2006/main" xmlns:r="http://schemas.openxmlformats.org/officeDocument/2006/relationships" xmlns:mc="http://schemas.openxmlformats.org/markup-compatibility/2006" xmlns:mv="urn:schemas-microsoft-com:mac:vml" xmlns:p="http://schemas.openxmlformats.org/presentationml/2006/main" xmlns:c="http://schemas.openxmlformats.org/drawingml/2006/chart" xmlns:dgm="http://schemas.openxmlformats.org/drawingml/2006/diagram" xmlns:o="urn:schemas-microsoft-com:office:office" xmlns:v="urn:schemas-microsoft-com:vml" xmlns:pvml="urn:schemas-microsoft-com:office:powerpoint" xmlns:com="http://schemas.openxmlformats.org/drawingml/2006/compatibility" xmlns:p14="http://schemas.microsoft.com/office/powerpoint/2010/main" xmlns:p15="http://schemas.microsoft.com/office/powerpoint/2012/main" xmlns:ahyp="http://schemas.microsoft.com/office/drawing/2018/hyperlinkcolor" showMasterPhAnim="0" showMasterSp="0">
+  <p:cSld>
+    <p:spTree>
+      <p:nvGrpSpPr>
+        <p:cNvPr id="342" name="Shape 342"/>
+        <p:cNvGrpSpPr/>
+        <p:nvPr/>
+      </p:nvGrpSpPr>
+      <p:grpSpPr>
+        <a:xfrm>
+          <a:off x="0" y="0"/>
+          <a:ext cx="0" cy="0"/>
+          <a:chOff x="0" y="0"/>
+          <a:chExt cx="0" cy="0"/>
+        </a:xfrm>
+      </p:grpSpPr>
+      <p:sp>
+        <p:nvSpPr>
+          <p:cNvPr id="343" name="Google Shape;343;gf3016d0a0e_1_212:notes"/>
+          <p:cNvSpPr/>
+          <p:nvPr>
+            <p:ph idx="2" type="sldImg"/>
+          </p:nvPr>
+        </p:nvSpPr>
+        <p:spPr>
+          <a:xfrm>
+            <a:off x="381300" y="685800"/>
+            <a:ext cx="6096000" cy="3429000"/>
+          </a:xfrm>
+          <a:custGeom>
+            <a:rect b="b" l="l" r="r" t="t"/>
+            <a:pathLst>
+              <a:path extrusionOk="0" h="120000" w="120000">
+                <a:moveTo>
+                  <a:pt x="0" y="0"/>
+                </a:moveTo>
+                <a:lnTo>
+                  <a:pt x="120000" y="0"/>
+                </a:lnTo>
+                <a:lnTo>
+                  <a:pt x="120000" y="120000"/>
+                </a:lnTo>
+                <a:lnTo>
+                  <a:pt x="0" y="120000"/>
+                </a:lnTo>
+                <a:close/>
+              </a:path>
+            </a:pathLst>
+          </a:custGeom>
+        </p:spPr>
+      </p:sp>
+      <p:sp>
+        <p:nvSpPr>
+          <p:cNvPr id="344" name="Google Shape;344;gf3016d0a0e_1_212:notes"/>
+          <p:cNvSpPr txBox="1"/>
+          <p:nvPr>
+            <p:ph idx="1" type="body"/>
+          </p:nvPr>
+        </p:nvSpPr>
+        <p:spPr>
+          <a:xfrm>
+            <a:off x="685800" y="4343400"/>
+            <a:ext cx="5486400" cy="4114800"/>
+          </a:xfrm>
+          <a:prstGeom prst="rect">
+            <a:avLst/>
+          </a:prstGeom>
+        </p:spPr>
+        <p:txBody>
+          <a:bodyPr anchorCtr="0" anchor="t" bIns="91425" lIns="91425" spcFirstLastPara="1" rIns="91425" wrap="square" tIns="91425">
+            <a:noAutofit/>
+          </a:bodyPr>
+          <a:lstStyle/>
+          <a:p>
+            <a:pPr indent="0" lvl="0" marL="0" rtl="0" algn="l">
+              <a:spcBef>
+                <a:spcPts val="0"/>
+              </a:spcBef>
+              <a:spcAft>
+                <a:spcPts val="0"/>
+              </a:spcAft>
+              <a:buNone/>
+            </a:pPr>
+            <a:r>
+              <a:t/>
+            </a:r>
+            <a:endParaRPr/>
+          </a:p>
+        </p:txBody>
+      </p:sp>
+    </p:spTree>
+  </p:cSld>
+  <p:clrMapOvr>
+    <a:masterClrMapping/>
+  </p:clrMapOvr>
+</p:notes>
+</file>
+
+<file path=ppt/notesSlides/notesSlide35.xml><?xml version="1.0" encoding="utf-8"?>
+<p:notes xmlns:a="http://schemas.openxmlformats.org/drawingml/2006/main" xmlns:r="http://schemas.openxmlformats.org/officeDocument/2006/relationships" xmlns:mc="http://schemas.openxmlformats.org/markup-compatibility/2006" xmlns:mv="urn:schemas-microsoft-com:mac:vml" xmlns:p="http://schemas.openxmlformats.org/presentationml/2006/main" xmlns:c="http://schemas.openxmlformats.org/drawingml/2006/chart" xmlns:dgm="http://schemas.openxmlformats.org/drawingml/2006/diagram" xmlns:o="urn:schemas-microsoft-com:office:office" xmlns:v="urn:schemas-microsoft-com:vml" xmlns:pvml="urn:schemas-microsoft-com:office:powerpoint" xmlns:com="http://schemas.openxmlformats.org/drawingml/2006/compatibility" xmlns:p14="http://schemas.microsoft.com/office/powerpoint/2010/main" xmlns:p15="http://schemas.microsoft.com/office/powerpoint/2012/main" xmlns:ahyp="http://schemas.microsoft.com/office/drawing/2018/hyperlinkcolor" showMasterPhAnim="0" showMasterSp="0">
+  <p:cSld>
+    <p:spTree>
+      <p:nvGrpSpPr>
+        <p:cNvPr id="348" name="Shape 348"/>
+        <p:cNvGrpSpPr/>
+        <p:nvPr/>
+      </p:nvGrpSpPr>
+      <p:grpSpPr>
+        <a:xfrm>
+          <a:off x="0" y="0"/>
+          <a:ext cx="0" cy="0"/>
+          <a:chOff x="0" y="0"/>
+          <a:chExt cx="0" cy="0"/>
+        </a:xfrm>
+      </p:grpSpPr>
+      <p:sp>
+        <p:nvSpPr>
+          <p:cNvPr id="349" name="Google Shape;349;gf3016d0a0e_1_217:notes"/>
+          <p:cNvSpPr/>
+          <p:nvPr>
+            <p:ph idx="2" type="sldImg"/>
+          </p:nvPr>
+        </p:nvSpPr>
+        <p:spPr>
+          <a:xfrm>
+            <a:off x="381300" y="685800"/>
+            <a:ext cx="6096000" cy="3429000"/>
+          </a:xfrm>
+          <a:custGeom>
+            <a:rect b="b" l="l" r="r" t="t"/>
+            <a:pathLst>
+              <a:path extrusionOk="0" h="120000" w="120000">
+                <a:moveTo>
+                  <a:pt x="0" y="0"/>
+                </a:moveTo>
+                <a:lnTo>
+                  <a:pt x="120000" y="0"/>
+                </a:lnTo>
+                <a:lnTo>
+                  <a:pt x="120000" y="120000"/>
+                </a:lnTo>
+                <a:lnTo>
+                  <a:pt x="0" y="120000"/>
+                </a:lnTo>
+                <a:close/>
+              </a:path>
+            </a:pathLst>
+          </a:custGeom>
+        </p:spPr>
+      </p:sp>
+      <p:sp>
+        <p:nvSpPr>
+          <p:cNvPr id="350" name="Google Shape;350;gf3016d0a0e_1_217:notes"/>
+          <p:cNvSpPr txBox="1"/>
+          <p:nvPr>
+            <p:ph idx="1" type="body"/>
+          </p:nvPr>
+        </p:nvSpPr>
+        <p:spPr>
+          <a:xfrm>
+            <a:off x="685800" y="4343400"/>
+            <a:ext cx="5486400" cy="4114800"/>
+          </a:xfrm>
+          <a:prstGeom prst="rect">
+            <a:avLst/>
+          </a:prstGeom>
+        </p:spPr>
+        <p:txBody>
+          <a:bodyPr anchorCtr="0" anchor="t" bIns="91425" lIns="91425" spcFirstLastPara="1" rIns="91425" wrap="square" tIns="91425">
+            <a:noAutofit/>
+          </a:bodyPr>
+          <a:lstStyle/>
+          <a:p>
+            <a:pPr indent="0" lvl="0" marL="0" rtl="0" algn="l">
+              <a:spcBef>
+                <a:spcPts val="0"/>
+              </a:spcBef>
+              <a:spcAft>
+                <a:spcPts val="0"/>
+              </a:spcAft>
+              <a:buNone/>
+            </a:pPr>
+            <a:r>
+              <a:t/>
+            </a:r>
+            <a:endParaRPr/>
+          </a:p>
+        </p:txBody>
+      </p:sp>
+    </p:spTree>
+  </p:cSld>
+  <p:clrMapOvr>
+    <a:masterClrMapping/>
+  </p:clrMapOvr>
+</p:notes>
+</file>
+
+<file path=ppt/notesSlides/notesSlide36.xml><?xml version="1.0" encoding="utf-8"?>
+<p:notes xmlns:a="http://schemas.openxmlformats.org/drawingml/2006/main" xmlns:r="http://schemas.openxmlformats.org/officeDocument/2006/relationships" xmlns:mc="http://schemas.openxmlformats.org/markup-compatibility/2006" xmlns:mv="urn:schemas-microsoft-com:mac:vml" xmlns:p="http://schemas.openxmlformats.org/presentationml/2006/main" xmlns:c="http://schemas.openxmlformats.org/drawingml/2006/chart" xmlns:dgm="http://schemas.openxmlformats.org/drawingml/2006/diagram" xmlns:o="urn:schemas-microsoft-com:office:office" xmlns:v="urn:schemas-microsoft-com:vml" xmlns:pvml="urn:schemas-microsoft-com:office:powerpoint" xmlns:com="http://schemas.openxmlformats.org/drawingml/2006/compatibility" xmlns:p14="http://schemas.microsoft.com/office/powerpoint/2010/main" xmlns:p15="http://schemas.microsoft.com/office/powerpoint/2012/main" xmlns:ahyp="http://schemas.microsoft.com/office/drawing/2018/hyperlinkcolor" showMasterPhAnim="0" showMasterSp="0">
+  <p:cSld>
+    <p:spTree>
+      <p:nvGrpSpPr>
+        <p:cNvPr id="354" name="Shape 354"/>
+        <p:cNvGrpSpPr/>
+        <p:nvPr/>
+      </p:nvGrpSpPr>
+      <p:grpSpPr>
+        <a:xfrm>
+          <a:off x="0" y="0"/>
+          <a:ext cx="0" cy="0"/>
+          <a:chOff x="0" y="0"/>
+          <a:chExt cx="0" cy="0"/>
+        </a:xfrm>
+      </p:grpSpPr>
+      <p:sp>
+        <p:nvSpPr>
+          <p:cNvPr id="355" name="Google Shape;355;gf3016d0a0e_1_222:notes"/>
+          <p:cNvSpPr/>
+          <p:nvPr>
+            <p:ph idx="2" type="sldImg"/>
+          </p:nvPr>
+        </p:nvSpPr>
+        <p:spPr>
+          <a:xfrm>
+            <a:off x="381300" y="685800"/>
+            <a:ext cx="6096000" cy="3429000"/>
+          </a:xfrm>
+          <a:custGeom>
+            <a:rect b="b" l="l" r="r" t="t"/>
+            <a:pathLst>
+              <a:path extrusionOk="0" h="120000" w="120000">
+                <a:moveTo>
+                  <a:pt x="0" y="0"/>
+                </a:moveTo>
+                <a:lnTo>
+                  <a:pt x="120000" y="0"/>
+                </a:lnTo>
+                <a:lnTo>
+                  <a:pt x="120000" y="120000"/>
+                </a:lnTo>
+                <a:lnTo>
+                  <a:pt x="0" y="120000"/>
+                </a:lnTo>
+                <a:close/>
+              </a:path>
+            </a:pathLst>
+          </a:custGeom>
+        </p:spPr>
+      </p:sp>
+      <p:sp>
+        <p:nvSpPr>
+          <p:cNvPr id="356" name="Google Shape;356;gf3016d0a0e_1_222:notes"/>
+          <p:cNvSpPr txBox="1"/>
+          <p:nvPr>
+            <p:ph idx="1" type="body"/>
+          </p:nvPr>
+        </p:nvSpPr>
+        <p:spPr>
+          <a:xfrm>
+            <a:off x="685800" y="4343400"/>
+            <a:ext cx="5486400" cy="4114800"/>
+          </a:xfrm>
+          <a:prstGeom prst="rect">
+            <a:avLst/>
+          </a:prstGeom>
+        </p:spPr>
+        <p:txBody>
+          <a:bodyPr anchorCtr="0" anchor="t" bIns="91425" lIns="91425" spcFirstLastPara="1" rIns="91425" wrap="square" tIns="91425">
+            <a:noAutofit/>
+          </a:bodyPr>
+          <a:lstStyle/>
+          <a:p>
+            <a:pPr indent="0" lvl="0" marL="0" rtl="0" algn="l">
+              <a:spcBef>
+                <a:spcPts val="0"/>
+              </a:spcBef>
+              <a:spcAft>
+                <a:spcPts val="0"/>
+              </a:spcAft>
+              <a:buNone/>
+            </a:pPr>
+            <a:r>
+              <a:t/>
+            </a:r>
+            <a:endParaRPr/>
+          </a:p>
+        </p:txBody>
+      </p:sp>
+    </p:spTree>
+  </p:cSld>
+  <p:clrMapOvr>
+    <a:masterClrMapping/>
+  </p:clrMapOvr>
+</p:notes>
+</file>
+
+<file path=ppt/notesSlides/notesSlide37.xml><?xml version="1.0" encoding="utf-8"?>
+<p:notes xmlns:a="http://schemas.openxmlformats.org/drawingml/2006/main" xmlns:r="http://schemas.openxmlformats.org/officeDocument/2006/relationships" xmlns:mc="http://schemas.openxmlformats.org/markup-compatibility/2006" xmlns:mv="urn:schemas-microsoft-com:mac:vml" xmlns:p="http://schemas.openxmlformats.org/presentationml/2006/main" xmlns:c="http://schemas.openxmlformats.org/drawingml/2006/chart" xmlns:dgm="http://schemas.openxmlformats.org/drawingml/2006/diagram" xmlns:o="urn:schemas-microsoft-com:office:office" xmlns:v="urn:schemas-microsoft-com:vml" xmlns:pvml="urn:schemas-microsoft-com:office:powerpoint" xmlns:com="http://schemas.openxmlformats.org/drawingml/2006/compatibility" xmlns:p14="http://schemas.microsoft.com/office/powerpoint/2010/main" xmlns:p15="http://schemas.microsoft.com/office/powerpoint/2012/main" xmlns:ahyp="http://schemas.microsoft.com/office/drawing/2018/hyperlinkcolor" showMasterPhAnim="0" showMasterSp="0">
+  <p:cSld>
+    <p:spTree>
+      <p:nvGrpSpPr>
+        <p:cNvPr id="360" name="Shape 360"/>
+        <p:cNvGrpSpPr/>
+        <p:nvPr/>
+      </p:nvGrpSpPr>
+      <p:grpSpPr>
+        <a:xfrm>
+          <a:off x="0" y="0"/>
+          <a:ext cx="0" cy="0"/>
+          <a:chOff x="0" y="0"/>
+          <a:chExt cx="0" cy="0"/>
+        </a:xfrm>
+      </p:grpSpPr>
+      <p:sp>
+        <p:nvSpPr>
+          <p:cNvPr id="361" name="Google Shape;361;gf3016d0a0e_1_228:notes"/>
+          <p:cNvSpPr/>
+          <p:nvPr>
+            <p:ph idx="2" type="sldImg"/>
+          </p:nvPr>
+        </p:nvSpPr>
+        <p:spPr>
+          <a:xfrm>
+            <a:off x="381300" y="685800"/>
+            <a:ext cx="6096000" cy="3429000"/>
+          </a:xfrm>
+          <a:custGeom>
+            <a:rect b="b" l="l" r="r" t="t"/>
+            <a:pathLst>
+              <a:path extrusionOk="0" h="120000" w="120000">
+                <a:moveTo>
+                  <a:pt x="0" y="0"/>
+                </a:moveTo>
+                <a:lnTo>
+                  <a:pt x="120000" y="0"/>
+                </a:lnTo>
+                <a:lnTo>
+                  <a:pt x="120000" y="120000"/>
+                </a:lnTo>
+                <a:lnTo>
+                  <a:pt x="0" y="120000"/>
+                </a:lnTo>
+                <a:close/>
+              </a:path>
+            </a:pathLst>
+          </a:custGeom>
+        </p:spPr>
+      </p:sp>
+      <p:sp>
+        <p:nvSpPr>
+          <p:cNvPr id="362" name="Google Shape;362;gf3016d0a0e_1_228:notes"/>
+          <p:cNvSpPr txBox="1"/>
+          <p:nvPr>
+            <p:ph idx="1" type="body"/>
+          </p:nvPr>
+        </p:nvSpPr>
+        <p:spPr>
+          <a:xfrm>
+            <a:off x="685800" y="4343400"/>
+            <a:ext cx="5486400" cy="4114800"/>
+          </a:xfrm>
+          <a:prstGeom prst="rect">
+            <a:avLst/>
+          </a:prstGeom>
+        </p:spPr>
+        <p:txBody>
+          <a:bodyPr anchorCtr="0" anchor="t" bIns="91425" lIns="91425" spcFirstLastPara="1" rIns="91425" wrap="square" tIns="91425">
+            <a:noAutofit/>
+          </a:bodyPr>
+          <a:lstStyle/>
+          <a:p>
+            <a:pPr indent="0" lvl="0" marL="0" rtl="0" algn="l">
+              <a:spcBef>
+                <a:spcPts val="0"/>
+              </a:spcBef>
+              <a:spcAft>
+                <a:spcPts val="0"/>
+              </a:spcAft>
+              <a:buNone/>
+            </a:pPr>
+            <a:r>
+              <a:t/>
+            </a:r>
+            <a:endParaRPr/>
+          </a:p>
+        </p:txBody>
+      </p:sp>
+    </p:spTree>
+  </p:cSld>
+  <p:clrMapOvr>
+    <a:masterClrMapping/>
+  </p:clrMapOvr>
+</p:notes>
+</file>
+
+<file path=ppt/notesSlides/notesSlide38.xml><?xml version="1.0" encoding="utf-8"?>
+<p:notes xmlns:a="http://schemas.openxmlformats.org/drawingml/2006/main" xmlns:r="http://schemas.openxmlformats.org/officeDocument/2006/relationships" xmlns:mc="http://schemas.openxmlformats.org/markup-compatibility/2006" xmlns:mv="urn:schemas-microsoft-com:mac:vml" xmlns:p="http://schemas.openxmlformats.org/presentationml/2006/main" xmlns:c="http://schemas.openxmlformats.org/drawingml/2006/chart" xmlns:dgm="http://schemas.openxmlformats.org/drawingml/2006/diagram" xmlns:o="urn:schemas-microsoft-com:office:office" xmlns:v="urn:schemas-microsoft-com:vml" xmlns:pvml="urn:schemas-microsoft-com:office:powerpoint" xmlns:com="http://schemas.openxmlformats.org/drawingml/2006/compatibility" xmlns:p14="http://schemas.microsoft.com/office/powerpoint/2010/main" xmlns:p15="http://schemas.microsoft.com/office/powerpoint/2012/main" xmlns:ahyp="http://schemas.microsoft.com/office/drawing/2018/hyperlinkcolor" showMasterPhAnim="0" showMasterSp="0">
+  <p:cSld>
+    <p:spTree>
+      <p:nvGrpSpPr>
+        <p:cNvPr id="365" name="Shape 365"/>
+        <p:cNvGrpSpPr/>
+        <p:nvPr/>
+      </p:nvGrpSpPr>
+      <p:grpSpPr>
+        <a:xfrm>
+          <a:off x="0" y="0"/>
+          <a:ext cx="0" cy="0"/>
+          <a:chOff x="0" y="0"/>
+          <a:chExt cx="0" cy="0"/>
+        </a:xfrm>
+      </p:grpSpPr>
+      <p:sp>
+        <p:nvSpPr>
+          <p:cNvPr id="366" name="Google Shape;366;gf3016d0a0e_1_233:notes"/>
+          <p:cNvSpPr/>
+          <p:nvPr>
+            <p:ph idx="2" type="sldImg"/>
+          </p:nvPr>
+        </p:nvSpPr>
+        <p:spPr>
+          <a:xfrm>
+            <a:off x="381300" y="685800"/>
+            <a:ext cx="6096000" cy="3429000"/>
+          </a:xfrm>
+          <a:custGeom>
+            <a:rect b="b" l="l" r="r" t="t"/>
+            <a:pathLst>
+              <a:path extrusionOk="0" h="120000" w="120000">
+                <a:moveTo>
+                  <a:pt x="0" y="0"/>
+                </a:moveTo>
+                <a:lnTo>
+                  <a:pt x="120000" y="0"/>
+                </a:lnTo>
+                <a:lnTo>
+                  <a:pt x="120000" y="120000"/>
+                </a:lnTo>
+                <a:lnTo>
+                  <a:pt x="0" y="120000"/>
+                </a:lnTo>
+                <a:close/>
+              </a:path>
+            </a:pathLst>
+          </a:custGeom>
+        </p:spPr>
+      </p:sp>
+      <p:sp>
+        <p:nvSpPr>
+          <p:cNvPr id="367" name="Google Shape;367;gf3016d0a0e_1_233:notes"/>
+          <p:cNvSpPr txBox="1"/>
+          <p:nvPr>
+            <p:ph idx="1" type="body"/>
+          </p:nvPr>
+        </p:nvSpPr>
+        <p:spPr>
+          <a:xfrm>
+            <a:off x="685800" y="4343400"/>
+            <a:ext cx="5486400" cy="4114800"/>
+          </a:xfrm>
+          <a:prstGeom prst="rect">
+            <a:avLst/>
+          </a:prstGeom>
+        </p:spPr>
+        <p:txBody>
+          <a:bodyPr anchorCtr="0" anchor="t" bIns="91425" lIns="91425" spcFirstLastPara="1" rIns="91425" wrap="square" tIns="91425">
+            <a:noAutofit/>
+          </a:bodyPr>
+          <a:lstStyle/>
+          <a:p>
+            <a:pPr indent="0" lvl="0" marL="0" rtl="0" algn="l">
+              <a:spcBef>
+                <a:spcPts val="0"/>
+              </a:spcBef>
+              <a:spcAft>
+                <a:spcPts val="0"/>
+              </a:spcAft>
+              <a:buNone/>
+            </a:pPr>
+            <a:r>
+              <a:rPr lang="en"/>
+              <a:t>For now, let’s just assume that we only have one main branch or trunk, and that is dev. Usually dev is ready for releases since it contains all the features. However, you may need to do reverts or cherry-pick based on the scenario.</a:t>
+            </a:r>
+            <a:endParaRPr/>
+          </a:p>
+        </p:txBody>
+      </p:sp>
+    </p:spTree>
+  </p:cSld>
+  <p:clrMapOvr>
+    <a:masterClrMapping/>
+  </p:clrMapOvr>
+</p:notes>
+</file>
+
+<file path=ppt/notesSlides/notesSlide39.xml><?xml version="1.0" encoding="utf-8"?>
+<p:notes xmlns:a="http://schemas.openxmlformats.org/drawingml/2006/main" xmlns:r="http://schemas.openxmlformats.org/officeDocument/2006/relationships" xmlns:mc="http://schemas.openxmlformats.org/markup-compatibility/2006" xmlns:mv="urn:schemas-microsoft-com:mac:vml" xmlns:p="http://schemas.openxmlformats.org/presentationml/2006/main" xmlns:c="http://schemas.openxmlformats.org/drawingml/2006/chart" xmlns:dgm="http://schemas.openxmlformats.org/drawingml/2006/diagram" xmlns:o="urn:schemas-microsoft-com:office:office" xmlns:v="urn:schemas-microsoft-com:vml" xmlns:pvml="urn:schemas-microsoft-com:office:powerpoint" xmlns:com="http://schemas.openxmlformats.org/drawingml/2006/compatibility" xmlns:p14="http://schemas.microsoft.com/office/powerpoint/2010/main" xmlns:p15="http://schemas.microsoft.com/office/powerpoint/2012/main" xmlns:ahyp="http://schemas.microsoft.com/office/drawing/2018/hyperlinkcolor" showMasterPhAnim="0" showMasterSp="0">
+  <p:cSld>
+    <p:spTree>
+      <p:nvGrpSpPr>
+        <p:cNvPr id="371" name="Shape 371"/>
+        <p:cNvGrpSpPr/>
+        <p:nvPr/>
+      </p:nvGrpSpPr>
+      <p:grpSpPr>
+        <a:xfrm>
+          <a:off x="0" y="0"/>
+          <a:ext cx="0" cy="0"/>
+          <a:chOff x="0" y="0"/>
+          <a:chExt cx="0" cy="0"/>
+        </a:xfrm>
+      </p:grpSpPr>
+      <p:sp>
+        <p:nvSpPr>
+          <p:cNvPr id="372" name="Google Shape;372;gf3016d0a0e_1_238:notes"/>
+          <p:cNvSpPr/>
+          <p:nvPr>
+            <p:ph idx="2" type="sldImg"/>
+          </p:nvPr>
+        </p:nvSpPr>
+        <p:spPr>
+          <a:xfrm>
+            <a:off x="381300" y="685800"/>
+            <a:ext cx="6096000" cy="3429000"/>
+          </a:xfrm>
+          <a:custGeom>
+            <a:rect b="b" l="l" r="r" t="t"/>
+            <a:pathLst>
+              <a:path extrusionOk="0" h="120000" w="120000">
+                <a:moveTo>
+                  <a:pt x="0" y="0"/>
+                </a:moveTo>
+                <a:lnTo>
+                  <a:pt x="120000" y="0"/>
+                </a:lnTo>
+                <a:lnTo>
+                  <a:pt x="120000" y="120000"/>
+                </a:lnTo>
+                <a:lnTo>
+                  <a:pt x="0" y="120000"/>
+                </a:lnTo>
+                <a:close/>
+              </a:path>
+            </a:pathLst>
+          </a:custGeom>
+        </p:spPr>
+      </p:sp>
+      <p:sp>
+        <p:nvSpPr>
+          <p:cNvPr id="373" name="Google Shape;373;gf3016d0a0e_1_238:notes"/>
+          <p:cNvSpPr txBox="1"/>
+          <p:nvPr>
+            <p:ph idx="1" type="body"/>
+          </p:nvPr>
+        </p:nvSpPr>
+        <p:spPr>
+          <a:xfrm>
+            <a:off x="685800" y="4343400"/>
+            <a:ext cx="5486400" cy="4114800"/>
+          </a:xfrm>
+          <a:prstGeom prst="rect">
+            <a:avLst/>
+          </a:prstGeom>
+        </p:spPr>
+        <p:txBody>
+          <a:bodyPr anchorCtr="0" anchor="t" bIns="91425" lIns="91425" spcFirstLastPara="1" rIns="91425" wrap="square" tIns="91425">
+            <a:noAutofit/>
+          </a:bodyPr>
+          <a:lstStyle/>
+          <a:p>
+            <a:pPr indent="0" lvl="0" marL="0" rtl="0" algn="l">
+              <a:spcBef>
+                <a:spcPts val="0"/>
+              </a:spcBef>
+              <a:spcAft>
+                <a:spcPts val="0"/>
+              </a:spcAft>
+              <a:buNone/>
+            </a:pPr>
+            <a:r>
+              <a:t/>
+            </a:r>
+            <a:endParaRPr/>
+          </a:p>
+        </p:txBody>
+      </p:sp>
+    </p:spTree>
+  </p:cSld>
+  <p:clrMapOvr>
+    <a:masterClrMapping/>
+  </p:clrMapOvr>
+</p:notes>
+</file>
+
 <file path=ppt/notesSlides/notesSlide4.xml><?xml version="1.0" encoding="utf-8"?>
 <p:notes xmlns:a="http://schemas.openxmlformats.org/drawingml/2006/main" xmlns:r="http://schemas.openxmlformats.org/officeDocument/2006/relationships" xmlns:mc="http://schemas.openxmlformats.org/markup-compatibility/2006" xmlns:mv="urn:schemas-microsoft-com:mac:vml" xmlns:p="http://schemas.openxmlformats.org/presentationml/2006/main" xmlns:c="http://schemas.openxmlformats.org/drawingml/2006/chart" xmlns:dgm="http://schemas.openxmlformats.org/drawingml/2006/diagram" xmlns:o="urn:schemas-microsoft-com:office:office" xmlns:v="urn:schemas-microsoft-com:vml" xmlns:pvml="urn:schemas-microsoft-com:office:powerpoint" xmlns:com="http://schemas.openxmlformats.org/drawingml/2006/compatibility" xmlns:p14="http://schemas.microsoft.com/office/powerpoint/2010/main" xmlns:p15="http://schemas.microsoft.com/office/powerpoint/2012/main" xmlns:ahyp="http://schemas.microsoft.com/office/drawing/2018/hyperlinkcolor" showMasterPhAnim="0" showMasterSp="0">
   <p:cSld>
@@ -3076,6 +4465,337 @@
             <a:r>
               <a:rPr lang="en"/>
               <a:t>Note: Discussion on Git tools/GUI vs Git CLI will be discussed on installation.</a:t>
+            </a:r>
+            <a:endParaRPr/>
+          </a:p>
+        </p:txBody>
+      </p:sp>
+    </p:spTree>
+  </p:cSld>
+  <p:clrMapOvr>
+    <a:masterClrMapping/>
+  </p:clrMapOvr>
+</p:notes>
+</file>
+
+<file path=ppt/notesSlides/notesSlide40.xml><?xml version="1.0" encoding="utf-8"?>
+<p:notes xmlns:a="http://schemas.openxmlformats.org/drawingml/2006/main" xmlns:r="http://schemas.openxmlformats.org/officeDocument/2006/relationships" xmlns:mc="http://schemas.openxmlformats.org/markup-compatibility/2006" xmlns:mv="urn:schemas-microsoft-com:mac:vml" xmlns:p="http://schemas.openxmlformats.org/presentationml/2006/main" xmlns:c="http://schemas.openxmlformats.org/drawingml/2006/chart" xmlns:dgm="http://schemas.openxmlformats.org/drawingml/2006/diagram" xmlns:o="urn:schemas-microsoft-com:office:office" xmlns:v="urn:schemas-microsoft-com:vml" xmlns:pvml="urn:schemas-microsoft-com:office:powerpoint" xmlns:com="http://schemas.openxmlformats.org/drawingml/2006/compatibility" xmlns:p14="http://schemas.microsoft.com/office/powerpoint/2010/main" xmlns:p15="http://schemas.microsoft.com/office/powerpoint/2012/main" xmlns:ahyp="http://schemas.microsoft.com/office/drawing/2018/hyperlinkcolor" showMasterPhAnim="0" showMasterSp="0">
+  <p:cSld>
+    <p:spTree>
+      <p:nvGrpSpPr>
+        <p:cNvPr id="377" name="Shape 377"/>
+        <p:cNvGrpSpPr/>
+        <p:nvPr/>
+      </p:nvGrpSpPr>
+      <p:grpSpPr>
+        <a:xfrm>
+          <a:off x="0" y="0"/>
+          <a:ext cx="0" cy="0"/>
+          <a:chOff x="0" y="0"/>
+          <a:chExt cx="0" cy="0"/>
+        </a:xfrm>
+      </p:grpSpPr>
+      <p:sp>
+        <p:nvSpPr>
+          <p:cNvPr id="378" name="Google Shape;378;gf3016d0a0e_1_243:notes"/>
+          <p:cNvSpPr/>
+          <p:nvPr>
+            <p:ph idx="2" type="sldImg"/>
+          </p:nvPr>
+        </p:nvSpPr>
+        <p:spPr>
+          <a:xfrm>
+            <a:off x="381300" y="685800"/>
+            <a:ext cx="6096000" cy="3429000"/>
+          </a:xfrm>
+          <a:custGeom>
+            <a:rect b="b" l="l" r="r" t="t"/>
+            <a:pathLst>
+              <a:path extrusionOk="0" h="120000" w="120000">
+                <a:moveTo>
+                  <a:pt x="0" y="0"/>
+                </a:moveTo>
+                <a:lnTo>
+                  <a:pt x="120000" y="0"/>
+                </a:lnTo>
+                <a:lnTo>
+                  <a:pt x="120000" y="120000"/>
+                </a:lnTo>
+                <a:lnTo>
+                  <a:pt x="0" y="120000"/>
+                </a:lnTo>
+                <a:close/>
+              </a:path>
+            </a:pathLst>
+          </a:custGeom>
+        </p:spPr>
+      </p:sp>
+      <p:sp>
+        <p:nvSpPr>
+          <p:cNvPr id="379" name="Google Shape;379;gf3016d0a0e_1_243:notes"/>
+          <p:cNvSpPr txBox="1"/>
+          <p:nvPr>
+            <p:ph idx="1" type="body"/>
+          </p:nvPr>
+        </p:nvSpPr>
+        <p:spPr>
+          <a:xfrm>
+            <a:off x="685800" y="4343400"/>
+            <a:ext cx="5486400" cy="4114800"/>
+          </a:xfrm>
+          <a:prstGeom prst="rect">
+            <a:avLst/>
+          </a:prstGeom>
+        </p:spPr>
+        <p:txBody>
+          <a:bodyPr anchorCtr="0" anchor="t" bIns="91425" lIns="91425" spcFirstLastPara="1" rIns="91425" wrap="square" tIns="91425">
+            <a:noAutofit/>
+          </a:bodyPr>
+          <a:lstStyle/>
+          <a:p>
+            <a:pPr indent="0" lvl="0" marL="0" rtl="0" algn="l">
+              <a:spcBef>
+                <a:spcPts val="0"/>
+              </a:spcBef>
+              <a:spcAft>
+                <a:spcPts val="0"/>
+              </a:spcAft>
+              <a:buNone/>
+            </a:pPr>
+            <a:r>
+              <a:rPr lang="en"/>
+              <a:t>Resources:</a:t>
+            </a:r>
+            <a:endParaRPr/>
+          </a:p>
+          <a:p>
+            <a:pPr indent="0" lvl="0" marL="0" rtl="0" algn="l">
+              <a:spcBef>
+                <a:spcPts val="0"/>
+              </a:spcBef>
+              <a:spcAft>
+                <a:spcPts val="0"/>
+              </a:spcAft>
+              <a:buNone/>
+            </a:pPr>
+            <a:r>
+              <a:rPr lang="en"/>
+              <a:t>https://www.atlassian.com/git/tutorials/comparing-workflows/gitflow-workflow</a:t>
+            </a:r>
+            <a:endParaRPr/>
+          </a:p>
+        </p:txBody>
+      </p:sp>
+    </p:spTree>
+  </p:cSld>
+  <p:clrMapOvr>
+    <a:masterClrMapping/>
+  </p:clrMapOvr>
+</p:notes>
+</file>
+
+<file path=ppt/notesSlides/notesSlide41.xml><?xml version="1.0" encoding="utf-8"?>
+<p:notes xmlns:a="http://schemas.openxmlformats.org/drawingml/2006/main" xmlns:r="http://schemas.openxmlformats.org/officeDocument/2006/relationships" xmlns:mc="http://schemas.openxmlformats.org/markup-compatibility/2006" xmlns:mv="urn:schemas-microsoft-com:mac:vml" xmlns:p="http://schemas.openxmlformats.org/presentationml/2006/main" xmlns:c="http://schemas.openxmlformats.org/drawingml/2006/chart" xmlns:dgm="http://schemas.openxmlformats.org/drawingml/2006/diagram" xmlns:o="urn:schemas-microsoft-com:office:office" xmlns:v="urn:schemas-microsoft-com:vml" xmlns:pvml="urn:schemas-microsoft-com:office:powerpoint" xmlns:com="http://schemas.openxmlformats.org/drawingml/2006/compatibility" xmlns:p14="http://schemas.microsoft.com/office/powerpoint/2010/main" xmlns:p15="http://schemas.microsoft.com/office/powerpoint/2012/main" xmlns:ahyp="http://schemas.microsoft.com/office/drawing/2018/hyperlinkcolor" showMasterPhAnim="0" showMasterSp="0">
+  <p:cSld>
+    <p:spTree>
+      <p:nvGrpSpPr>
+        <p:cNvPr id="385" name="Shape 385"/>
+        <p:cNvGrpSpPr/>
+        <p:nvPr/>
+      </p:nvGrpSpPr>
+      <p:grpSpPr>
+        <a:xfrm>
+          <a:off x="0" y="0"/>
+          <a:ext cx="0" cy="0"/>
+          <a:chOff x="0" y="0"/>
+          <a:chExt cx="0" cy="0"/>
+        </a:xfrm>
+      </p:grpSpPr>
+      <p:sp>
+        <p:nvSpPr>
+          <p:cNvPr id="386" name="Google Shape;386;gf3016d0a0e_1_253:notes"/>
+          <p:cNvSpPr/>
+          <p:nvPr>
+            <p:ph idx="2" type="sldImg"/>
+          </p:nvPr>
+        </p:nvSpPr>
+        <p:spPr>
+          <a:xfrm>
+            <a:off x="381300" y="685800"/>
+            <a:ext cx="6096000" cy="3429000"/>
+          </a:xfrm>
+          <a:custGeom>
+            <a:rect b="b" l="l" r="r" t="t"/>
+            <a:pathLst>
+              <a:path extrusionOk="0" h="120000" w="120000">
+                <a:moveTo>
+                  <a:pt x="0" y="0"/>
+                </a:moveTo>
+                <a:lnTo>
+                  <a:pt x="120000" y="0"/>
+                </a:lnTo>
+                <a:lnTo>
+                  <a:pt x="120000" y="120000"/>
+                </a:lnTo>
+                <a:lnTo>
+                  <a:pt x="0" y="120000"/>
+                </a:lnTo>
+                <a:close/>
+              </a:path>
+            </a:pathLst>
+          </a:custGeom>
+        </p:spPr>
+      </p:sp>
+      <p:sp>
+        <p:nvSpPr>
+          <p:cNvPr id="387" name="Google Shape;387;gf3016d0a0e_1_253:notes"/>
+          <p:cNvSpPr txBox="1"/>
+          <p:nvPr>
+            <p:ph idx="1" type="body"/>
+          </p:nvPr>
+        </p:nvSpPr>
+        <p:spPr>
+          <a:xfrm>
+            <a:off x="685800" y="4343400"/>
+            <a:ext cx="5486400" cy="4114800"/>
+          </a:xfrm>
+          <a:prstGeom prst="rect">
+            <a:avLst/>
+          </a:prstGeom>
+        </p:spPr>
+        <p:txBody>
+          <a:bodyPr anchorCtr="0" anchor="t" bIns="91425" lIns="91425" spcFirstLastPara="1" rIns="91425" wrap="square" tIns="91425">
+            <a:noAutofit/>
+          </a:bodyPr>
+          <a:lstStyle/>
+          <a:p>
+            <a:pPr indent="0" lvl="0" marL="0" rtl="0" algn="l">
+              <a:spcBef>
+                <a:spcPts val="0"/>
+              </a:spcBef>
+              <a:spcAft>
+                <a:spcPts val="0"/>
+              </a:spcAft>
+              <a:buNone/>
+            </a:pPr>
+            <a:r>
+              <a:rPr lang="en"/>
+              <a:t>Resources:</a:t>
+            </a:r>
+            <a:endParaRPr/>
+          </a:p>
+          <a:p>
+            <a:pPr indent="0" lvl="0" marL="0" rtl="0" algn="l">
+              <a:spcBef>
+                <a:spcPts val="0"/>
+              </a:spcBef>
+              <a:spcAft>
+                <a:spcPts val="0"/>
+              </a:spcAft>
+              <a:buNone/>
+            </a:pPr>
+            <a:r>
+              <a:rPr lang="en"/>
+              <a:t>https://trunkbaseddevelopment.com/</a:t>
+            </a:r>
+            <a:endParaRPr/>
+          </a:p>
+        </p:txBody>
+      </p:sp>
+    </p:spTree>
+  </p:cSld>
+  <p:clrMapOvr>
+    <a:masterClrMapping/>
+  </p:clrMapOvr>
+</p:notes>
+</file>
+
+<file path=ppt/notesSlides/notesSlide42.xml><?xml version="1.0" encoding="utf-8"?>
+<p:notes xmlns:a="http://schemas.openxmlformats.org/drawingml/2006/main" xmlns:r="http://schemas.openxmlformats.org/officeDocument/2006/relationships" xmlns:mc="http://schemas.openxmlformats.org/markup-compatibility/2006" xmlns:mv="urn:schemas-microsoft-com:mac:vml" xmlns:p="http://schemas.openxmlformats.org/presentationml/2006/main" xmlns:c="http://schemas.openxmlformats.org/drawingml/2006/chart" xmlns:dgm="http://schemas.openxmlformats.org/drawingml/2006/diagram" xmlns:o="urn:schemas-microsoft-com:office:office" xmlns:v="urn:schemas-microsoft-com:vml" xmlns:pvml="urn:schemas-microsoft-com:office:powerpoint" xmlns:com="http://schemas.openxmlformats.org/drawingml/2006/compatibility" xmlns:p14="http://schemas.microsoft.com/office/powerpoint/2010/main" xmlns:p15="http://schemas.microsoft.com/office/powerpoint/2012/main" xmlns:ahyp="http://schemas.microsoft.com/office/drawing/2018/hyperlinkcolor" showMasterPhAnim="0" showMasterSp="0">
+  <p:cSld>
+    <p:spTree>
+      <p:nvGrpSpPr>
+        <p:cNvPr id="393" name="Shape 393"/>
+        <p:cNvGrpSpPr/>
+        <p:nvPr/>
+      </p:nvGrpSpPr>
+      <p:grpSpPr>
+        <a:xfrm>
+          <a:off x="0" y="0"/>
+          <a:ext cx="0" cy="0"/>
+          <a:chOff x="0" y="0"/>
+          <a:chExt cx="0" cy="0"/>
+        </a:xfrm>
+      </p:grpSpPr>
+      <p:sp>
+        <p:nvSpPr>
+          <p:cNvPr id="394" name="Google Shape;394;gf3016d0a0e_1_260:notes"/>
+          <p:cNvSpPr/>
+          <p:nvPr>
+            <p:ph idx="2" type="sldImg"/>
+          </p:nvPr>
+        </p:nvSpPr>
+        <p:spPr>
+          <a:xfrm>
+            <a:off x="381300" y="685800"/>
+            <a:ext cx="6096000" cy="3429000"/>
+          </a:xfrm>
+          <a:custGeom>
+            <a:rect b="b" l="l" r="r" t="t"/>
+            <a:pathLst>
+              <a:path extrusionOk="0" h="120000" w="120000">
+                <a:moveTo>
+                  <a:pt x="0" y="0"/>
+                </a:moveTo>
+                <a:lnTo>
+                  <a:pt x="120000" y="0"/>
+                </a:lnTo>
+                <a:lnTo>
+                  <a:pt x="120000" y="120000"/>
+                </a:lnTo>
+                <a:lnTo>
+                  <a:pt x="0" y="120000"/>
+                </a:lnTo>
+                <a:close/>
+              </a:path>
+            </a:pathLst>
+          </a:custGeom>
+        </p:spPr>
+      </p:sp>
+      <p:sp>
+        <p:nvSpPr>
+          <p:cNvPr id="395" name="Google Shape;395;gf3016d0a0e_1_260:notes"/>
+          <p:cNvSpPr txBox="1"/>
+          <p:nvPr>
+            <p:ph idx="1" type="body"/>
+          </p:nvPr>
+        </p:nvSpPr>
+        <p:spPr>
+          <a:xfrm>
+            <a:off x="685800" y="4343400"/>
+            <a:ext cx="5486400" cy="4114800"/>
+          </a:xfrm>
+          <a:prstGeom prst="rect">
+            <a:avLst/>
+          </a:prstGeom>
+        </p:spPr>
+        <p:txBody>
+          <a:bodyPr anchorCtr="0" anchor="t" bIns="91425" lIns="91425" spcFirstLastPara="1" rIns="91425" wrap="square" tIns="91425">
+            <a:noAutofit/>
+          </a:bodyPr>
+          <a:lstStyle/>
+          <a:p>
+            <a:pPr indent="0" lvl="0" marL="0" rtl="0" algn="l">
+              <a:spcBef>
+                <a:spcPts val="0"/>
+              </a:spcBef>
+              <a:spcAft>
+                <a:spcPts val="0"/>
+              </a:spcAft>
+              <a:buNone/>
+            </a:pPr>
+            <a:r>
+              <a:t/>
             </a:r>
             <a:endParaRPr/>
           </a:p>
@@ -12135,7 +13855,7 @@
         </p:spPr>
         <p:txBody>
           <a:bodyPr anchorCtr="0" anchor="t" bIns="91425" lIns="91425" spcFirstLastPara="1" rIns="91425" wrap="square" tIns="91425">
-            <a:normAutofit/>
+            <a:normAutofit lnSpcReduction="20000"/>
           </a:bodyPr>
           <a:lstStyle/>
           <a:p>
@@ -12149,7 +13869,8 @@
               <a:buNone/>
             </a:pPr>
             <a:r>
-              <a:t/>
+              <a:rPr lang="en"/>
+              <a:t>Download at https://github.com/batibot323/git-workshop</a:t>
             </a:r>
             <a:endParaRPr/>
           </a:p>
@@ -13973,8 +15694,373 @@
         </p:nvSpPr>
         <p:spPr>
           <a:xfrm>
-            <a:off x="812725" y="4305375"/>
-            <a:ext cx="6936000" cy="523800"/>
+            <a:off x="1297500" y="1567550"/>
+            <a:ext cx="7038900" cy="2911200"/>
+          </a:xfrm>
+          <a:prstGeom prst="rect">
+            <a:avLst/>
+          </a:prstGeom>
+        </p:spPr>
+        <p:txBody>
+          <a:bodyPr anchorCtr="0" anchor="t" bIns="91425" lIns="91425" spcFirstLastPara="1" rIns="91425" wrap="square" tIns="91425">
+            <a:normAutofit/>
+          </a:bodyPr>
+          <a:lstStyle/>
+          <a:p>
+            <a:pPr indent="-311150" lvl="0" marL="457200" rtl="0" algn="l">
+              <a:spcBef>
+                <a:spcPts val="0"/>
+              </a:spcBef>
+              <a:spcAft>
+                <a:spcPts val="0"/>
+              </a:spcAft>
+              <a:buSzPts val="1300"/>
+              <a:buAutoNum type="arabicPeriod"/>
+            </a:pPr>
+            <a:r>
+              <a:rPr lang="en"/>
+              <a:t>Go to your %userprofile% folder</a:t>
+            </a:r>
+            <a:endParaRPr/>
+          </a:p>
+          <a:p>
+            <a:pPr indent="-298450" lvl="1" marL="914400" rtl="0" algn="l">
+              <a:spcBef>
+                <a:spcPts val="0"/>
+              </a:spcBef>
+              <a:spcAft>
+                <a:spcPts val="0"/>
+              </a:spcAft>
+              <a:buSzPts val="1100"/>
+              <a:buAutoNum type="alphaLcPeriod"/>
+            </a:pPr>
+            <a:r>
+              <a:rPr lang="en"/>
+              <a:t>Just enter %userprofile% in the address bar of Windows Explorer</a:t>
+            </a:r>
+            <a:endParaRPr/>
+          </a:p>
+          <a:p>
+            <a:pPr indent="-311150" lvl="0" marL="457200" rtl="0" algn="l">
+              <a:spcBef>
+                <a:spcPts val="0"/>
+              </a:spcBef>
+              <a:spcAft>
+                <a:spcPts val="0"/>
+              </a:spcAft>
+              <a:buSzPts val="1300"/>
+              <a:buAutoNum type="arabicPeriod"/>
+            </a:pPr>
+            <a:r>
+              <a:rPr lang="en"/>
+              <a:t>Open .gitconfig</a:t>
+            </a:r>
+            <a:endParaRPr/>
+          </a:p>
+          <a:p>
+            <a:pPr indent="-311150" lvl="0" marL="457200" rtl="0" algn="l">
+              <a:spcBef>
+                <a:spcPts val="0"/>
+              </a:spcBef>
+              <a:spcAft>
+                <a:spcPts val="0"/>
+              </a:spcAft>
+              <a:buSzPts val="1300"/>
+              <a:buAutoNum type="arabicPeriod"/>
+            </a:pPr>
+            <a:r>
+              <a:rPr lang="en"/>
+              <a:t>Copy contents into .gitconfig from here</a:t>
+            </a:r>
+            <a:endParaRPr/>
+          </a:p>
+          <a:p>
+            <a:pPr indent="-298450" lvl="1" marL="914400" rtl="0" algn="l">
+              <a:spcBef>
+                <a:spcPts val="0"/>
+              </a:spcBef>
+              <a:spcAft>
+                <a:spcPts val="0"/>
+              </a:spcAft>
+              <a:buSzPts val="1100"/>
+              <a:buAutoNum type="alphaLcPeriod"/>
+            </a:pPr>
+            <a:r>
+              <a:rPr lang="en"/>
+              <a:t>https://raw.githubusercontent.com/batibot323/git-workshop/main/demo.gitconfig</a:t>
+            </a:r>
+            <a:endParaRPr/>
+          </a:p>
+        </p:txBody>
+      </p:sp>
+      <p:sp>
+        <p:nvSpPr>
+          <p:cNvPr id="305" name="Google Shape;305;p39"/>
+          <p:cNvSpPr txBox="1"/>
+          <p:nvPr>
+            <p:ph type="title"/>
+          </p:nvPr>
+        </p:nvSpPr>
+        <p:spPr>
+          <a:xfrm>
+            <a:off x="1297500" y="393750"/>
+            <a:ext cx="7038900" cy="914100"/>
+          </a:xfrm>
+          <a:prstGeom prst="rect">
+            <a:avLst/>
+          </a:prstGeom>
+        </p:spPr>
+        <p:txBody>
+          <a:bodyPr anchorCtr="0" anchor="t" bIns="91425" lIns="91425" spcFirstLastPara="1" rIns="91425" wrap="square" tIns="91425">
+            <a:normAutofit/>
+          </a:bodyPr>
+          <a:lstStyle/>
+          <a:p>
+            <a:pPr indent="0" lvl="0" marL="0" rtl="0" algn="l">
+              <a:spcBef>
+                <a:spcPts val="0"/>
+              </a:spcBef>
+              <a:spcAft>
+                <a:spcPts val="0"/>
+              </a:spcAft>
+              <a:buNone/>
+            </a:pPr>
+            <a:r>
+              <a:rPr lang="en"/>
+              <a:t>Git Aliases</a:t>
+            </a:r>
+            <a:endParaRPr/>
+          </a:p>
+        </p:txBody>
+      </p:sp>
+    </p:spTree>
+  </p:cSld>
+  <p:clrMapOvr>
+    <a:masterClrMapping/>
+  </p:clrMapOvr>
+</p:sld>
+</file>
+
+<file path=ppt/slides/slide28.xml><?xml version="1.0" encoding="utf-8"?>
+<p:sld xmlns:a="http://schemas.openxmlformats.org/drawingml/2006/main" xmlns:r="http://schemas.openxmlformats.org/officeDocument/2006/relationships" xmlns:mc="http://schemas.openxmlformats.org/markup-compatibility/2006" xmlns:mv="urn:schemas-microsoft-com:mac:vml" xmlns:p="http://schemas.openxmlformats.org/presentationml/2006/main" xmlns:c="http://schemas.openxmlformats.org/drawingml/2006/chart" xmlns:dgm="http://schemas.openxmlformats.org/drawingml/2006/diagram" xmlns:o="urn:schemas-microsoft-com:office:office" xmlns:v="urn:schemas-microsoft-com:vml" xmlns:pvml="urn:schemas-microsoft-com:office:powerpoint" xmlns:com="http://schemas.openxmlformats.org/drawingml/2006/compatibility" xmlns:p14="http://schemas.microsoft.com/office/powerpoint/2010/main" xmlns:p15="http://schemas.microsoft.com/office/powerpoint/2012/main" xmlns:ahyp="http://schemas.microsoft.com/office/drawing/2018/hyperlinkcolor">
+  <p:cSld>
+    <p:spTree>
+      <p:nvGrpSpPr>
+        <p:cNvPr id="309" name="Shape 309"/>
+        <p:cNvGrpSpPr/>
+        <p:nvPr/>
+      </p:nvGrpSpPr>
+      <p:grpSpPr>
+        <a:xfrm>
+          <a:off x="0" y="0"/>
+          <a:ext cx="0" cy="0"/>
+          <a:chOff x="0" y="0"/>
+          <a:chExt cx="0" cy="0"/>
+        </a:xfrm>
+      </p:grpSpPr>
+      <p:sp>
+        <p:nvSpPr>
+          <p:cNvPr id="310" name="Google Shape;310;p40"/>
+          <p:cNvSpPr txBox="1"/>
+          <p:nvPr>
+            <p:ph type="title"/>
+          </p:nvPr>
+        </p:nvSpPr>
+        <p:spPr>
+          <a:xfrm>
+            <a:off x="1297500" y="393750"/>
+            <a:ext cx="7038900" cy="914100"/>
+          </a:xfrm>
+          <a:prstGeom prst="rect">
+            <a:avLst/>
+          </a:prstGeom>
+        </p:spPr>
+        <p:txBody>
+          <a:bodyPr anchorCtr="0" anchor="t" bIns="91425" lIns="91425" spcFirstLastPara="1" rIns="91425" wrap="square" tIns="91425">
+            <a:normAutofit/>
+          </a:bodyPr>
+          <a:lstStyle/>
+          <a:p>
+            <a:pPr indent="0" lvl="0" marL="0" rtl="0" algn="l">
+              <a:spcBef>
+                <a:spcPts val="0"/>
+              </a:spcBef>
+              <a:spcAft>
+                <a:spcPts val="0"/>
+              </a:spcAft>
+              <a:buNone/>
+            </a:pPr>
+            <a:r>
+              <a:rPr lang="en"/>
+              <a:t>Git Aliases Using CLI</a:t>
+            </a:r>
+            <a:endParaRPr/>
+          </a:p>
+        </p:txBody>
+      </p:sp>
+      <p:sp>
+        <p:nvSpPr>
+          <p:cNvPr id="311" name="Google Shape;311;p40"/>
+          <p:cNvSpPr txBox="1"/>
+          <p:nvPr>
+            <p:ph idx="1" type="body"/>
+          </p:nvPr>
+        </p:nvSpPr>
+        <p:spPr>
+          <a:xfrm>
+            <a:off x="1297500" y="1567550"/>
+            <a:ext cx="7038900" cy="2911200"/>
+          </a:xfrm>
+          <a:prstGeom prst="rect">
+            <a:avLst/>
+          </a:prstGeom>
+        </p:spPr>
+        <p:txBody>
+          <a:bodyPr anchorCtr="0" anchor="t" bIns="91425" lIns="91425" spcFirstLastPara="1" rIns="91425" wrap="square" tIns="91425">
+            <a:normAutofit/>
+          </a:bodyPr>
+          <a:lstStyle/>
+          <a:p>
+            <a:pPr indent="-311150" lvl="0" marL="457200" rtl="0" algn="l">
+              <a:spcBef>
+                <a:spcPts val="0"/>
+              </a:spcBef>
+              <a:spcAft>
+                <a:spcPts val="0"/>
+              </a:spcAft>
+              <a:buSzPts val="1300"/>
+              <a:buChar char="●"/>
+            </a:pPr>
+            <a:r>
+              <a:rPr lang="en"/>
+              <a:t>git config --global alias.co checkout</a:t>
+            </a:r>
+            <a:endParaRPr/>
+          </a:p>
+          <a:p>
+            <a:pPr indent="-311150" lvl="0" marL="457200" rtl="0" algn="l">
+              <a:spcBef>
+                <a:spcPts val="0"/>
+              </a:spcBef>
+              <a:spcAft>
+                <a:spcPts val="0"/>
+              </a:spcAft>
+              <a:buSzPts val="1300"/>
+              <a:buChar char="●"/>
+            </a:pPr>
+            <a:r>
+              <a:rPr lang="en"/>
+              <a:t>git config --global alias.br branch</a:t>
+            </a:r>
+            <a:endParaRPr/>
+          </a:p>
+          <a:p>
+            <a:pPr indent="-311150" lvl="0" marL="457200" rtl="0" algn="l">
+              <a:spcBef>
+                <a:spcPts val="0"/>
+              </a:spcBef>
+              <a:spcAft>
+                <a:spcPts val="0"/>
+              </a:spcAft>
+              <a:buSzPts val="1300"/>
+              <a:buChar char="●"/>
+            </a:pPr>
+            <a:r>
+              <a:rPr lang="en"/>
+              <a:t>git config --global alias.ci commit -a -m</a:t>
+            </a:r>
+            <a:endParaRPr/>
+          </a:p>
+          <a:p>
+            <a:pPr indent="-311150" lvl="0" marL="457200" rtl="0" algn="l">
+              <a:spcBef>
+                <a:spcPts val="0"/>
+              </a:spcBef>
+              <a:spcAft>
+                <a:spcPts val="0"/>
+              </a:spcAft>
+              <a:buSzPts val="1300"/>
+              <a:buChar char="●"/>
+            </a:pPr>
+            <a:r>
+              <a:rPr lang="en"/>
+              <a:t>git config --global alias.l !git log --pretty=oneline</a:t>
+            </a:r>
+            <a:endParaRPr/>
+          </a:p>
+          <a:p>
+            <a:pPr indent="-311150" lvl="0" marL="457200" rtl="0" algn="l">
+              <a:spcBef>
+                <a:spcPts val="0"/>
+              </a:spcBef>
+              <a:spcAft>
+                <a:spcPts val="0"/>
+              </a:spcAft>
+              <a:buSzPts val="1300"/>
+              <a:buChar char="●"/>
+            </a:pPr>
+            <a:r>
+              <a:rPr lang="en"/>
+              <a:t>git config --global alias.piggy-back !git add * &amp;&amp; git commit --amend --no-edit</a:t>
+            </a:r>
+            <a:endParaRPr/>
+          </a:p>
+          <a:p>
+            <a:pPr indent="-311150" lvl="0" marL="457200" rtl="0" algn="l">
+              <a:spcBef>
+                <a:spcPts val="0"/>
+              </a:spcBef>
+              <a:spcAft>
+                <a:spcPts val="0"/>
+              </a:spcAft>
+              <a:buSzPts val="1300"/>
+              <a:buChar char="●"/>
+            </a:pPr>
+            <a:r>
+              <a:rPr lang="en"/>
+              <a:t>git config --global alias.amend !git commit --amend -a -m</a:t>
+            </a:r>
+            <a:endParaRPr/>
+          </a:p>
+        </p:txBody>
+      </p:sp>
+    </p:spTree>
+  </p:cSld>
+  <p:clrMapOvr>
+    <a:masterClrMapping/>
+  </p:clrMapOvr>
+</p:sld>
+</file>
+
+<file path=ppt/slides/slide29.xml><?xml version="1.0" encoding="utf-8"?>
+<p:sld xmlns:a="http://schemas.openxmlformats.org/drawingml/2006/main" xmlns:r="http://schemas.openxmlformats.org/officeDocument/2006/relationships" xmlns:mc="http://schemas.openxmlformats.org/markup-compatibility/2006" xmlns:mv="urn:schemas-microsoft-com:mac:vml" xmlns:p="http://schemas.openxmlformats.org/presentationml/2006/main" xmlns:c="http://schemas.openxmlformats.org/drawingml/2006/chart" xmlns:dgm="http://schemas.openxmlformats.org/drawingml/2006/diagram" xmlns:o="urn:schemas-microsoft-com:office:office" xmlns:v="urn:schemas-microsoft-com:vml" xmlns:pvml="urn:schemas-microsoft-com:office:powerpoint" xmlns:com="http://schemas.openxmlformats.org/drawingml/2006/compatibility" xmlns:p14="http://schemas.microsoft.com/office/powerpoint/2010/main" xmlns:p15="http://schemas.microsoft.com/office/powerpoint/2012/main" xmlns:ahyp="http://schemas.microsoft.com/office/drawing/2018/hyperlinkcolor">
+  <p:cSld>
+    <p:spTree>
+      <p:nvGrpSpPr>
+        <p:cNvPr id="315" name="Shape 315"/>
+        <p:cNvGrpSpPr/>
+        <p:nvPr/>
+      </p:nvGrpSpPr>
+      <p:grpSpPr>
+        <a:xfrm>
+          <a:off x="0" y="0"/>
+          <a:ext cx="0" cy="0"/>
+          <a:chOff x="0" y="0"/>
+          <a:chExt cx="0" cy="0"/>
+        </a:xfrm>
+      </p:grpSpPr>
+      <p:sp>
+        <p:nvSpPr>
+          <p:cNvPr id="316" name="Google Shape;316;p41"/>
+          <p:cNvSpPr txBox="1"/>
+          <p:nvPr>
+            <p:ph type="title"/>
+          </p:nvPr>
+        </p:nvSpPr>
+        <p:spPr>
+          <a:xfrm>
+            <a:off x="823850" y="2053000"/>
+            <a:ext cx="4587000" cy="1148700"/>
           </a:xfrm>
           <a:prstGeom prst="rect">
             <a:avLst/>
@@ -13996,7 +16082,8 @@
               <a:buNone/>
             </a:pPr>
             <a:r>
-              <a:t/>
+              <a:rPr lang="en"/>
+              <a:t>Personal Git Workflows</a:t>
             </a:r>
             <a:endParaRPr/>
           </a:p>
@@ -14184,6 +16271,1975 @@
 </p:sld>
 </file>
 
+<file path=ppt/slides/slide30.xml><?xml version="1.0" encoding="utf-8"?>
+<p:sld xmlns:a="http://schemas.openxmlformats.org/drawingml/2006/main" xmlns:r="http://schemas.openxmlformats.org/officeDocument/2006/relationships" xmlns:mc="http://schemas.openxmlformats.org/markup-compatibility/2006" xmlns:mv="urn:schemas-microsoft-com:mac:vml" xmlns:p="http://schemas.openxmlformats.org/presentationml/2006/main" xmlns:c="http://schemas.openxmlformats.org/drawingml/2006/chart" xmlns:dgm="http://schemas.openxmlformats.org/drawingml/2006/diagram" xmlns:o="urn:schemas-microsoft-com:office:office" xmlns:v="urn:schemas-microsoft-com:vml" xmlns:pvml="urn:schemas-microsoft-com:office:powerpoint" xmlns:com="http://schemas.openxmlformats.org/drawingml/2006/compatibility" xmlns:p14="http://schemas.microsoft.com/office/powerpoint/2010/main" xmlns:p15="http://schemas.microsoft.com/office/powerpoint/2012/main" xmlns:ahyp="http://schemas.microsoft.com/office/drawing/2018/hyperlinkcolor">
+  <p:cSld>
+    <p:spTree>
+      <p:nvGrpSpPr>
+        <p:cNvPr id="320" name="Shape 320"/>
+        <p:cNvGrpSpPr/>
+        <p:nvPr/>
+      </p:nvGrpSpPr>
+      <p:grpSpPr>
+        <a:xfrm>
+          <a:off x="0" y="0"/>
+          <a:ext cx="0" cy="0"/>
+          <a:chOff x="0" y="0"/>
+          <a:chExt cx="0" cy="0"/>
+        </a:xfrm>
+      </p:grpSpPr>
+      <p:sp>
+        <p:nvSpPr>
+          <p:cNvPr id="321" name="Google Shape;321;p42"/>
+          <p:cNvSpPr txBox="1"/>
+          <p:nvPr>
+            <p:ph type="title"/>
+          </p:nvPr>
+        </p:nvSpPr>
+        <p:spPr>
+          <a:xfrm>
+            <a:off x="1297500" y="393750"/>
+            <a:ext cx="7038900" cy="914100"/>
+          </a:xfrm>
+          <a:prstGeom prst="rect">
+            <a:avLst/>
+          </a:prstGeom>
+        </p:spPr>
+        <p:txBody>
+          <a:bodyPr anchorCtr="0" anchor="t" bIns="91425" lIns="91425" spcFirstLastPara="1" rIns="91425" wrap="square" tIns="91425">
+            <a:normAutofit/>
+          </a:bodyPr>
+          <a:lstStyle/>
+          <a:p>
+            <a:pPr indent="0" lvl="0" marL="0" rtl="0" algn="l">
+              <a:spcBef>
+                <a:spcPts val="0"/>
+              </a:spcBef>
+              <a:spcAft>
+                <a:spcPts val="0"/>
+              </a:spcAft>
+              <a:buNone/>
+            </a:pPr>
+            <a:r>
+              <a:rPr lang="en"/>
+              <a:t>Workshop Flow</a:t>
+            </a:r>
+            <a:endParaRPr/>
+          </a:p>
+        </p:txBody>
+      </p:sp>
+      <p:sp>
+        <p:nvSpPr>
+          <p:cNvPr id="322" name="Google Shape;322;p42"/>
+          <p:cNvSpPr txBox="1"/>
+          <p:nvPr>
+            <p:ph idx="1" type="body"/>
+          </p:nvPr>
+        </p:nvSpPr>
+        <p:spPr>
+          <a:xfrm>
+            <a:off x="1297500" y="1567550"/>
+            <a:ext cx="7038900" cy="2911200"/>
+          </a:xfrm>
+          <a:prstGeom prst="rect">
+            <a:avLst/>
+          </a:prstGeom>
+        </p:spPr>
+        <p:txBody>
+          <a:bodyPr anchorCtr="0" anchor="t" bIns="91425" lIns="91425" spcFirstLastPara="1" rIns="91425" wrap="square" tIns="91425">
+            <a:normAutofit/>
+          </a:bodyPr>
+          <a:lstStyle/>
+          <a:p>
+            <a:pPr indent="-311150" lvl="0" marL="457200" rtl="0" algn="l">
+              <a:spcBef>
+                <a:spcPts val="0"/>
+              </a:spcBef>
+              <a:spcAft>
+                <a:spcPts val="0"/>
+              </a:spcAft>
+              <a:buSzPts val="1300"/>
+              <a:buAutoNum type="arabicPeriod"/>
+            </a:pPr>
+            <a:r>
+              <a:rPr lang="en"/>
+              <a:t>What is Git?</a:t>
+            </a:r>
+            <a:endParaRPr/>
+          </a:p>
+          <a:p>
+            <a:pPr indent="-311150" lvl="0" marL="457200" rtl="0" algn="l">
+              <a:spcBef>
+                <a:spcPts val="0"/>
+              </a:spcBef>
+              <a:spcAft>
+                <a:spcPts val="0"/>
+              </a:spcAft>
+              <a:buSzPts val="1300"/>
+              <a:buAutoNum type="arabicPeriod"/>
+            </a:pPr>
+            <a:r>
+              <a:rPr lang="en"/>
+              <a:t>Install &amp; Setup</a:t>
+            </a:r>
+            <a:endParaRPr/>
+          </a:p>
+          <a:p>
+            <a:pPr indent="-311150" lvl="0" marL="457200" rtl="0" algn="l">
+              <a:spcBef>
+                <a:spcPts val="0"/>
+              </a:spcBef>
+              <a:spcAft>
+                <a:spcPts val="0"/>
+              </a:spcAft>
+              <a:buSzPts val="1300"/>
+              <a:buAutoNum type="arabicPeriod"/>
+            </a:pPr>
+            <a:r>
+              <a:rPr lang="en"/>
+              <a:t>Commits &amp; Branches</a:t>
+            </a:r>
+            <a:endParaRPr/>
+          </a:p>
+          <a:p>
+            <a:pPr indent="-311150" lvl="0" marL="457200" rtl="0" algn="l">
+              <a:spcBef>
+                <a:spcPts val="0"/>
+              </a:spcBef>
+              <a:spcAft>
+                <a:spcPts val="0"/>
+              </a:spcAft>
+              <a:buSzPts val="1300"/>
+              <a:buAutoNum type="arabicPeriod"/>
+            </a:pPr>
+            <a:r>
+              <a:rPr lang="en"/>
+              <a:t>Git Config &amp; Aliases</a:t>
+            </a:r>
+            <a:endParaRPr/>
+          </a:p>
+          <a:p>
+            <a:pPr indent="-311150" lvl="0" marL="457200" rtl="0" algn="l">
+              <a:spcBef>
+                <a:spcPts val="0"/>
+              </a:spcBef>
+              <a:spcAft>
+                <a:spcPts val="0"/>
+              </a:spcAft>
+              <a:buSzPts val="1300"/>
+              <a:buAutoNum type="arabicPeriod"/>
+            </a:pPr>
+            <a:r>
+              <a:rPr lang="en"/>
+              <a:t>Save Points During Development</a:t>
+            </a:r>
+            <a:endParaRPr/>
+          </a:p>
+          <a:p>
+            <a:pPr indent="-311150" lvl="0" marL="457200" rtl="0" algn="l">
+              <a:spcBef>
+                <a:spcPts val="0"/>
+              </a:spcBef>
+              <a:spcAft>
+                <a:spcPts val="0"/>
+              </a:spcAft>
+              <a:buSzPts val="1300"/>
+              <a:buAutoNum type="arabicPeriod"/>
+            </a:pPr>
+            <a:r>
+              <a:rPr lang="en"/>
+              <a:t>Managing Commits to Tell a Story</a:t>
+            </a:r>
+            <a:endParaRPr/>
+          </a:p>
+          <a:p>
+            <a:pPr indent="-311150" lvl="0" marL="457200" rtl="0" algn="l">
+              <a:spcBef>
+                <a:spcPts val="0"/>
+              </a:spcBef>
+              <a:spcAft>
+                <a:spcPts val="0"/>
+              </a:spcAft>
+              <a:buSzPts val="1300"/>
+              <a:buAutoNum type="arabicPeriod"/>
+            </a:pPr>
+            <a:r>
+              <a:rPr lang="en"/>
+              <a:t>Merge Conflicts</a:t>
+            </a:r>
+            <a:endParaRPr/>
+          </a:p>
+          <a:p>
+            <a:pPr indent="-298450" lvl="1" marL="914400" rtl="0" algn="l">
+              <a:spcBef>
+                <a:spcPts val="0"/>
+              </a:spcBef>
+              <a:spcAft>
+                <a:spcPts val="0"/>
+              </a:spcAft>
+              <a:buSzPts val="1100"/>
+              <a:buAutoNum type="alphaLcPeriod"/>
+            </a:pPr>
+            <a:r>
+              <a:rPr lang="en"/>
+              <a:t>Resolving</a:t>
+            </a:r>
+            <a:endParaRPr/>
+          </a:p>
+          <a:p>
+            <a:pPr indent="-298450" lvl="1" marL="914400" rtl="0" algn="l">
+              <a:spcBef>
+                <a:spcPts val="0"/>
+              </a:spcBef>
+              <a:spcAft>
+                <a:spcPts val="0"/>
+              </a:spcAft>
+              <a:buSzPts val="1100"/>
+              <a:buAutoNum type="alphaLcPeriod"/>
+            </a:pPr>
+            <a:r>
+              <a:rPr lang="en"/>
+              <a:t>Reducing</a:t>
+            </a:r>
+            <a:endParaRPr/>
+          </a:p>
+          <a:p>
+            <a:pPr indent="-311150" lvl="0" marL="457200" rtl="0" algn="l">
+              <a:spcBef>
+                <a:spcPts val="0"/>
+              </a:spcBef>
+              <a:spcAft>
+                <a:spcPts val="0"/>
+              </a:spcAft>
+              <a:buSzPts val="1300"/>
+              <a:buAutoNum type="arabicPeriod"/>
+            </a:pPr>
+            <a:r>
+              <a:rPr lang="en"/>
+              <a:t>Managing Releases</a:t>
+            </a:r>
+            <a:endParaRPr/>
+          </a:p>
+          <a:p>
+            <a:pPr indent="-311150" lvl="0" marL="457200" rtl="0" algn="l">
+              <a:spcBef>
+                <a:spcPts val="0"/>
+              </a:spcBef>
+              <a:spcAft>
+                <a:spcPts val="0"/>
+              </a:spcAft>
+              <a:buSzPts val="1300"/>
+              <a:buAutoNum type="arabicPeriod"/>
+            </a:pPr>
+            <a:r>
+              <a:rPr lang="en"/>
+              <a:t>Team Git Workflows</a:t>
+            </a:r>
+            <a:endParaRPr/>
+          </a:p>
+        </p:txBody>
+      </p:sp>
+      <p:sp>
+        <p:nvSpPr>
+          <p:cNvPr id="323" name="Google Shape;323;p42"/>
+          <p:cNvSpPr/>
+          <p:nvPr/>
+        </p:nvSpPr>
+        <p:spPr>
+          <a:xfrm>
+            <a:off x="1412825" y="2571750"/>
+            <a:ext cx="2881200" cy="1523700"/>
+          </a:xfrm>
+          <a:prstGeom prst="roundRect">
+            <a:avLst>
+              <a:gd fmla="val 8484" name="adj"/>
+            </a:avLst>
+          </a:prstGeom>
+          <a:noFill/>
+          <a:ln cap="flat" cmpd="sng" w="38100">
+            <a:solidFill>
+              <a:srgbClr val="FF0000"/>
+            </a:solidFill>
+            <a:prstDash val="solid"/>
+            <a:round/>
+            <a:headEnd len="sm" w="sm" type="none"/>
+            <a:tailEnd len="sm" w="sm" type="none"/>
+          </a:ln>
+        </p:spPr>
+        <p:txBody>
+          <a:bodyPr anchorCtr="0" anchor="ctr" bIns="91425" lIns="91425" spcFirstLastPara="1" rIns="91425" wrap="square" tIns="91425">
+            <a:noAutofit/>
+          </a:bodyPr>
+          <a:lstStyle/>
+          <a:p>
+            <a:pPr indent="0" lvl="0" marL="0" rtl="0" algn="l">
+              <a:spcBef>
+                <a:spcPts val="0"/>
+              </a:spcBef>
+              <a:spcAft>
+                <a:spcPts val="0"/>
+              </a:spcAft>
+              <a:buNone/>
+            </a:pPr>
+            <a:r>
+              <a:t/>
+            </a:r>
+            <a:endParaRPr/>
+          </a:p>
+        </p:txBody>
+      </p:sp>
+    </p:spTree>
+  </p:cSld>
+  <p:clrMapOvr>
+    <a:masterClrMapping/>
+  </p:clrMapOvr>
+  <p:timing>
+    <p:tnLst>
+      <p:par>
+        <p:cTn dur="indefinite" nodeType="tmRoot" restart="never">
+          <p:childTnLst>
+            <p:seq concurrent="1" nextAc="seek">
+              <p:cTn dur="indefinite" id="2" nodeType="mainSeq">
+                <p:childTnLst>
+                  <p:par>
+                    <p:cTn fill="hold">
+                      <p:stCondLst>
+                        <p:cond delay="indefinite"/>
+                      </p:stCondLst>
+                      <p:childTnLst>
+                        <p:par>
+                          <p:cTn fill="hold">
+                            <p:stCondLst>
+                              <p:cond delay="0"/>
+                            </p:stCondLst>
+                            <p:childTnLst>
+                              <p:par>
+                                <p:cTn fill="hold" nodeType="clickEffect" presetClass="entr" presetID="10" presetSubtype="0">
+                                  <p:stCondLst>
+                                    <p:cond delay="0"/>
+                                  </p:stCondLst>
+                                  <p:childTnLst>
+                                    <p:set>
+                                      <p:cBhvr>
+                                        <p:cTn dur="1" fill="hold">
+                                          <p:stCondLst>
+                                            <p:cond delay="0"/>
+                                          </p:stCondLst>
+                                        </p:cTn>
+                                        <p:tgtEl>
+                                          <p:spTgt spid="323"/>
+                                        </p:tgtEl>
+                                        <p:attrNameLst>
+                                          <p:attrName>style.visibility</p:attrName>
+                                        </p:attrNameLst>
+                                      </p:cBhvr>
+                                      <p:to>
+                                        <p:strVal val="visible"/>
+                                      </p:to>
+                                    </p:set>
+                                    <p:animEffect filter="fade" transition="in">
+                                      <p:cBhvr>
+                                        <p:cTn dur="1000"/>
+                                        <p:tgtEl>
+                                          <p:spTgt spid="323"/>
+                                        </p:tgtEl>
+                                      </p:cBhvr>
+                                    </p:animEffect>
+                                  </p:childTnLst>
+                                </p:cTn>
+                              </p:par>
+                            </p:childTnLst>
+                          </p:cTn>
+                        </p:par>
+                      </p:childTnLst>
+                    </p:cTn>
+                  </p:par>
+                </p:childTnLst>
+              </p:cTn>
+              <p:prevCondLst>
+                <p:cond evt="onPrev">
+                  <p:tgtEl>
+                    <p:sldTgt/>
+                  </p:tgtEl>
+                </p:cond>
+              </p:prevCondLst>
+              <p:nextCondLst>
+                <p:cond evt="onNext">
+                  <p:tgtEl>
+                    <p:sldTgt/>
+                  </p:tgtEl>
+                </p:cond>
+              </p:nextCondLst>
+            </p:seq>
+          </p:childTnLst>
+        </p:cTn>
+      </p:par>
+    </p:tnLst>
+  </p:timing>
+</p:sld>
+</file>
+
+<file path=ppt/slides/slide31.xml><?xml version="1.0" encoding="utf-8"?>
+<p:sld xmlns:a="http://schemas.openxmlformats.org/drawingml/2006/main" xmlns:r="http://schemas.openxmlformats.org/officeDocument/2006/relationships" xmlns:mc="http://schemas.openxmlformats.org/markup-compatibility/2006" xmlns:mv="urn:schemas-microsoft-com:mac:vml" xmlns:p="http://schemas.openxmlformats.org/presentationml/2006/main" xmlns:c="http://schemas.openxmlformats.org/drawingml/2006/chart" xmlns:dgm="http://schemas.openxmlformats.org/drawingml/2006/diagram" xmlns:o="urn:schemas-microsoft-com:office:office" xmlns:v="urn:schemas-microsoft-com:vml" xmlns:pvml="urn:schemas-microsoft-com:office:powerpoint" xmlns:com="http://schemas.openxmlformats.org/drawingml/2006/compatibility" xmlns:p14="http://schemas.microsoft.com/office/powerpoint/2010/main" xmlns:p15="http://schemas.microsoft.com/office/powerpoint/2012/main" xmlns:ahyp="http://schemas.microsoft.com/office/drawing/2018/hyperlinkcolor">
+  <p:cSld>
+    <p:spTree>
+      <p:nvGrpSpPr>
+        <p:cNvPr id="327" name="Shape 327"/>
+        <p:cNvGrpSpPr/>
+        <p:nvPr/>
+      </p:nvGrpSpPr>
+      <p:grpSpPr>
+        <a:xfrm>
+          <a:off x="0" y="0"/>
+          <a:ext cx="0" cy="0"/>
+          <a:chOff x="0" y="0"/>
+          <a:chExt cx="0" cy="0"/>
+        </a:xfrm>
+      </p:grpSpPr>
+      <p:sp>
+        <p:nvSpPr>
+          <p:cNvPr id="328" name="Google Shape;328;p43"/>
+          <p:cNvSpPr txBox="1"/>
+          <p:nvPr>
+            <p:ph type="title"/>
+          </p:nvPr>
+        </p:nvSpPr>
+        <p:spPr>
+          <a:xfrm>
+            <a:off x="1297500" y="393750"/>
+            <a:ext cx="7038900" cy="914100"/>
+          </a:xfrm>
+          <a:prstGeom prst="rect">
+            <a:avLst/>
+          </a:prstGeom>
+        </p:spPr>
+        <p:txBody>
+          <a:bodyPr anchorCtr="0" anchor="t" bIns="91425" lIns="91425" spcFirstLastPara="1" rIns="91425" wrap="square" tIns="91425">
+            <a:normAutofit/>
+          </a:bodyPr>
+          <a:lstStyle/>
+          <a:p>
+            <a:pPr indent="0" lvl="0" marL="0" rtl="0" algn="l">
+              <a:spcBef>
+                <a:spcPts val="0"/>
+              </a:spcBef>
+              <a:spcAft>
+                <a:spcPts val="0"/>
+              </a:spcAft>
+              <a:buNone/>
+            </a:pPr>
+            <a:r>
+              <a:rPr lang="en"/>
+              <a:t>Save Points During Development</a:t>
+            </a:r>
+            <a:endParaRPr/>
+          </a:p>
+        </p:txBody>
+      </p:sp>
+      <p:sp>
+        <p:nvSpPr>
+          <p:cNvPr id="329" name="Google Shape;329;p43"/>
+          <p:cNvSpPr txBox="1"/>
+          <p:nvPr>
+            <p:ph idx="1" type="body"/>
+          </p:nvPr>
+        </p:nvSpPr>
+        <p:spPr>
+          <a:xfrm>
+            <a:off x="1297500" y="1567550"/>
+            <a:ext cx="7038900" cy="2911200"/>
+          </a:xfrm>
+          <a:prstGeom prst="rect">
+            <a:avLst/>
+          </a:prstGeom>
+        </p:spPr>
+        <p:txBody>
+          <a:bodyPr anchorCtr="0" anchor="t" bIns="91425" lIns="91425" spcFirstLastPara="1" rIns="91425" wrap="square" tIns="91425">
+            <a:normAutofit/>
+          </a:bodyPr>
+          <a:lstStyle/>
+          <a:p>
+            <a:pPr indent="-349250" lvl="0" marL="457200" rtl="0" algn="l">
+              <a:spcBef>
+                <a:spcPts val="0"/>
+              </a:spcBef>
+              <a:spcAft>
+                <a:spcPts val="0"/>
+              </a:spcAft>
+              <a:buSzPts val="1900"/>
+              <a:buAutoNum type="arabicPeriod"/>
+            </a:pPr>
+            <a:r>
+              <a:rPr lang="en" sz="1900"/>
+              <a:t>Try the switch-case approach</a:t>
+            </a:r>
+            <a:endParaRPr sz="1900"/>
+          </a:p>
+          <a:p>
+            <a:pPr indent="-349250" lvl="0" marL="457200" rtl="0" algn="l">
+              <a:spcBef>
+                <a:spcPts val="0"/>
+              </a:spcBef>
+              <a:spcAft>
+                <a:spcPts val="0"/>
+              </a:spcAft>
+              <a:buSzPts val="1900"/>
+              <a:buAutoNum type="arabicPeriod"/>
+            </a:pPr>
+            <a:r>
+              <a:rPr lang="en" sz="1900"/>
+              <a:t>See that it’ll fail, go back in time!</a:t>
+            </a:r>
+            <a:endParaRPr sz="1900"/>
+          </a:p>
+          <a:p>
+            <a:pPr indent="-349250" lvl="0" marL="457200" rtl="0" algn="l">
+              <a:spcBef>
+                <a:spcPts val="0"/>
+              </a:spcBef>
+              <a:spcAft>
+                <a:spcPts val="0"/>
+              </a:spcAft>
+              <a:buSzPts val="1900"/>
+              <a:buAutoNum type="arabicPeriod"/>
+            </a:pPr>
+            <a:r>
+              <a:rPr lang="en" sz="1900"/>
+              <a:t>Try the mathematical approach</a:t>
+            </a:r>
+            <a:endParaRPr sz="1900"/>
+          </a:p>
+        </p:txBody>
+      </p:sp>
+    </p:spTree>
+  </p:cSld>
+  <p:clrMapOvr>
+    <a:masterClrMapping/>
+  </p:clrMapOvr>
+</p:sld>
+</file>
+
+<file path=ppt/slides/slide32.xml><?xml version="1.0" encoding="utf-8"?>
+<p:sld xmlns:a="http://schemas.openxmlformats.org/drawingml/2006/main" xmlns:r="http://schemas.openxmlformats.org/officeDocument/2006/relationships" xmlns:mc="http://schemas.openxmlformats.org/markup-compatibility/2006" xmlns:mv="urn:schemas-microsoft-com:mac:vml" xmlns:p="http://schemas.openxmlformats.org/presentationml/2006/main" xmlns:c="http://schemas.openxmlformats.org/drawingml/2006/chart" xmlns:dgm="http://schemas.openxmlformats.org/drawingml/2006/diagram" xmlns:o="urn:schemas-microsoft-com:office:office" xmlns:v="urn:schemas-microsoft-com:vml" xmlns:pvml="urn:schemas-microsoft-com:office:powerpoint" xmlns:com="http://schemas.openxmlformats.org/drawingml/2006/compatibility" xmlns:p14="http://schemas.microsoft.com/office/powerpoint/2010/main" xmlns:p15="http://schemas.microsoft.com/office/powerpoint/2012/main" xmlns:ahyp="http://schemas.microsoft.com/office/drawing/2018/hyperlinkcolor">
+  <p:cSld>
+    <p:spTree>
+      <p:nvGrpSpPr>
+        <p:cNvPr id="333" name="Shape 333"/>
+        <p:cNvGrpSpPr/>
+        <p:nvPr/>
+      </p:nvGrpSpPr>
+      <p:grpSpPr>
+        <a:xfrm>
+          <a:off x="0" y="0"/>
+          <a:ext cx="0" cy="0"/>
+          <a:chOff x="0" y="0"/>
+          <a:chExt cx="0" cy="0"/>
+        </a:xfrm>
+      </p:grpSpPr>
+      <p:sp>
+        <p:nvSpPr>
+          <p:cNvPr id="334" name="Google Shape;334;p44"/>
+          <p:cNvSpPr txBox="1"/>
+          <p:nvPr>
+            <p:ph type="title"/>
+          </p:nvPr>
+        </p:nvSpPr>
+        <p:spPr>
+          <a:xfrm>
+            <a:off x="1297500" y="393750"/>
+            <a:ext cx="7038900" cy="914100"/>
+          </a:xfrm>
+          <a:prstGeom prst="rect">
+            <a:avLst/>
+          </a:prstGeom>
+        </p:spPr>
+        <p:txBody>
+          <a:bodyPr anchorCtr="0" anchor="t" bIns="91425" lIns="91425" spcFirstLastPara="1" rIns="91425" wrap="square" tIns="91425">
+            <a:normAutofit/>
+          </a:bodyPr>
+          <a:lstStyle/>
+          <a:p>
+            <a:pPr indent="0" lvl="0" marL="0" rtl="0" algn="l">
+              <a:spcBef>
+                <a:spcPts val="0"/>
+              </a:spcBef>
+              <a:spcAft>
+                <a:spcPts val="0"/>
+              </a:spcAft>
+              <a:buNone/>
+            </a:pPr>
+            <a:r>
+              <a:rPr lang="en"/>
+              <a:t>Save Points During Development</a:t>
+            </a:r>
+            <a:endParaRPr/>
+          </a:p>
+        </p:txBody>
+      </p:sp>
+      <p:sp>
+        <p:nvSpPr>
+          <p:cNvPr id="335" name="Google Shape;335;p44"/>
+          <p:cNvSpPr txBox="1"/>
+          <p:nvPr>
+            <p:ph idx="1" type="body"/>
+          </p:nvPr>
+        </p:nvSpPr>
+        <p:spPr>
+          <a:xfrm>
+            <a:off x="1297500" y="1567550"/>
+            <a:ext cx="7038900" cy="2911200"/>
+          </a:xfrm>
+          <a:prstGeom prst="rect">
+            <a:avLst/>
+          </a:prstGeom>
+        </p:spPr>
+        <p:txBody>
+          <a:bodyPr anchorCtr="0" anchor="t" bIns="91425" lIns="91425" spcFirstLastPara="1" rIns="91425" wrap="square" tIns="91425">
+            <a:normAutofit/>
+          </a:bodyPr>
+          <a:lstStyle/>
+          <a:p>
+            <a:pPr indent="-311150" lvl="0" marL="457200" rtl="0" algn="l">
+              <a:spcBef>
+                <a:spcPts val="0"/>
+              </a:spcBef>
+              <a:spcAft>
+                <a:spcPts val="0"/>
+              </a:spcAft>
+              <a:buSzPts val="1300"/>
+              <a:buChar char="●"/>
+            </a:pPr>
+            <a:r>
+              <a:rPr lang="en"/>
+              <a:t>Saving = Committing</a:t>
+            </a:r>
+            <a:endParaRPr/>
+          </a:p>
+          <a:p>
+            <a:pPr indent="-311150" lvl="0" marL="457200" rtl="0" algn="l">
+              <a:spcBef>
+                <a:spcPts val="0"/>
+              </a:spcBef>
+              <a:spcAft>
+                <a:spcPts val="0"/>
+              </a:spcAft>
+              <a:buSzPts val="1300"/>
+              <a:buChar char="●"/>
+            </a:pPr>
+            <a:r>
+              <a:rPr lang="en"/>
+              <a:t>More frequent, smaller commits</a:t>
+            </a:r>
+            <a:endParaRPr/>
+          </a:p>
+          <a:p>
+            <a:pPr indent="-298450" lvl="1" marL="914400" rtl="0" algn="l">
+              <a:spcBef>
+                <a:spcPts val="0"/>
+              </a:spcBef>
+              <a:spcAft>
+                <a:spcPts val="0"/>
+              </a:spcAft>
+              <a:buSzPts val="1100"/>
+              <a:buChar char="○"/>
+            </a:pPr>
+            <a:r>
+              <a:rPr lang="en"/>
+              <a:t>More specific savepoints to load</a:t>
+            </a:r>
+            <a:endParaRPr/>
+          </a:p>
+          <a:p>
+            <a:pPr indent="-311150" lvl="0" marL="457200" rtl="0" algn="l">
+              <a:spcBef>
+                <a:spcPts val="0"/>
+              </a:spcBef>
+              <a:spcAft>
+                <a:spcPts val="0"/>
+              </a:spcAft>
+              <a:buSzPts val="1300"/>
+              <a:buChar char="●"/>
+            </a:pPr>
+            <a:r>
+              <a:rPr lang="en"/>
+              <a:t>Loading = git reset --hard &lt;commit-id&gt;</a:t>
+            </a:r>
+            <a:endParaRPr/>
+          </a:p>
+          <a:p>
+            <a:pPr indent="-311150" lvl="0" marL="457200" rtl="0" algn="l">
+              <a:spcBef>
+                <a:spcPts val="0"/>
+              </a:spcBef>
+              <a:spcAft>
+                <a:spcPts val="0"/>
+              </a:spcAft>
+              <a:buSzPts val="1300"/>
+              <a:buChar char="●"/>
+            </a:pPr>
+            <a:r>
+              <a:rPr lang="en"/>
+              <a:t>Create temp branches before loading</a:t>
+            </a:r>
+            <a:endParaRPr/>
+          </a:p>
+          <a:p>
+            <a:pPr indent="-298450" lvl="1" marL="914400" rtl="0" algn="l">
+              <a:spcBef>
+                <a:spcPts val="0"/>
+              </a:spcBef>
+              <a:spcAft>
+                <a:spcPts val="0"/>
+              </a:spcAft>
+              <a:buSzPts val="1100"/>
+              <a:buChar char="○"/>
+            </a:pPr>
+            <a:r>
+              <a:rPr lang="en"/>
+              <a:t>Easier to keep track of changes</a:t>
+            </a:r>
+            <a:endParaRPr/>
+          </a:p>
+          <a:p>
+            <a:pPr indent="-311150" lvl="0" marL="457200" rtl="0" algn="l">
+              <a:spcBef>
+                <a:spcPts val="0"/>
+              </a:spcBef>
+              <a:spcAft>
+                <a:spcPts val="0"/>
+              </a:spcAft>
+              <a:buSzPts val="1300"/>
+              <a:buChar char="●"/>
+            </a:pPr>
+            <a:r>
+              <a:rPr lang="en"/>
+              <a:t>git reflog</a:t>
+            </a:r>
+            <a:endParaRPr/>
+          </a:p>
+          <a:p>
+            <a:pPr indent="-298450" lvl="1" marL="914400" rtl="0" algn="l">
+              <a:spcBef>
+                <a:spcPts val="0"/>
+              </a:spcBef>
+              <a:spcAft>
+                <a:spcPts val="0"/>
+              </a:spcAft>
+              <a:buSzPts val="1100"/>
+              <a:buChar char="○"/>
+            </a:pPr>
+            <a:r>
+              <a:rPr lang="en"/>
+              <a:t>Magic button to undo any Git disaster</a:t>
+            </a:r>
+            <a:endParaRPr/>
+          </a:p>
+          <a:p>
+            <a:pPr indent="-298450" lvl="1" marL="914400" rtl="0" algn="l">
+              <a:spcBef>
+                <a:spcPts val="0"/>
+              </a:spcBef>
+              <a:spcAft>
+                <a:spcPts val="0"/>
+              </a:spcAft>
+              <a:buSzPts val="1100"/>
+              <a:buChar char="○"/>
+            </a:pPr>
+            <a:r>
+              <a:rPr lang="en"/>
+              <a:t>Keeps tracks of all commits we’ve pointed to</a:t>
+            </a:r>
+            <a:endParaRPr/>
+          </a:p>
+        </p:txBody>
+      </p:sp>
+    </p:spTree>
+  </p:cSld>
+  <p:clrMapOvr>
+    <a:masterClrMapping/>
+  </p:clrMapOvr>
+</p:sld>
+</file>
+
+<file path=ppt/slides/slide33.xml><?xml version="1.0" encoding="utf-8"?>
+<p:sld xmlns:a="http://schemas.openxmlformats.org/drawingml/2006/main" xmlns:r="http://schemas.openxmlformats.org/officeDocument/2006/relationships" xmlns:mc="http://schemas.openxmlformats.org/markup-compatibility/2006" xmlns:mv="urn:schemas-microsoft-com:mac:vml" xmlns:p="http://schemas.openxmlformats.org/presentationml/2006/main" xmlns:c="http://schemas.openxmlformats.org/drawingml/2006/chart" xmlns:dgm="http://schemas.openxmlformats.org/drawingml/2006/diagram" xmlns:o="urn:schemas-microsoft-com:office:office" xmlns:v="urn:schemas-microsoft-com:vml" xmlns:pvml="urn:schemas-microsoft-com:office:powerpoint" xmlns:com="http://schemas.openxmlformats.org/drawingml/2006/compatibility" xmlns:p14="http://schemas.microsoft.com/office/powerpoint/2010/main" xmlns:p15="http://schemas.microsoft.com/office/powerpoint/2012/main" xmlns:ahyp="http://schemas.microsoft.com/office/drawing/2018/hyperlinkcolor">
+  <p:cSld>
+    <p:spTree>
+      <p:nvGrpSpPr>
+        <p:cNvPr id="339" name="Shape 339"/>
+        <p:cNvGrpSpPr/>
+        <p:nvPr/>
+      </p:nvGrpSpPr>
+      <p:grpSpPr>
+        <a:xfrm>
+          <a:off x="0" y="0"/>
+          <a:ext cx="0" cy="0"/>
+          <a:chOff x="0" y="0"/>
+          <a:chExt cx="0" cy="0"/>
+        </a:xfrm>
+      </p:grpSpPr>
+      <p:sp>
+        <p:nvSpPr>
+          <p:cNvPr id="340" name="Google Shape;340;p45"/>
+          <p:cNvSpPr txBox="1"/>
+          <p:nvPr>
+            <p:ph type="title"/>
+          </p:nvPr>
+        </p:nvSpPr>
+        <p:spPr>
+          <a:xfrm>
+            <a:off x="1297500" y="393750"/>
+            <a:ext cx="7038900" cy="914100"/>
+          </a:xfrm>
+          <a:prstGeom prst="rect">
+            <a:avLst/>
+          </a:prstGeom>
+        </p:spPr>
+        <p:txBody>
+          <a:bodyPr anchorCtr="0" anchor="t" bIns="91425" lIns="91425" spcFirstLastPara="1" rIns="91425" wrap="square" tIns="91425">
+            <a:normAutofit/>
+          </a:bodyPr>
+          <a:lstStyle/>
+          <a:p>
+            <a:pPr indent="0" lvl="0" marL="0" rtl="0" algn="l">
+              <a:spcBef>
+                <a:spcPts val="0"/>
+              </a:spcBef>
+              <a:spcAft>
+                <a:spcPts val="0"/>
+              </a:spcAft>
+              <a:buNone/>
+            </a:pPr>
+            <a:r>
+              <a:rPr lang="en"/>
+              <a:t>Managing Commits to Tell a Story</a:t>
+            </a:r>
+            <a:endParaRPr/>
+          </a:p>
+        </p:txBody>
+      </p:sp>
+      <p:sp>
+        <p:nvSpPr>
+          <p:cNvPr id="341" name="Google Shape;341;p45"/>
+          <p:cNvSpPr txBox="1"/>
+          <p:nvPr>
+            <p:ph idx="1" type="body"/>
+          </p:nvPr>
+        </p:nvSpPr>
+        <p:spPr>
+          <a:xfrm>
+            <a:off x="1297500" y="1567550"/>
+            <a:ext cx="7038900" cy="2911200"/>
+          </a:xfrm>
+          <a:prstGeom prst="rect">
+            <a:avLst/>
+          </a:prstGeom>
+        </p:spPr>
+        <p:txBody>
+          <a:bodyPr anchorCtr="0" anchor="t" bIns="91425" lIns="91425" spcFirstLastPara="1" rIns="91425" wrap="square" tIns="91425">
+            <a:normAutofit/>
+          </a:bodyPr>
+          <a:lstStyle/>
+          <a:p>
+            <a:pPr indent="-311150" lvl="0" marL="457200" rtl="0" algn="l">
+              <a:spcBef>
+                <a:spcPts val="0"/>
+              </a:spcBef>
+              <a:spcAft>
+                <a:spcPts val="0"/>
+              </a:spcAft>
+              <a:buSzPts val="1300"/>
+              <a:buChar char="●"/>
+            </a:pPr>
+            <a:r>
+              <a:rPr lang="en"/>
+              <a:t>Many small commits are good for personal development</a:t>
+            </a:r>
+            <a:endParaRPr/>
+          </a:p>
+          <a:p>
+            <a:pPr indent="-311150" lvl="0" marL="457200" rtl="0" algn="l">
+              <a:spcBef>
+                <a:spcPts val="0"/>
+              </a:spcBef>
+              <a:spcAft>
+                <a:spcPts val="0"/>
+              </a:spcAft>
+              <a:buSzPts val="1300"/>
+              <a:buChar char="●"/>
+            </a:pPr>
+            <a:r>
+              <a:rPr lang="en"/>
+              <a:t>Few large commits are good for team collaboration</a:t>
+            </a:r>
+            <a:endParaRPr/>
+          </a:p>
+          <a:p>
+            <a:pPr indent="-298450" lvl="1" marL="914400" rtl="0" algn="l">
+              <a:spcBef>
+                <a:spcPts val="0"/>
+              </a:spcBef>
+              <a:spcAft>
+                <a:spcPts val="0"/>
+              </a:spcAft>
+              <a:buSzPts val="1100"/>
+              <a:buChar char="○"/>
+            </a:pPr>
+            <a:r>
+              <a:rPr lang="en"/>
+              <a:t>Much easier to handle releases if one feature = one commit</a:t>
+            </a:r>
+            <a:endParaRPr/>
+          </a:p>
+          <a:p>
+            <a:pPr indent="-298450" lvl="1" marL="914400" rtl="0" algn="l">
+              <a:spcBef>
+                <a:spcPts val="0"/>
+              </a:spcBef>
+              <a:spcAft>
+                <a:spcPts val="0"/>
+              </a:spcAft>
+              <a:buSzPts val="1100"/>
+              <a:buChar char="○"/>
+            </a:pPr>
+            <a:r>
+              <a:rPr lang="en"/>
+              <a:t>Balance between commits being indivisible</a:t>
+            </a:r>
+            <a:endParaRPr/>
+          </a:p>
+          <a:p>
+            <a:pPr indent="-311150" lvl="0" marL="457200" rtl="0" algn="l">
+              <a:spcBef>
+                <a:spcPts val="0"/>
+              </a:spcBef>
+              <a:spcAft>
+                <a:spcPts val="0"/>
+              </a:spcAft>
+              <a:buSzPts val="1300"/>
+              <a:buChar char="●"/>
+            </a:pPr>
+            <a:r>
+              <a:rPr lang="en"/>
+              <a:t>Operate at different zoom levels</a:t>
+            </a:r>
+            <a:endParaRPr/>
+          </a:p>
+          <a:p>
+            <a:pPr indent="-298450" lvl="1" marL="914400" rtl="0" algn="l">
+              <a:spcBef>
+                <a:spcPts val="0"/>
+              </a:spcBef>
+              <a:spcAft>
+                <a:spcPts val="0"/>
+              </a:spcAft>
+              <a:buSzPts val="1100"/>
+              <a:buChar char="○"/>
+            </a:pPr>
+            <a:r>
+              <a:rPr lang="en"/>
+              <a:t>Zoomed in when developing features</a:t>
+            </a:r>
+            <a:endParaRPr/>
+          </a:p>
+          <a:p>
+            <a:pPr indent="-298450" lvl="1" marL="914400" rtl="0" algn="l">
+              <a:spcBef>
+                <a:spcPts val="0"/>
+              </a:spcBef>
+              <a:spcAft>
+                <a:spcPts val="0"/>
+              </a:spcAft>
+              <a:buSzPts val="1100"/>
+              <a:buChar char="○"/>
+            </a:pPr>
+            <a:r>
+              <a:rPr lang="en"/>
+              <a:t>Zoom out to look at the bigger picture when handling releases</a:t>
+            </a:r>
+            <a:endParaRPr/>
+          </a:p>
+        </p:txBody>
+      </p:sp>
+    </p:spTree>
+  </p:cSld>
+  <p:clrMapOvr>
+    <a:masterClrMapping/>
+  </p:clrMapOvr>
+</p:sld>
+</file>
+
+<file path=ppt/slides/slide34.xml><?xml version="1.0" encoding="utf-8"?>
+<p:sld xmlns:a="http://schemas.openxmlformats.org/drawingml/2006/main" xmlns:r="http://schemas.openxmlformats.org/officeDocument/2006/relationships" xmlns:mc="http://schemas.openxmlformats.org/markup-compatibility/2006" xmlns:mv="urn:schemas-microsoft-com:mac:vml" xmlns:p="http://schemas.openxmlformats.org/presentationml/2006/main" xmlns:c="http://schemas.openxmlformats.org/drawingml/2006/chart" xmlns:dgm="http://schemas.openxmlformats.org/drawingml/2006/diagram" xmlns:o="urn:schemas-microsoft-com:office:office" xmlns:v="urn:schemas-microsoft-com:vml" xmlns:pvml="urn:schemas-microsoft-com:office:powerpoint" xmlns:com="http://schemas.openxmlformats.org/drawingml/2006/compatibility" xmlns:p14="http://schemas.microsoft.com/office/powerpoint/2010/main" xmlns:p15="http://schemas.microsoft.com/office/powerpoint/2012/main" xmlns:ahyp="http://schemas.microsoft.com/office/drawing/2018/hyperlinkcolor">
+  <p:cSld>
+    <p:spTree>
+      <p:nvGrpSpPr>
+        <p:cNvPr id="345" name="Shape 345"/>
+        <p:cNvGrpSpPr/>
+        <p:nvPr/>
+      </p:nvGrpSpPr>
+      <p:grpSpPr>
+        <a:xfrm>
+          <a:off x="0" y="0"/>
+          <a:ext cx="0" cy="0"/>
+          <a:chOff x="0" y="0"/>
+          <a:chExt cx="0" cy="0"/>
+        </a:xfrm>
+      </p:grpSpPr>
+      <p:sp>
+        <p:nvSpPr>
+          <p:cNvPr id="346" name="Google Shape;346;p46"/>
+          <p:cNvSpPr txBox="1"/>
+          <p:nvPr>
+            <p:ph type="title"/>
+          </p:nvPr>
+        </p:nvSpPr>
+        <p:spPr>
+          <a:xfrm>
+            <a:off x="1297500" y="393750"/>
+            <a:ext cx="7038900" cy="914100"/>
+          </a:xfrm>
+          <a:prstGeom prst="rect">
+            <a:avLst/>
+          </a:prstGeom>
+        </p:spPr>
+        <p:txBody>
+          <a:bodyPr anchorCtr="0" anchor="t" bIns="91425" lIns="91425" spcFirstLastPara="1" rIns="91425" wrap="square" tIns="91425">
+            <a:normAutofit fontScale="90000"/>
+          </a:bodyPr>
+          <a:lstStyle/>
+          <a:p>
+            <a:pPr indent="0" lvl="0" marL="0" rtl="0" algn="l">
+              <a:spcBef>
+                <a:spcPts val="0"/>
+              </a:spcBef>
+              <a:spcAft>
+                <a:spcPts val="0"/>
+              </a:spcAft>
+              <a:buNone/>
+            </a:pPr>
+            <a:r>
+              <a:rPr lang="en"/>
+              <a:t>Managing Commits to Tell a Story - Rebase</a:t>
+            </a:r>
+            <a:endParaRPr/>
+          </a:p>
+          <a:p>
+            <a:pPr indent="0" lvl="0" marL="0" rtl="0" algn="l">
+              <a:spcBef>
+                <a:spcPts val="0"/>
+              </a:spcBef>
+              <a:spcAft>
+                <a:spcPts val="0"/>
+              </a:spcAft>
+              <a:buNone/>
+            </a:pPr>
+            <a:r>
+              <a:t/>
+            </a:r>
+            <a:endParaRPr/>
+          </a:p>
+        </p:txBody>
+      </p:sp>
+      <p:sp>
+        <p:nvSpPr>
+          <p:cNvPr id="347" name="Google Shape;347;p46"/>
+          <p:cNvSpPr txBox="1"/>
+          <p:nvPr>
+            <p:ph idx="1" type="body"/>
+          </p:nvPr>
+        </p:nvSpPr>
+        <p:spPr>
+          <a:xfrm>
+            <a:off x="1297500" y="1567550"/>
+            <a:ext cx="7038900" cy="2911200"/>
+          </a:xfrm>
+          <a:prstGeom prst="rect">
+            <a:avLst/>
+          </a:prstGeom>
+        </p:spPr>
+        <p:txBody>
+          <a:bodyPr anchorCtr="0" anchor="t" bIns="91425" lIns="91425" spcFirstLastPara="1" rIns="91425" wrap="square" tIns="91425">
+            <a:normAutofit/>
+          </a:bodyPr>
+          <a:lstStyle/>
+          <a:p>
+            <a:pPr indent="-311150" lvl="0" marL="457200" rtl="0" algn="l">
+              <a:spcBef>
+                <a:spcPts val="0"/>
+              </a:spcBef>
+              <a:spcAft>
+                <a:spcPts val="0"/>
+              </a:spcAft>
+              <a:buSzPts val="1300"/>
+              <a:buChar char="●"/>
+            </a:pPr>
+            <a:r>
+              <a:rPr lang="en"/>
+              <a:t>git rebase -i &lt;parent-id&gt;</a:t>
+            </a:r>
+            <a:endParaRPr/>
+          </a:p>
+          <a:p>
+            <a:pPr indent="-298450" lvl="1" marL="914400" rtl="0" algn="l">
+              <a:spcBef>
+                <a:spcPts val="0"/>
+              </a:spcBef>
+              <a:spcAft>
+                <a:spcPts val="0"/>
+              </a:spcAft>
+              <a:buSzPts val="1100"/>
+              <a:buChar char="○"/>
+            </a:pPr>
+            <a:r>
+              <a:rPr lang="en"/>
+              <a:t>id of the parent you want to start rebase on</a:t>
+            </a:r>
+            <a:endParaRPr/>
+          </a:p>
+          <a:p>
+            <a:pPr indent="-311150" lvl="0" marL="457200" rtl="0" algn="l">
+              <a:spcBef>
+                <a:spcPts val="0"/>
+              </a:spcBef>
+              <a:spcAft>
+                <a:spcPts val="0"/>
+              </a:spcAft>
+              <a:buSzPts val="1300"/>
+              <a:buChar char="●"/>
+            </a:pPr>
+            <a:r>
+              <a:rPr lang="en"/>
+              <a:t>Very powerful</a:t>
+            </a:r>
+            <a:endParaRPr/>
+          </a:p>
+          <a:p>
+            <a:pPr indent="-311150" lvl="0" marL="457200" rtl="0" algn="l">
+              <a:spcBef>
+                <a:spcPts val="0"/>
+              </a:spcBef>
+              <a:spcAft>
+                <a:spcPts val="0"/>
+              </a:spcAft>
+              <a:buSzPts val="1300"/>
+              <a:buChar char="●"/>
+            </a:pPr>
+            <a:r>
+              <a:rPr lang="en"/>
+              <a:t>Combine, edit, rename, reorder, and delete commits</a:t>
+            </a:r>
+            <a:endParaRPr/>
+          </a:p>
+          <a:p>
+            <a:pPr indent="-311150" lvl="0" marL="457200" rtl="0" algn="l">
+              <a:spcBef>
+                <a:spcPts val="0"/>
+              </a:spcBef>
+              <a:spcAft>
+                <a:spcPts val="0"/>
+              </a:spcAft>
+              <a:buSzPts val="1300"/>
+              <a:buChar char="●"/>
+            </a:pPr>
+            <a:r>
+              <a:rPr lang="en"/>
+              <a:t>You should rebase your feature before merging and pushing to dev</a:t>
+            </a:r>
+            <a:endParaRPr/>
+          </a:p>
+          <a:p>
+            <a:pPr indent="-311150" lvl="0" marL="457200" rtl="0" algn="l">
+              <a:spcBef>
+                <a:spcPts val="0"/>
+              </a:spcBef>
+              <a:spcAft>
+                <a:spcPts val="0"/>
+              </a:spcAft>
+              <a:buSzPts val="1300"/>
+              <a:buChar char="●"/>
+            </a:pPr>
+            <a:r>
+              <a:rPr b="1" lang="en"/>
+              <a:t>NEVER</a:t>
+            </a:r>
+            <a:r>
+              <a:rPr lang="en"/>
+              <a:t> use on a public branch</a:t>
+            </a:r>
+            <a:endParaRPr/>
+          </a:p>
+          <a:p>
+            <a:pPr indent="-298450" lvl="1" marL="914400" rtl="0" algn="l">
+              <a:spcBef>
+                <a:spcPts val="0"/>
+              </a:spcBef>
+              <a:spcAft>
+                <a:spcPts val="0"/>
+              </a:spcAft>
+              <a:buSzPts val="1100"/>
+              <a:buChar char="○"/>
+            </a:pPr>
+            <a:r>
+              <a:rPr lang="en"/>
+              <a:t>Don’t use on dev, qa, or prod</a:t>
+            </a:r>
+            <a:endParaRPr/>
+          </a:p>
+        </p:txBody>
+      </p:sp>
+    </p:spTree>
+  </p:cSld>
+  <p:clrMapOvr>
+    <a:masterClrMapping/>
+  </p:clrMapOvr>
+</p:sld>
+</file>
+
+<file path=ppt/slides/slide35.xml><?xml version="1.0" encoding="utf-8"?>
+<p:sld xmlns:a="http://schemas.openxmlformats.org/drawingml/2006/main" xmlns:r="http://schemas.openxmlformats.org/officeDocument/2006/relationships" xmlns:mc="http://schemas.openxmlformats.org/markup-compatibility/2006" xmlns:mv="urn:schemas-microsoft-com:mac:vml" xmlns:p="http://schemas.openxmlformats.org/presentationml/2006/main" xmlns:c="http://schemas.openxmlformats.org/drawingml/2006/chart" xmlns:dgm="http://schemas.openxmlformats.org/drawingml/2006/diagram" xmlns:o="urn:schemas-microsoft-com:office:office" xmlns:v="urn:schemas-microsoft-com:vml" xmlns:pvml="urn:schemas-microsoft-com:office:powerpoint" xmlns:com="http://schemas.openxmlformats.org/drawingml/2006/compatibility" xmlns:p14="http://schemas.microsoft.com/office/powerpoint/2010/main" xmlns:p15="http://schemas.microsoft.com/office/powerpoint/2012/main" xmlns:ahyp="http://schemas.microsoft.com/office/drawing/2018/hyperlinkcolor">
+  <p:cSld>
+    <p:spTree>
+      <p:nvGrpSpPr>
+        <p:cNvPr id="351" name="Shape 351"/>
+        <p:cNvGrpSpPr/>
+        <p:nvPr/>
+      </p:nvGrpSpPr>
+      <p:grpSpPr>
+        <a:xfrm>
+          <a:off x="0" y="0"/>
+          <a:ext cx="0" cy="0"/>
+          <a:chOff x="0" y="0"/>
+          <a:chExt cx="0" cy="0"/>
+        </a:xfrm>
+      </p:grpSpPr>
+      <p:sp>
+        <p:nvSpPr>
+          <p:cNvPr id="352" name="Google Shape;352;p47"/>
+          <p:cNvSpPr txBox="1"/>
+          <p:nvPr>
+            <p:ph type="title"/>
+          </p:nvPr>
+        </p:nvSpPr>
+        <p:spPr>
+          <a:xfrm>
+            <a:off x="1297500" y="393750"/>
+            <a:ext cx="7038900" cy="914100"/>
+          </a:xfrm>
+          <a:prstGeom prst="rect">
+            <a:avLst/>
+          </a:prstGeom>
+        </p:spPr>
+        <p:txBody>
+          <a:bodyPr anchorCtr="0" anchor="t" bIns="91425" lIns="91425" spcFirstLastPara="1" rIns="91425" wrap="square" tIns="91425">
+            <a:normAutofit/>
+          </a:bodyPr>
+          <a:lstStyle/>
+          <a:p>
+            <a:pPr indent="0" lvl="0" marL="0" rtl="0" algn="l">
+              <a:spcBef>
+                <a:spcPts val="0"/>
+              </a:spcBef>
+              <a:spcAft>
+                <a:spcPts val="0"/>
+              </a:spcAft>
+              <a:buNone/>
+            </a:pPr>
+            <a:r>
+              <a:rPr lang="en"/>
+              <a:t>Merge Conflicts - Resolving</a:t>
+            </a:r>
+            <a:endParaRPr/>
+          </a:p>
+        </p:txBody>
+      </p:sp>
+      <p:sp>
+        <p:nvSpPr>
+          <p:cNvPr id="353" name="Google Shape;353;p47"/>
+          <p:cNvSpPr txBox="1"/>
+          <p:nvPr>
+            <p:ph idx="1" type="body"/>
+          </p:nvPr>
+        </p:nvSpPr>
+        <p:spPr>
+          <a:xfrm>
+            <a:off x="1297500" y="1567550"/>
+            <a:ext cx="7038900" cy="2911200"/>
+          </a:xfrm>
+          <a:prstGeom prst="rect">
+            <a:avLst/>
+          </a:prstGeom>
+        </p:spPr>
+        <p:txBody>
+          <a:bodyPr anchorCtr="0" anchor="t" bIns="91425" lIns="91425" spcFirstLastPara="1" rIns="91425" wrap="square" tIns="91425">
+            <a:normAutofit/>
+          </a:bodyPr>
+          <a:lstStyle/>
+          <a:p>
+            <a:pPr indent="-311150" lvl="0" marL="457200" rtl="0" algn="l">
+              <a:spcBef>
+                <a:spcPts val="0"/>
+              </a:spcBef>
+              <a:spcAft>
+                <a:spcPts val="0"/>
+              </a:spcAft>
+              <a:buSzPts val="1300"/>
+              <a:buChar char="●"/>
+            </a:pPr>
+            <a:r>
+              <a:rPr lang="en"/>
+              <a:t>Sometimes it’s better to resolve them manually</a:t>
+            </a:r>
+            <a:endParaRPr/>
+          </a:p>
+          <a:p>
+            <a:pPr indent="-311150" lvl="0" marL="457200" rtl="0" algn="l">
+              <a:spcBef>
+                <a:spcPts val="0"/>
+              </a:spcBef>
+              <a:spcAft>
+                <a:spcPts val="0"/>
+              </a:spcAft>
+              <a:buSzPts val="1300"/>
+              <a:buChar char="●"/>
+            </a:pPr>
+            <a:r>
+              <a:rPr lang="en"/>
+              <a:t>Fix each file with conflict by removing the conflict markers</a:t>
+            </a:r>
+            <a:endParaRPr/>
+          </a:p>
+          <a:p>
+            <a:pPr indent="-298450" lvl="1" marL="914400" rtl="0" algn="l">
+              <a:spcBef>
+                <a:spcPts val="0"/>
+              </a:spcBef>
+              <a:spcAft>
+                <a:spcPts val="0"/>
+              </a:spcAft>
+              <a:buSzPts val="1100"/>
+              <a:buAutoNum type="alphaLcPeriod"/>
+            </a:pPr>
+            <a:r>
+              <a:rPr lang="en"/>
+              <a:t>&gt;&gt;&gt;, ===, &lt;&lt;&lt;</a:t>
+            </a:r>
+            <a:endParaRPr/>
+          </a:p>
+          <a:p>
+            <a:pPr indent="-311150" lvl="0" marL="457200" rtl="0" algn="l">
+              <a:spcBef>
+                <a:spcPts val="0"/>
+              </a:spcBef>
+              <a:spcAft>
+                <a:spcPts val="0"/>
+              </a:spcAft>
+              <a:buSzPts val="1300"/>
+              <a:buChar char="●"/>
+            </a:pPr>
+            <a:r>
+              <a:rPr lang="en"/>
+              <a:t>Commands:</a:t>
+            </a:r>
+            <a:endParaRPr/>
+          </a:p>
+          <a:p>
+            <a:pPr indent="-298450" lvl="1" marL="914400" rtl="0" algn="l">
+              <a:spcBef>
+                <a:spcPts val="0"/>
+              </a:spcBef>
+              <a:spcAft>
+                <a:spcPts val="0"/>
+              </a:spcAft>
+              <a:buSzPts val="1100"/>
+              <a:buAutoNum type="alphaLcPeriod"/>
+            </a:pPr>
+            <a:r>
+              <a:rPr lang="en"/>
+              <a:t>git add *</a:t>
+            </a:r>
+            <a:endParaRPr/>
+          </a:p>
+          <a:p>
+            <a:pPr indent="-298450" lvl="1" marL="914400" rtl="0" algn="l">
+              <a:spcBef>
+                <a:spcPts val="0"/>
+              </a:spcBef>
+              <a:spcAft>
+                <a:spcPts val="0"/>
+              </a:spcAft>
+              <a:buSzPts val="1100"/>
+              <a:buAutoNum type="alphaLcPeriod"/>
+            </a:pPr>
+            <a:r>
+              <a:rPr lang="en"/>
+              <a:t>git merge --continue</a:t>
+            </a:r>
+            <a:endParaRPr/>
+          </a:p>
+        </p:txBody>
+      </p:sp>
+    </p:spTree>
+  </p:cSld>
+  <p:clrMapOvr>
+    <a:masterClrMapping/>
+  </p:clrMapOvr>
+</p:sld>
+</file>
+
+<file path=ppt/slides/slide36.xml><?xml version="1.0" encoding="utf-8"?>
+<p:sld xmlns:a="http://schemas.openxmlformats.org/drawingml/2006/main" xmlns:r="http://schemas.openxmlformats.org/officeDocument/2006/relationships" xmlns:mc="http://schemas.openxmlformats.org/markup-compatibility/2006" xmlns:mv="urn:schemas-microsoft-com:mac:vml" xmlns:p="http://schemas.openxmlformats.org/presentationml/2006/main" xmlns:c="http://schemas.openxmlformats.org/drawingml/2006/chart" xmlns:dgm="http://schemas.openxmlformats.org/drawingml/2006/diagram" xmlns:o="urn:schemas-microsoft-com:office:office" xmlns:v="urn:schemas-microsoft-com:vml" xmlns:pvml="urn:schemas-microsoft-com:office:powerpoint" xmlns:com="http://schemas.openxmlformats.org/drawingml/2006/compatibility" xmlns:p14="http://schemas.microsoft.com/office/powerpoint/2010/main" xmlns:p15="http://schemas.microsoft.com/office/powerpoint/2012/main" xmlns:ahyp="http://schemas.microsoft.com/office/drawing/2018/hyperlinkcolor">
+  <p:cSld>
+    <p:spTree>
+      <p:nvGrpSpPr>
+        <p:cNvPr id="357" name="Shape 357"/>
+        <p:cNvGrpSpPr/>
+        <p:nvPr/>
+      </p:nvGrpSpPr>
+      <p:grpSpPr>
+        <a:xfrm>
+          <a:off x="0" y="0"/>
+          <a:ext cx="0" cy="0"/>
+          <a:chOff x="0" y="0"/>
+          <a:chExt cx="0" cy="0"/>
+        </a:xfrm>
+      </p:grpSpPr>
+      <p:sp>
+        <p:nvSpPr>
+          <p:cNvPr id="358" name="Google Shape;358;p48"/>
+          <p:cNvSpPr txBox="1"/>
+          <p:nvPr>
+            <p:ph type="title"/>
+          </p:nvPr>
+        </p:nvSpPr>
+        <p:spPr>
+          <a:xfrm>
+            <a:off x="1297500" y="393750"/>
+            <a:ext cx="7038900" cy="914100"/>
+          </a:xfrm>
+          <a:prstGeom prst="rect">
+            <a:avLst/>
+          </a:prstGeom>
+        </p:spPr>
+        <p:txBody>
+          <a:bodyPr anchorCtr="0" anchor="t" bIns="91425" lIns="91425" spcFirstLastPara="1" rIns="91425" wrap="square" tIns="91425">
+            <a:normAutofit/>
+          </a:bodyPr>
+          <a:lstStyle/>
+          <a:p>
+            <a:pPr indent="0" lvl="0" marL="0" rtl="0" algn="l">
+              <a:spcBef>
+                <a:spcPts val="0"/>
+              </a:spcBef>
+              <a:spcAft>
+                <a:spcPts val="0"/>
+              </a:spcAft>
+              <a:buNone/>
+            </a:pPr>
+            <a:r>
+              <a:rPr lang="en"/>
+              <a:t>Merge Conflicts - Reducing</a:t>
+            </a:r>
+            <a:endParaRPr/>
+          </a:p>
+        </p:txBody>
+      </p:sp>
+      <p:sp>
+        <p:nvSpPr>
+          <p:cNvPr id="359" name="Google Shape;359;p48"/>
+          <p:cNvSpPr txBox="1"/>
+          <p:nvPr>
+            <p:ph idx="1" type="body"/>
+          </p:nvPr>
+        </p:nvSpPr>
+        <p:spPr>
+          <a:xfrm>
+            <a:off x="1297500" y="1567550"/>
+            <a:ext cx="7038900" cy="2911200"/>
+          </a:xfrm>
+          <a:prstGeom prst="rect">
+            <a:avLst/>
+          </a:prstGeom>
+        </p:spPr>
+        <p:txBody>
+          <a:bodyPr anchorCtr="0" anchor="t" bIns="91425" lIns="91425" spcFirstLastPara="1" rIns="91425" wrap="square" tIns="91425">
+            <a:normAutofit/>
+          </a:bodyPr>
+          <a:lstStyle/>
+          <a:p>
+            <a:pPr indent="-349250" lvl="0" marL="457200" rtl="0" algn="l">
+              <a:spcBef>
+                <a:spcPts val="0"/>
+              </a:spcBef>
+              <a:spcAft>
+                <a:spcPts val="0"/>
+              </a:spcAft>
+              <a:buSzPts val="1900"/>
+              <a:buChar char="●"/>
+            </a:pPr>
+            <a:r>
+              <a:rPr lang="en" sz="1900"/>
+              <a:t>Devs may sync their changes back to dev ASAP if they all are changing the same files</a:t>
+            </a:r>
+            <a:endParaRPr sz="1900"/>
+          </a:p>
+          <a:p>
+            <a:pPr indent="-349250" lvl="0" marL="457200" rtl="0" algn="l">
+              <a:spcBef>
+                <a:spcPts val="0"/>
+              </a:spcBef>
+              <a:spcAft>
+                <a:spcPts val="0"/>
+              </a:spcAft>
+              <a:buSzPts val="1900"/>
+              <a:buChar char="●"/>
+            </a:pPr>
+            <a:r>
+              <a:rPr lang="en" sz="1900"/>
+              <a:t>Syncing your scaffolds ASAP makes it easier for future merges</a:t>
+            </a:r>
+            <a:endParaRPr sz="1900"/>
+          </a:p>
+          <a:p>
+            <a:pPr indent="-349250" lvl="0" marL="457200" rtl="0" algn="l">
+              <a:spcBef>
+                <a:spcPts val="0"/>
+              </a:spcBef>
+              <a:spcAft>
+                <a:spcPts val="0"/>
+              </a:spcAft>
+              <a:buSzPts val="1900"/>
+              <a:buChar char="●"/>
+            </a:pPr>
+            <a:r>
+              <a:rPr lang="en" sz="1900"/>
+              <a:t>However, this is contrary to only having large commits in our remote repo</a:t>
+            </a:r>
+            <a:endParaRPr sz="1900"/>
+          </a:p>
+          <a:p>
+            <a:pPr indent="-336550" lvl="1" marL="914400" rtl="0" algn="l">
+              <a:spcBef>
+                <a:spcPts val="0"/>
+              </a:spcBef>
+              <a:spcAft>
+                <a:spcPts val="0"/>
+              </a:spcAft>
+              <a:buSzPts val="1700"/>
+              <a:buChar char="○"/>
+            </a:pPr>
+            <a:r>
+              <a:rPr lang="en" sz="1700"/>
+              <a:t>Price we have to pay</a:t>
+            </a:r>
+            <a:endParaRPr sz="1700"/>
+          </a:p>
+        </p:txBody>
+      </p:sp>
+    </p:spTree>
+  </p:cSld>
+  <p:clrMapOvr>
+    <a:masterClrMapping/>
+  </p:clrMapOvr>
+</p:sld>
+</file>
+
+<file path=ppt/slides/slide37.xml><?xml version="1.0" encoding="utf-8"?>
+<p:sld xmlns:a="http://schemas.openxmlformats.org/drawingml/2006/main" xmlns:r="http://schemas.openxmlformats.org/officeDocument/2006/relationships" xmlns:mc="http://schemas.openxmlformats.org/markup-compatibility/2006" xmlns:mv="urn:schemas-microsoft-com:mac:vml" xmlns:p="http://schemas.openxmlformats.org/presentationml/2006/main" xmlns:c="http://schemas.openxmlformats.org/drawingml/2006/chart" xmlns:dgm="http://schemas.openxmlformats.org/drawingml/2006/diagram" xmlns:o="urn:schemas-microsoft-com:office:office" xmlns:v="urn:schemas-microsoft-com:vml" xmlns:pvml="urn:schemas-microsoft-com:office:powerpoint" xmlns:com="http://schemas.openxmlformats.org/drawingml/2006/compatibility" xmlns:p14="http://schemas.microsoft.com/office/powerpoint/2010/main" xmlns:p15="http://schemas.microsoft.com/office/powerpoint/2012/main" xmlns:ahyp="http://schemas.microsoft.com/office/drawing/2018/hyperlinkcolor">
+  <p:cSld>
+    <p:spTree>
+      <p:nvGrpSpPr>
+        <p:cNvPr id="363" name="Shape 363"/>
+        <p:cNvGrpSpPr/>
+        <p:nvPr/>
+      </p:nvGrpSpPr>
+      <p:grpSpPr>
+        <a:xfrm>
+          <a:off x="0" y="0"/>
+          <a:ext cx="0" cy="0"/>
+          <a:chOff x="0" y="0"/>
+          <a:chExt cx="0" cy="0"/>
+        </a:xfrm>
+      </p:grpSpPr>
+      <p:sp>
+        <p:nvSpPr>
+          <p:cNvPr id="364" name="Google Shape;364;p49"/>
+          <p:cNvSpPr txBox="1"/>
+          <p:nvPr>
+            <p:ph type="title"/>
+          </p:nvPr>
+        </p:nvSpPr>
+        <p:spPr>
+          <a:xfrm>
+            <a:off x="823850" y="2053000"/>
+            <a:ext cx="4587000" cy="1148700"/>
+          </a:xfrm>
+          <a:prstGeom prst="rect">
+            <a:avLst/>
+          </a:prstGeom>
+        </p:spPr>
+        <p:txBody>
+          <a:bodyPr anchorCtr="0" anchor="ctr" bIns="91425" lIns="91425" spcFirstLastPara="1" rIns="91425" wrap="square" tIns="91425">
+            <a:normAutofit/>
+          </a:bodyPr>
+          <a:lstStyle/>
+          <a:p>
+            <a:pPr indent="0" lvl="0" marL="0" rtl="0" algn="l">
+              <a:spcBef>
+                <a:spcPts val="0"/>
+              </a:spcBef>
+              <a:spcAft>
+                <a:spcPts val="0"/>
+              </a:spcAft>
+              <a:buNone/>
+            </a:pPr>
+            <a:r>
+              <a:rPr lang="en"/>
+              <a:t>Team Git Workflows</a:t>
+            </a:r>
+            <a:endParaRPr/>
+          </a:p>
+        </p:txBody>
+      </p:sp>
+    </p:spTree>
+  </p:cSld>
+  <p:clrMapOvr>
+    <a:masterClrMapping/>
+  </p:clrMapOvr>
+</p:sld>
+</file>
+
+<file path=ppt/slides/slide38.xml><?xml version="1.0" encoding="utf-8"?>
+<p:sld xmlns:a="http://schemas.openxmlformats.org/drawingml/2006/main" xmlns:r="http://schemas.openxmlformats.org/officeDocument/2006/relationships" xmlns:mc="http://schemas.openxmlformats.org/markup-compatibility/2006" xmlns:mv="urn:schemas-microsoft-com:mac:vml" xmlns:p="http://schemas.openxmlformats.org/presentationml/2006/main" xmlns:c="http://schemas.openxmlformats.org/drawingml/2006/chart" xmlns:dgm="http://schemas.openxmlformats.org/drawingml/2006/diagram" xmlns:o="urn:schemas-microsoft-com:office:office" xmlns:v="urn:schemas-microsoft-com:vml" xmlns:pvml="urn:schemas-microsoft-com:office:powerpoint" xmlns:com="http://schemas.openxmlformats.org/drawingml/2006/compatibility" xmlns:p14="http://schemas.microsoft.com/office/powerpoint/2010/main" xmlns:p15="http://schemas.microsoft.com/office/powerpoint/2012/main" xmlns:ahyp="http://schemas.microsoft.com/office/drawing/2018/hyperlinkcolor">
+  <p:cSld>
+    <p:spTree>
+      <p:nvGrpSpPr>
+        <p:cNvPr id="368" name="Shape 368"/>
+        <p:cNvGrpSpPr/>
+        <p:nvPr/>
+      </p:nvGrpSpPr>
+      <p:grpSpPr>
+        <a:xfrm>
+          <a:off x="0" y="0"/>
+          <a:ext cx="0" cy="0"/>
+          <a:chOff x="0" y="0"/>
+          <a:chExt cx="0" cy="0"/>
+        </a:xfrm>
+      </p:grpSpPr>
+      <p:sp>
+        <p:nvSpPr>
+          <p:cNvPr id="369" name="Google Shape;369;p50"/>
+          <p:cNvSpPr txBox="1"/>
+          <p:nvPr>
+            <p:ph type="title"/>
+          </p:nvPr>
+        </p:nvSpPr>
+        <p:spPr>
+          <a:xfrm>
+            <a:off x="1297500" y="393750"/>
+            <a:ext cx="7038900" cy="914100"/>
+          </a:xfrm>
+          <a:prstGeom prst="rect">
+            <a:avLst/>
+          </a:prstGeom>
+        </p:spPr>
+        <p:txBody>
+          <a:bodyPr anchorCtr="0" anchor="t" bIns="91425" lIns="91425" spcFirstLastPara="1" rIns="91425" wrap="square" tIns="91425">
+            <a:normAutofit/>
+          </a:bodyPr>
+          <a:lstStyle/>
+          <a:p>
+            <a:pPr indent="0" lvl="0" marL="0" rtl="0" algn="l">
+              <a:spcBef>
+                <a:spcPts val="0"/>
+              </a:spcBef>
+              <a:spcAft>
+                <a:spcPts val="0"/>
+              </a:spcAft>
+              <a:buNone/>
+            </a:pPr>
+            <a:r>
+              <a:rPr lang="en"/>
+              <a:t>Managing Releases</a:t>
+            </a:r>
+            <a:endParaRPr/>
+          </a:p>
+        </p:txBody>
+      </p:sp>
+      <p:sp>
+        <p:nvSpPr>
+          <p:cNvPr id="370" name="Google Shape;370;p50"/>
+          <p:cNvSpPr txBox="1"/>
+          <p:nvPr>
+            <p:ph idx="1" type="body"/>
+          </p:nvPr>
+        </p:nvSpPr>
+        <p:spPr>
+          <a:xfrm>
+            <a:off x="1297500" y="1567550"/>
+            <a:ext cx="7038900" cy="2911200"/>
+          </a:xfrm>
+          <a:prstGeom prst="rect">
+            <a:avLst/>
+          </a:prstGeom>
+        </p:spPr>
+        <p:txBody>
+          <a:bodyPr anchorCtr="0" anchor="t" bIns="91425" lIns="91425" spcFirstLastPara="1" rIns="91425" wrap="square" tIns="91425">
+            <a:normAutofit/>
+          </a:bodyPr>
+          <a:lstStyle/>
+          <a:p>
+            <a:pPr indent="-311150" lvl="0" marL="457200" rtl="0" algn="l">
+              <a:spcBef>
+                <a:spcPts val="0"/>
+              </a:spcBef>
+              <a:spcAft>
+                <a:spcPts val="0"/>
+              </a:spcAft>
+              <a:buSzPts val="1300"/>
+              <a:buChar char="●"/>
+            </a:pPr>
+            <a:r>
+              <a:rPr lang="en"/>
+              <a:t>Usually dev only has all the features it exactly needs</a:t>
+            </a:r>
+            <a:endParaRPr/>
+          </a:p>
+          <a:p>
+            <a:pPr indent="-311150" lvl="0" marL="457200" rtl="0" algn="l">
+              <a:spcBef>
+                <a:spcPts val="0"/>
+              </a:spcBef>
+              <a:spcAft>
+                <a:spcPts val="0"/>
+              </a:spcAft>
+              <a:buSzPts val="1300"/>
+              <a:buChar char="●"/>
+            </a:pPr>
+            <a:r>
+              <a:rPr lang="en"/>
+              <a:t>Tag this commit so it’s easier to keep track</a:t>
+            </a:r>
+            <a:endParaRPr/>
+          </a:p>
+          <a:p>
+            <a:pPr indent="-311150" lvl="0" marL="457200" rtl="0" algn="l">
+              <a:spcBef>
+                <a:spcPts val="0"/>
+              </a:spcBef>
+              <a:spcAft>
+                <a:spcPts val="0"/>
+              </a:spcAft>
+              <a:buSzPts val="1300"/>
+              <a:buChar char="●"/>
+            </a:pPr>
+            <a:r>
+              <a:rPr lang="en"/>
+              <a:t>git tag -a v3.5.7 -m “Added stories and replies to comments.”</a:t>
+            </a:r>
+            <a:endParaRPr/>
+          </a:p>
+          <a:p>
+            <a:pPr indent="-311150" lvl="0" marL="457200" rtl="0" algn="l">
+              <a:spcBef>
+                <a:spcPts val="0"/>
+              </a:spcBef>
+              <a:spcAft>
+                <a:spcPts val="0"/>
+              </a:spcAft>
+              <a:buSzPts val="1300"/>
+              <a:buChar char="●"/>
+            </a:pPr>
+            <a:r>
+              <a:rPr lang="en"/>
+              <a:t>git push origin v3.5.7</a:t>
+            </a:r>
+            <a:endParaRPr/>
+          </a:p>
+          <a:p>
+            <a:pPr indent="-311150" lvl="0" marL="457200" rtl="0" algn="l">
+              <a:spcBef>
+                <a:spcPts val="0"/>
+              </a:spcBef>
+              <a:spcAft>
+                <a:spcPts val="0"/>
+              </a:spcAft>
+              <a:buSzPts val="1300"/>
+              <a:buChar char="●"/>
+            </a:pPr>
+            <a:r>
+              <a:rPr lang="en"/>
+              <a:t>Can use revert or cherry-pick to further manipulate commits in dev</a:t>
+            </a:r>
+            <a:endParaRPr/>
+          </a:p>
+          <a:p>
+            <a:pPr indent="-298450" lvl="1" marL="914400" rtl="0" algn="l">
+              <a:spcBef>
+                <a:spcPts val="0"/>
+              </a:spcBef>
+              <a:spcAft>
+                <a:spcPts val="0"/>
+              </a:spcAft>
+              <a:buSzPts val="1100"/>
+              <a:buChar char="○"/>
+            </a:pPr>
+            <a:r>
+              <a:rPr lang="en"/>
+              <a:t>revert creates a commit that will undo a specific commit</a:t>
+            </a:r>
+            <a:endParaRPr/>
+          </a:p>
+          <a:p>
+            <a:pPr indent="-298450" lvl="1" marL="914400" rtl="0" algn="l">
+              <a:spcBef>
+                <a:spcPts val="0"/>
+              </a:spcBef>
+              <a:spcAft>
+                <a:spcPts val="0"/>
+              </a:spcAft>
+              <a:buSzPts val="1100"/>
+              <a:buChar char="○"/>
+            </a:pPr>
+            <a:r>
+              <a:rPr lang="en"/>
+              <a:t>cherry-pick allows us to get commits from an unmerged/unfinished branch and apply it to dev</a:t>
+            </a:r>
+            <a:endParaRPr/>
+          </a:p>
+        </p:txBody>
+      </p:sp>
+    </p:spTree>
+  </p:cSld>
+  <p:clrMapOvr>
+    <a:masterClrMapping/>
+  </p:clrMapOvr>
+</p:sld>
+</file>
+
+<file path=ppt/slides/slide39.xml><?xml version="1.0" encoding="utf-8"?>
+<p:sld xmlns:a="http://schemas.openxmlformats.org/drawingml/2006/main" xmlns:r="http://schemas.openxmlformats.org/officeDocument/2006/relationships" xmlns:mc="http://schemas.openxmlformats.org/markup-compatibility/2006" xmlns:mv="urn:schemas-microsoft-com:mac:vml" xmlns:p="http://schemas.openxmlformats.org/presentationml/2006/main" xmlns:c="http://schemas.openxmlformats.org/drawingml/2006/chart" xmlns:dgm="http://schemas.openxmlformats.org/drawingml/2006/diagram" xmlns:o="urn:schemas-microsoft-com:office:office" xmlns:v="urn:schemas-microsoft-com:vml" xmlns:pvml="urn:schemas-microsoft-com:office:powerpoint" xmlns:com="http://schemas.openxmlformats.org/drawingml/2006/compatibility" xmlns:p14="http://schemas.microsoft.com/office/powerpoint/2010/main" xmlns:p15="http://schemas.microsoft.com/office/powerpoint/2012/main" xmlns:ahyp="http://schemas.microsoft.com/office/drawing/2018/hyperlinkcolor">
+  <p:cSld>
+    <p:spTree>
+      <p:nvGrpSpPr>
+        <p:cNvPr id="374" name="Shape 374"/>
+        <p:cNvGrpSpPr/>
+        <p:nvPr/>
+      </p:nvGrpSpPr>
+      <p:grpSpPr>
+        <a:xfrm>
+          <a:off x="0" y="0"/>
+          <a:ext cx="0" cy="0"/>
+          <a:chOff x="0" y="0"/>
+          <a:chExt cx="0" cy="0"/>
+        </a:xfrm>
+      </p:grpSpPr>
+      <p:sp>
+        <p:nvSpPr>
+          <p:cNvPr id="375" name="Google Shape;375;p51"/>
+          <p:cNvSpPr txBox="1"/>
+          <p:nvPr>
+            <p:ph type="title"/>
+          </p:nvPr>
+        </p:nvSpPr>
+        <p:spPr>
+          <a:xfrm>
+            <a:off x="1297500" y="393750"/>
+            <a:ext cx="7038900" cy="914100"/>
+          </a:xfrm>
+          <a:prstGeom prst="rect">
+            <a:avLst/>
+          </a:prstGeom>
+        </p:spPr>
+        <p:txBody>
+          <a:bodyPr anchorCtr="0" anchor="t" bIns="91425" lIns="91425" spcFirstLastPara="1" rIns="91425" wrap="square" tIns="91425">
+            <a:normAutofit/>
+          </a:bodyPr>
+          <a:lstStyle/>
+          <a:p>
+            <a:pPr indent="0" lvl="0" marL="0" rtl="0" algn="l">
+              <a:spcBef>
+                <a:spcPts val="0"/>
+              </a:spcBef>
+              <a:spcAft>
+                <a:spcPts val="0"/>
+              </a:spcAft>
+              <a:buNone/>
+            </a:pPr>
+            <a:r>
+              <a:rPr lang="en"/>
+              <a:t>Team Git Workflows</a:t>
+            </a:r>
+            <a:endParaRPr/>
+          </a:p>
+        </p:txBody>
+      </p:sp>
+      <p:sp>
+        <p:nvSpPr>
+          <p:cNvPr id="376" name="Google Shape;376;p51"/>
+          <p:cNvSpPr txBox="1"/>
+          <p:nvPr>
+            <p:ph idx="1" type="body"/>
+          </p:nvPr>
+        </p:nvSpPr>
+        <p:spPr>
+          <a:xfrm>
+            <a:off x="1297500" y="1567550"/>
+            <a:ext cx="7038900" cy="2911200"/>
+          </a:xfrm>
+          <a:prstGeom prst="rect">
+            <a:avLst/>
+          </a:prstGeom>
+        </p:spPr>
+        <p:txBody>
+          <a:bodyPr anchorCtr="0" anchor="t" bIns="91425" lIns="91425" spcFirstLastPara="1" rIns="91425" wrap="square" tIns="91425">
+            <a:normAutofit/>
+          </a:bodyPr>
+          <a:lstStyle/>
+          <a:p>
+            <a:pPr indent="-311150" lvl="0" marL="457200" rtl="0" algn="l">
+              <a:spcBef>
+                <a:spcPts val="0"/>
+              </a:spcBef>
+              <a:spcAft>
+                <a:spcPts val="0"/>
+              </a:spcAft>
+              <a:buSzPts val="1300"/>
+              <a:buChar char="●"/>
+            </a:pPr>
+            <a:r>
+              <a:rPr lang="en"/>
+              <a:t>Gitflow</a:t>
+            </a:r>
+            <a:endParaRPr/>
+          </a:p>
+          <a:p>
+            <a:pPr indent="-311150" lvl="0" marL="457200" rtl="0" algn="l">
+              <a:spcBef>
+                <a:spcPts val="0"/>
+              </a:spcBef>
+              <a:spcAft>
+                <a:spcPts val="0"/>
+              </a:spcAft>
+              <a:buSzPts val="1300"/>
+              <a:buChar char="●"/>
+            </a:pPr>
+            <a:r>
+              <a:rPr lang="en"/>
+              <a:t>Trunk-based workflow</a:t>
+            </a:r>
+            <a:endParaRPr/>
+          </a:p>
+        </p:txBody>
+      </p:sp>
+    </p:spTree>
+  </p:cSld>
+  <p:clrMapOvr>
+    <a:masterClrMapping/>
+  </p:clrMapOvr>
+</p:sld>
+</file>
+
 <file path=ppt/slides/slide4.xml><?xml version="1.0" encoding="utf-8"?>
 <p:sld xmlns:a="http://schemas.openxmlformats.org/drawingml/2006/main" xmlns:r="http://schemas.openxmlformats.org/officeDocument/2006/relationships" xmlns:mc="http://schemas.openxmlformats.org/markup-compatibility/2006" xmlns:mv="urn:schemas-microsoft-com:mac:vml" xmlns:p="http://schemas.openxmlformats.org/presentationml/2006/main" xmlns:c="http://schemas.openxmlformats.org/drawingml/2006/chart" xmlns:dgm="http://schemas.openxmlformats.org/drawingml/2006/diagram" xmlns:o="urn:schemas-microsoft-com:office:office" xmlns:v="urn:schemas-microsoft-com:vml" xmlns:pvml="urn:schemas-microsoft-com:office:powerpoint" xmlns:com="http://schemas.openxmlformats.org/drawingml/2006/compatibility" xmlns:p14="http://schemas.microsoft.com/office/powerpoint/2010/main" xmlns:p15="http://schemas.microsoft.com/office/powerpoint/2012/main" xmlns:ahyp="http://schemas.microsoft.com/office/drawing/2018/hyperlinkcolor">
   <p:cSld>
@@ -14447,6 +18503,679 @@
             <a:r>
               <a:rPr lang="en"/>
               <a:t>Team Git Workflows</a:t>
+            </a:r>
+            <a:endParaRPr/>
+          </a:p>
+        </p:txBody>
+      </p:sp>
+    </p:spTree>
+  </p:cSld>
+  <p:clrMapOvr>
+    <a:masterClrMapping/>
+  </p:clrMapOvr>
+</p:sld>
+</file>
+
+<file path=ppt/slides/slide40.xml><?xml version="1.0" encoding="utf-8"?>
+<p:sld xmlns:a="http://schemas.openxmlformats.org/drawingml/2006/main" xmlns:r="http://schemas.openxmlformats.org/officeDocument/2006/relationships" xmlns:mc="http://schemas.openxmlformats.org/markup-compatibility/2006" xmlns:mv="urn:schemas-microsoft-com:mac:vml" xmlns:p="http://schemas.openxmlformats.org/presentationml/2006/main" xmlns:c="http://schemas.openxmlformats.org/drawingml/2006/chart" xmlns:dgm="http://schemas.openxmlformats.org/drawingml/2006/diagram" xmlns:o="urn:schemas-microsoft-com:office:office" xmlns:v="urn:schemas-microsoft-com:vml" xmlns:pvml="urn:schemas-microsoft-com:office:powerpoint" xmlns:com="http://schemas.openxmlformats.org/drawingml/2006/compatibility" xmlns:p14="http://schemas.microsoft.com/office/powerpoint/2010/main" xmlns:p15="http://schemas.microsoft.com/office/powerpoint/2012/main" xmlns:ahyp="http://schemas.microsoft.com/office/drawing/2018/hyperlinkcolor">
+  <p:cSld>
+    <p:spTree>
+      <p:nvGrpSpPr>
+        <p:cNvPr id="380" name="Shape 380"/>
+        <p:cNvGrpSpPr/>
+        <p:nvPr/>
+      </p:nvGrpSpPr>
+      <p:grpSpPr>
+        <a:xfrm>
+          <a:off x="0" y="0"/>
+          <a:ext cx="0" cy="0"/>
+          <a:chOff x="0" y="0"/>
+          <a:chExt cx="0" cy="0"/>
+        </a:xfrm>
+      </p:grpSpPr>
+      <p:sp>
+        <p:nvSpPr>
+          <p:cNvPr id="381" name="Google Shape;381;p52"/>
+          <p:cNvSpPr txBox="1"/>
+          <p:nvPr>
+            <p:ph type="title"/>
+          </p:nvPr>
+        </p:nvSpPr>
+        <p:spPr>
+          <a:xfrm>
+            <a:off x="1297500" y="393750"/>
+            <a:ext cx="7038900" cy="914100"/>
+          </a:xfrm>
+          <a:prstGeom prst="rect">
+            <a:avLst/>
+          </a:prstGeom>
+        </p:spPr>
+        <p:txBody>
+          <a:bodyPr anchorCtr="0" anchor="t" bIns="91425" lIns="91425" spcFirstLastPara="1" rIns="91425" wrap="square" tIns="91425">
+            <a:normAutofit/>
+          </a:bodyPr>
+          <a:lstStyle/>
+          <a:p>
+            <a:pPr indent="0" lvl="0" marL="0" rtl="0" algn="l">
+              <a:spcBef>
+                <a:spcPts val="0"/>
+              </a:spcBef>
+              <a:spcAft>
+                <a:spcPts val="0"/>
+              </a:spcAft>
+              <a:buNone/>
+            </a:pPr>
+            <a:r>
+              <a:rPr lang="en"/>
+              <a:t>Gitflow</a:t>
+            </a:r>
+            <a:endParaRPr/>
+          </a:p>
+        </p:txBody>
+      </p:sp>
+      <p:sp>
+        <p:nvSpPr>
+          <p:cNvPr id="382" name="Google Shape;382;p52"/>
+          <p:cNvSpPr txBox="1"/>
+          <p:nvPr>
+            <p:ph idx="1" type="body"/>
+          </p:nvPr>
+        </p:nvSpPr>
+        <p:spPr>
+          <a:xfrm>
+            <a:off x="1297500" y="1567550"/>
+            <a:ext cx="3403200" cy="2911200"/>
+          </a:xfrm>
+          <a:prstGeom prst="rect">
+            <a:avLst/>
+          </a:prstGeom>
+        </p:spPr>
+        <p:txBody>
+          <a:bodyPr anchorCtr="0" anchor="t" bIns="91425" lIns="91425" spcFirstLastPara="1" rIns="91425" wrap="square" tIns="91425">
+            <a:normAutofit/>
+          </a:bodyPr>
+          <a:lstStyle/>
+          <a:p>
+            <a:pPr indent="-311150" lvl="0" marL="457200" rtl="0" algn="l">
+              <a:spcBef>
+                <a:spcPts val="0"/>
+              </a:spcBef>
+              <a:spcAft>
+                <a:spcPts val="0"/>
+              </a:spcAft>
+              <a:buSzPts val="1300"/>
+              <a:buChar char="●"/>
+            </a:pPr>
+            <a:r>
+              <a:rPr lang="en"/>
+              <a:t>Having separate branches for each environment</a:t>
+            </a:r>
+            <a:endParaRPr/>
+          </a:p>
+          <a:p>
+            <a:pPr indent="-311150" lvl="0" marL="457200" rtl="0" algn="l">
+              <a:spcBef>
+                <a:spcPts val="0"/>
+              </a:spcBef>
+              <a:spcAft>
+                <a:spcPts val="0"/>
+              </a:spcAft>
+              <a:buSzPts val="1300"/>
+              <a:buChar char="●"/>
+            </a:pPr>
+            <a:r>
+              <a:rPr lang="en"/>
+              <a:t>Easier to track which versions of code are in each environments</a:t>
+            </a:r>
+            <a:endParaRPr/>
+          </a:p>
+          <a:p>
+            <a:pPr indent="-311150" lvl="0" marL="457200" rtl="0" algn="l">
+              <a:spcBef>
+                <a:spcPts val="0"/>
+              </a:spcBef>
+              <a:spcAft>
+                <a:spcPts val="0"/>
+              </a:spcAft>
+              <a:buSzPts val="1300"/>
+              <a:buChar char="●"/>
+            </a:pPr>
+            <a:r>
+              <a:rPr lang="en"/>
+              <a:t>Features are only merged once they’re finished</a:t>
+            </a:r>
+            <a:endParaRPr/>
+          </a:p>
+        </p:txBody>
+      </p:sp>
+      <p:sp>
+        <p:nvSpPr>
+          <p:cNvPr id="383" name="Google Shape;383;p52"/>
+          <p:cNvSpPr txBox="1"/>
+          <p:nvPr>
+            <p:ph idx="2" type="body"/>
+          </p:nvPr>
+        </p:nvSpPr>
+        <p:spPr>
+          <a:xfrm>
+            <a:off x="4933221" y="1567550"/>
+            <a:ext cx="3403200" cy="2911200"/>
+          </a:xfrm>
+          <a:prstGeom prst="rect">
+            <a:avLst/>
+          </a:prstGeom>
+        </p:spPr>
+        <p:txBody>
+          <a:bodyPr anchorCtr="0" anchor="t" bIns="91425" lIns="91425" spcFirstLastPara="1" rIns="91425" wrap="square" tIns="91425">
+            <a:normAutofit/>
+          </a:bodyPr>
+          <a:lstStyle/>
+          <a:p>
+            <a:pPr indent="0" lvl="0" marL="0" rtl="0" algn="l">
+              <a:spcBef>
+                <a:spcPts val="0"/>
+              </a:spcBef>
+              <a:spcAft>
+                <a:spcPts val="1200"/>
+              </a:spcAft>
+              <a:buNone/>
+            </a:pPr>
+            <a:r>
+              <a:t/>
+            </a:r>
+            <a:endParaRPr/>
+          </a:p>
+        </p:txBody>
+      </p:sp>
+      <p:pic>
+        <p:nvPicPr>
+          <p:cNvPr id="384" name="Google Shape;384;p52"/>
+          <p:cNvPicPr preferRelativeResize="0"/>
+          <p:nvPr/>
+        </p:nvPicPr>
+        <p:blipFill>
+          <a:blip r:embed="rId3">
+            <a:alphaModFix/>
+          </a:blip>
+          <a:stretch>
+            <a:fillRect/>
+          </a:stretch>
+        </p:blipFill>
+        <p:spPr>
+          <a:xfrm>
+            <a:off x="4933225" y="1932504"/>
+            <a:ext cx="3403199" cy="2181297"/>
+          </a:xfrm>
+          <a:prstGeom prst="rect">
+            <a:avLst/>
+          </a:prstGeom>
+          <a:noFill/>
+          <a:ln>
+            <a:noFill/>
+          </a:ln>
+        </p:spPr>
+      </p:pic>
+    </p:spTree>
+  </p:cSld>
+  <p:clrMapOvr>
+    <a:masterClrMapping/>
+  </p:clrMapOvr>
+</p:sld>
+</file>
+
+<file path=ppt/slides/slide41.xml><?xml version="1.0" encoding="utf-8"?>
+<p:sld xmlns:a="http://schemas.openxmlformats.org/drawingml/2006/main" xmlns:r="http://schemas.openxmlformats.org/officeDocument/2006/relationships" xmlns:mc="http://schemas.openxmlformats.org/markup-compatibility/2006" xmlns:mv="urn:schemas-microsoft-com:mac:vml" xmlns:p="http://schemas.openxmlformats.org/presentationml/2006/main" xmlns:c="http://schemas.openxmlformats.org/drawingml/2006/chart" xmlns:dgm="http://schemas.openxmlformats.org/drawingml/2006/diagram" xmlns:o="urn:schemas-microsoft-com:office:office" xmlns:v="urn:schemas-microsoft-com:vml" xmlns:pvml="urn:schemas-microsoft-com:office:powerpoint" xmlns:com="http://schemas.openxmlformats.org/drawingml/2006/compatibility" xmlns:p14="http://schemas.microsoft.com/office/powerpoint/2010/main" xmlns:p15="http://schemas.microsoft.com/office/powerpoint/2012/main" xmlns:ahyp="http://schemas.microsoft.com/office/drawing/2018/hyperlinkcolor">
+  <p:cSld>
+    <p:spTree>
+      <p:nvGrpSpPr>
+        <p:cNvPr id="388" name="Shape 388"/>
+        <p:cNvGrpSpPr/>
+        <p:nvPr/>
+      </p:nvGrpSpPr>
+      <p:grpSpPr>
+        <a:xfrm>
+          <a:off x="0" y="0"/>
+          <a:ext cx="0" cy="0"/>
+          <a:chOff x="0" y="0"/>
+          <a:chExt cx="0" cy="0"/>
+        </a:xfrm>
+      </p:grpSpPr>
+      <p:sp>
+        <p:nvSpPr>
+          <p:cNvPr id="389" name="Google Shape;389;p53"/>
+          <p:cNvSpPr txBox="1"/>
+          <p:nvPr>
+            <p:ph type="title"/>
+          </p:nvPr>
+        </p:nvSpPr>
+        <p:spPr>
+          <a:xfrm>
+            <a:off x="1297500" y="393750"/>
+            <a:ext cx="7038900" cy="914100"/>
+          </a:xfrm>
+          <a:prstGeom prst="rect">
+            <a:avLst/>
+          </a:prstGeom>
+        </p:spPr>
+        <p:txBody>
+          <a:bodyPr anchorCtr="0" anchor="t" bIns="91425" lIns="91425" spcFirstLastPara="1" rIns="91425" wrap="square" tIns="91425">
+            <a:normAutofit/>
+          </a:bodyPr>
+          <a:lstStyle/>
+          <a:p>
+            <a:pPr indent="0" lvl="0" marL="0" rtl="0" algn="l">
+              <a:spcBef>
+                <a:spcPts val="0"/>
+              </a:spcBef>
+              <a:spcAft>
+                <a:spcPts val="0"/>
+              </a:spcAft>
+              <a:buNone/>
+            </a:pPr>
+            <a:r>
+              <a:rPr lang="en"/>
+              <a:t>Trunk-Based Workflow</a:t>
+            </a:r>
+            <a:endParaRPr/>
+          </a:p>
+        </p:txBody>
+      </p:sp>
+      <p:sp>
+        <p:nvSpPr>
+          <p:cNvPr id="390" name="Google Shape;390;p53"/>
+          <p:cNvSpPr txBox="1"/>
+          <p:nvPr>
+            <p:ph idx="1" type="body"/>
+          </p:nvPr>
+        </p:nvSpPr>
+        <p:spPr>
+          <a:xfrm>
+            <a:off x="1297500" y="1567550"/>
+            <a:ext cx="3403200" cy="2911200"/>
+          </a:xfrm>
+          <a:prstGeom prst="rect">
+            <a:avLst/>
+          </a:prstGeom>
+        </p:spPr>
+        <p:txBody>
+          <a:bodyPr anchorCtr="0" anchor="t" bIns="91425" lIns="91425" spcFirstLastPara="1" rIns="91425" wrap="square" tIns="91425">
+            <a:normAutofit/>
+          </a:bodyPr>
+          <a:lstStyle/>
+          <a:p>
+            <a:pPr indent="-311150" lvl="0" marL="457200" rtl="0" algn="l">
+              <a:spcBef>
+                <a:spcPts val="0"/>
+              </a:spcBef>
+              <a:spcAft>
+                <a:spcPts val="0"/>
+              </a:spcAft>
+              <a:buSzPts val="1300"/>
+              <a:buChar char="●"/>
+            </a:pPr>
+            <a:r>
+              <a:rPr lang="en"/>
+              <a:t>Characterized by short-lived branches</a:t>
+            </a:r>
+            <a:endParaRPr/>
+          </a:p>
+          <a:p>
+            <a:pPr indent="-311150" lvl="0" marL="457200" rtl="0" algn="l">
+              <a:spcBef>
+                <a:spcPts val="0"/>
+              </a:spcBef>
+              <a:spcAft>
+                <a:spcPts val="0"/>
+              </a:spcAft>
+              <a:buSzPts val="1300"/>
+              <a:buChar char="●"/>
+            </a:pPr>
+            <a:r>
+              <a:rPr lang="en"/>
+              <a:t>Usually used in conjunction with CI/CD</a:t>
+            </a:r>
+            <a:endParaRPr/>
+          </a:p>
+        </p:txBody>
+      </p:sp>
+      <p:sp>
+        <p:nvSpPr>
+          <p:cNvPr id="391" name="Google Shape;391;p53"/>
+          <p:cNvSpPr txBox="1"/>
+          <p:nvPr>
+            <p:ph idx="2" type="body"/>
+          </p:nvPr>
+        </p:nvSpPr>
+        <p:spPr>
+          <a:xfrm>
+            <a:off x="4933221" y="1567550"/>
+            <a:ext cx="3403200" cy="2911200"/>
+          </a:xfrm>
+          <a:prstGeom prst="rect">
+            <a:avLst/>
+          </a:prstGeom>
+        </p:spPr>
+        <p:txBody>
+          <a:bodyPr anchorCtr="0" anchor="t" bIns="91425" lIns="91425" spcFirstLastPara="1" rIns="91425" wrap="square" tIns="91425">
+            <a:normAutofit/>
+          </a:bodyPr>
+          <a:lstStyle/>
+          <a:p>
+            <a:pPr indent="0" lvl="0" marL="0" rtl="0" algn="l">
+              <a:spcBef>
+                <a:spcPts val="0"/>
+              </a:spcBef>
+              <a:spcAft>
+                <a:spcPts val="1200"/>
+              </a:spcAft>
+              <a:buNone/>
+            </a:pPr>
+            <a:r>
+              <a:t/>
+            </a:r>
+            <a:endParaRPr/>
+          </a:p>
+        </p:txBody>
+      </p:sp>
+      <p:pic>
+        <p:nvPicPr>
+          <p:cNvPr id="392" name="Google Shape;392;p53"/>
+          <p:cNvPicPr preferRelativeResize="0"/>
+          <p:nvPr/>
+        </p:nvPicPr>
+        <p:blipFill>
+          <a:blip r:embed="rId3">
+            <a:alphaModFix/>
+          </a:blip>
+          <a:stretch>
+            <a:fillRect/>
+          </a:stretch>
+        </p:blipFill>
+        <p:spPr>
+          <a:xfrm>
+            <a:off x="4933224" y="2069333"/>
+            <a:ext cx="3403201" cy="1907642"/>
+          </a:xfrm>
+          <a:prstGeom prst="rect">
+            <a:avLst/>
+          </a:prstGeom>
+          <a:noFill/>
+          <a:ln>
+            <a:noFill/>
+          </a:ln>
+        </p:spPr>
+      </p:pic>
+    </p:spTree>
+  </p:cSld>
+  <p:clrMapOvr>
+    <a:masterClrMapping/>
+  </p:clrMapOvr>
+</p:sld>
+</file>
+
+<file path=ppt/slides/slide42.xml><?xml version="1.0" encoding="utf-8"?>
+<p:sld xmlns:a="http://schemas.openxmlformats.org/drawingml/2006/main" xmlns:r="http://schemas.openxmlformats.org/officeDocument/2006/relationships" xmlns:mc="http://schemas.openxmlformats.org/markup-compatibility/2006" xmlns:mv="urn:schemas-microsoft-com:mac:vml" xmlns:p="http://schemas.openxmlformats.org/presentationml/2006/main" xmlns:c="http://schemas.openxmlformats.org/drawingml/2006/chart" xmlns:dgm="http://schemas.openxmlformats.org/drawingml/2006/diagram" xmlns:o="urn:schemas-microsoft-com:office:office" xmlns:v="urn:schemas-microsoft-com:vml" xmlns:pvml="urn:schemas-microsoft-com:office:powerpoint" xmlns:com="http://schemas.openxmlformats.org/drawingml/2006/compatibility" xmlns:p14="http://schemas.microsoft.com/office/powerpoint/2010/main" xmlns:p15="http://schemas.microsoft.com/office/powerpoint/2012/main" xmlns:ahyp="http://schemas.microsoft.com/office/drawing/2018/hyperlinkcolor">
+  <p:cSld>
+    <p:spTree>
+      <p:nvGrpSpPr>
+        <p:cNvPr id="396" name="Shape 396"/>
+        <p:cNvGrpSpPr/>
+        <p:nvPr/>
+      </p:nvGrpSpPr>
+      <p:grpSpPr>
+        <a:xfrm>
+          <a:off x="0" y="0"/>
+          <a:ext cx="0" cy="0"/>
+          <a:chOff x="0" y="0"/>
+          <a:chExt cx="0" cy="0"/>
+        </a:xfrm>
+      </p:grpSpPr>
+      <p:sp>
+        <p:nvSpPr>
+          <p:cNvPr id="397" name="Google Shape;397;p54"/>
+          <p:cNvSpPr txBox="1"/>
+          <p:nvPr>
+            <p:ph type="title"/>
+          </p:nvPr>
+        </p:nvSpPr>
+        <p:spPr>
+          <a:xfrm>
+            <a:off x="1297500" y="393750"/>
+            <a:ext cx="7038900" cy="914100"/>
+          </a:xfrm>
+          <a:prstGeom prst="rect">
+            <a:avLst/>
+          </a:prstGeom>
+        </p:spPr>
+        <p:txBody>
+          <a:bodyPr anchorCtr="0" anchor="t" bIns="91425" lIns="91425" spcFirstLastPara="1" rIns="91425" wrap="square" tIns="91425">
+            <a:normAutofit/>
+          </a:bodyPr>
+          <a:lstStyle/>
+          <a:p>
+            <a:pPr indent="0" lvl="0" marL="0" rtl="0" algn="l">
+              <a:spcBef>
+                <a:spcPts val="0"/>
+              </a:spcBef>
+              <a:spcAft>
+                <a:spcPts val="0"/>
+              </a:spcAft>
+              <a:buNone/>
+            </a:pPr>
+            <a:r>
+              <a:rPr lang="en"/>
+              <a:t>Summary</a:t>
+            </a:r>
+            <a:endParaRPr/>
+          </a:p>
+        </p:txBody>
+      </p:sp>
+      <p:sp>
+        <p:nvSpPr>
+          <p:cNvPr id="398" name="Google Shape;398;p54"/>
+          <p:cNvSpPr txBox="1"/>
+          <p:nvPr>
+            <p:ph idx="1" type="body"/>
+          </p:nvPr>
+        </p:nvSpPr>
+        <p:spPr>
+          <a:xfrm>
+            <a:off x="1297500" y="1567550"/>
+            <a:ext cx="7038900" cy="2911200"/>
+          </a:xfrm>
+          <a:prstGeom prst="rect">
+            <a:avLst/>
+          </a:prstGeom>
+        </p:spPr>
+        <p:txBody>
+          <a:bodyPr anchorCtr="0" anchor="t" bIns="91425" lIns="91425" spcFirstLastPara="1" rIns="91425" wrap="square" tIns="91425">
+            <a:normAutofit/>
+          </a:bodyPr>
+          <a:lstStyle/>
+          <a:p>
+            <a:pPr indent="-311150" lvl="0" marL="457200" rtl="0" algn="l">
+              <a:spcBef>
+                <a:spcPts val="0"/>
+              </a:spcBef>
+              <a:spcAft>
+                <a:spcPts val="0"/>
+              </a:spcAft>
+              <a:buSzPts val="1300"/>
+              <a:buChar char="●"/>
+            </a:pPr>
+            <a:r>
+              <a:rPr lang="en"/>
+              <a:t>Git CLI allows full functionality</a:t>
+            </a:r>
+            <a:endParaRPr/>
+          </a:p>
+          <a:p>
+            <a:pPr indent="-298450" lvl="1" marL="914400" rtl="0" algn="l">
+              <a:spcBef>
+                <a:spcPts val="0"/>
+              </a:spcBef>
+              <a:spcAft>
+                <a:spcPts val="0"/>
+              </a:spcAft>
+              <a:buSzPts val="1100"/>
+              <a:buChar char="○"/>
+            </a:pPr>
+            <a:r>
+              <a:rPr lang="en"/>
+              <a:t>Git Aliases</a:t>
+            </a:r>
+            <a:endParaRPr/>
+          </a:p>
+          <a:p>
+            <a:pPr indent="-311150" lvl="0" marL="457200" rtl="0" algn="l">
+              <a:spcBef>
+                <a:spcPts val="0"/>
+              </a:spcBef>
+              <a:spcAft>
+                <a:spcPts val="0"/>
+              </a:spcAft>
+              <a:buSzPts val="1300"/>
+              <a:buChar char="●"/>
+            </a:pPr>
+            <a:r>
+              <a:rPr lang="en"/>
+              <a:t>Personal Git Workflows</a:t>
+            </a:r>
+            <a:endParaRPr/>
+          </a:p>
+          <a:p>
+            <a:pPr indent="-298450" lvl="1" marL="914400" rtl="0" algn="l">
+              <a:spcBef>
+                <a:spcPts val="0"/>
+              </a:spcBef>
+              <a:spcAft>
+                <a:spcPts val="0"/>
+              </a:spcAft>
+              <a:buSzPts val="1100"/>
+              <a:buChar char="○"/>
+            </a:pPr>
+            <a:r>
+              <a:rPr lang="en"/>
+              <a:t>Save Points</a:t>
+            </a:r>
+            <a:endParaRPr/>
+          </a:p>
+          <a:p>
+            <a:pPr indent="-298450" lvl="1" marL="914400" rtl="0" algn="l">
+              <a:spcBef>
+                <a:spcPts val="0"/>
+              </a:spcBef>
+              <a:spcAft>
+                <a:spcPts val="0"/>
+              </a:spcAft>
+              <a:buSzPts val="1100"/>
+              <a:buChar char="○"/>
+            </a:pPr>
+            <a:r>
+              <a:rPr lang="en"/>
+              <a:t>Editing History - Rebase</a:t>
+            </a:r>
+            <a:endParaRPr/>
+          </a:p>
+          <a:p>
+            <a:pPr indent="-298450" lvl="1" marL="914400" rtl="0" algn="l">
+              <a:spcBef>
+                <a:spcPts val="0"/>
+              </a:spcBef>
+              <a:spcAft>
+                <a:spcPts val="0"/>
+              </a:spcAft>
+              <a:buSzPts val="1100"/>
+              <a:buChar char="○"/>
+            </a:pPr>
+            <a:r>
+              <a:rPr lang="en"/>
+              <a:t>Merge Conflicts</a:t>
+            </a:r>
+            <a:endParaRPr/>
+          </a:p>
+          <a:p>
+            <a:pPr indent="-311150" lvl="0" marL="457200" rtl="0" algn="l">
+              <a:spcBef>
+                <a:spcPts val="0"/>
+              </a:spcBef>
+              <a:spcAft>
+                <a:spcPts val="0"/>
+              </a:spcAft>
+              <a:buSzPts val="1300"/>
+              <a:buChar char="●"/>
+            </a:pPr>
+            <a:r>
+              <a:rPr lang="en"/>
+              <a:t>Team Git Workflows</a:t>
+            </a:r>
+            <a:endParaRPr/>
+          </a:p>
+          <a:p>
+            <a:pPr indent="-298450" lvl="1" marL="914400" rtl="0" algn="l">
+              <a:spcBef>
+                <a:spcPts val="0"/>
+              </a:spcBef>
+              <a:spcAft>
+                <a:spcPts val="0"/>
+              </a:spcAft>
+              <a:buSzPts val="1100"/>
+              <a:buChar char="○"/>
+            </a:pPr>
+            <a:r>
+              <a:rPr lang="en"/>
+              <a:t>Managing Releases</a:t>
+            </a:r>
+            <a:endParaRPr/>
+          </a:p>
+          <a:p>
+            <a:pPr indent="-298450" lvl="2" marL="1371600" rtl="0" algn="l">
+              <a:spcBef>
+                <a:spcPts val="0"/>
+              </a:spcBef>
+              <a:spcAft>
+                <a:spcPts val="0"/>
+              </a:spcAft>
+              <a:buSzPts val="1100"/>
+              <a:buChar char="■"/>
+            </a:pPr>
+            <a:r>
+              <a:rPr lang="en"/>
+              <a:t>revert and cherry-pick</a:t>
+            </a:r>
+            <a:endParaRPr/>
+          </a:p>
+          <a:p>
+            <a:pPr indent="-298450" lvl="1" marL="914400" rtl="0" algn="l">
+              <a:spcBef>
+                <a:spcPts val="0"/>
+              </a:spcBef>
+              <a:spcAft>
+                <a:spcPts val="0"/>
+              </a:spcAft>
+              <a:buSzPts val="1100"/>
+              <a:buChar char="○"/>
+            </a:pPr>
+            <a:r>
+              <a:rPr lang="en"/>
+              <a:t>Gitflow</a:t>
+            </a:r>
+            <a:endParaRPr/>
+          </a:p>
+          <a:p>
+            <a:pPr indent="-298450" lvl="1" marL="914400" rtl="0" algn="l">
+              <a:spcBef>
+                <a:spcPts val="0"/>
+              </a:spcBef>
+              <a:spcAft>
+                <a:spcPts val="0"/>
+              </a:spcAft>
+              <a:buSzPts val="1100"/>
+              <a:buChar char="○"/>
+            </a:pPr>
+            <a:r>
+              <a:rPr lang="en"/>
+              <a:t>Trunk-based development</a:t>
             </a:r>
             <a:endParaRPr/>
           </a:p>
@@ -16075,6 +20804,285 @@
 </file>
 
 <file path=ppt/theme/theme1.xml><?xml version="1.0" encoding="utf-8"?>
+<a:theme xmlns:a="http://schemas.openxmlformats.org/drawingml/2006/main" xmlns:r="http://schemas.openxmlformats.org/officeDocument/2006/relationships" name="Focus">
+  <a:themeElements>
+    <a:clrScheme name="Focus">
+      <a:dk1>
+        <a:srgbClr val="1B212C"/>
+      </a:dk1>
+      <a:lt1>
+        <a:srgbClr val="FFFFFF"/>
+      </a:lt1>
+      <a:dk2>
+        <a:srgbClr val="D9D9D9"/>
+      </a:dk2>
+      <a:lt2>
+        <a:srgbClr val="82C7A5"/>
+      </a:lt2>
+      <a:accent1>
+        <a:srgbClr val="0145AC"/>
+      </a:accent1>
+      <a:accent2>
+        <a:srgbClr val="EECE1A"/>
+      </a:accent2>
+      <a:accent3>
+        <a:srgbClr val="4E5567"/>
+      </a:accent3>
+      <a:accent4>
+        <a:srgbClr val="F4D6AD"/>
+      </a:accent4>
+      <a:accent5>
+        <a:srgbClr val="7890CD"/>
+      </a:accent5>
+      <a:accent6>
+        <a:srgbClr val="F15E22"/>
+      </a:accent6>
+      <a:hlink>
+        <a:srgbClr val="7890CD"/>
+      </a:hlink>
+      <a:folHlink>
+        <a:srgbClr val="7890CD"/>
+      </a:folHlink>
+    </a:clrScheme>
+    <a:fontScheme name="Office">
+      <a:majorFont>
+        <a:latin typeface="Arial"/>
+        <a:ea typeface=""/>
+        <a:cs typeface=""/>
+        <a:font script="Jpan" typeface="ＭＳ Ｐゴシック"/>
+        <a:font script="Hang" typeface="맑은 고딕"/>
+        <a:font script="Hans" typeface="宋体"/>
+        <a:font script="Hant" typeface="新細明體"/>
+        <a:font script="Arab" typeface="Times New Roman"/>
+        <a:font script="Hebr" typeface="Times New Roman"/>
+        <a:font script="Thai" typeface="Angsana New"/>
+        <a:font script="Ethi" typeface="Nyala"/>
+        <a:font script="Beng" typeface="Vrinda"/>
+        <a:font script="Gujr" typeface="Shruti"/>
+        <a:font script="Khmr" typeface="MoolBoran"/>
+        <a:font script="Knda" typeface="Tunga"/>
+        <a:font script="Guru" typeface="Raavi"/>
+        <a:font script="Cans" typeface="Euphemia"/>
+        <a:font script="Cher" typeface="Plantagenet Cherokee"/>
+        <a:font script="Yiii" typeface="Microsoft Yi Baiti"/>
+        <a:font script="Tibt" typeface="Microsoft Himalaya"/>
+        <a:font script="Thaa" typeface="MV Boli"/>
+        <a:font script="Deva" typeface="Mangal"/>
+        <a:font script="Telu" typeface="Gautami"/>
+        <a:font script="Taml" typeface="Latha"/>
+        <a:font script="Syrc" typeface="Estrangelo Edessa"/>
+        <a:font script="Orya" typeface="Kalinga"/>
+        <a:font script="Mlym" typeface="Kartika"/>
+        <a:font script="Laoo" typeface="DokChampa"/>
+        <a:font script="Sinh" typeface="Iskoola Pota"/>
+        <a:font script="Mong" typeface="Mongolian Baiti"/>
+        <a:font script="Viet" typeface="Times New Roman"/>
+        <a:font script="Uigh" typeface="Microsoft Uighur"/>
+        <a:font script="Geor" typeface="Sylfaen"/>
+      </a:majorFont>
+      <a:minorFont>
+        <a:latin typeface="Arial"/>
+        <a:ea typeface=""/>
+        <a:cs typeface=""/>
+        <a:font script="Jpan" typeface="ＭＳ Ｐゴシック"/>
+        <a:font script="Hang" typeface="맑은 고딕"/>
+        <a:font script="Hans" typeface="宋体"/>
+        <a:font script="Hant" typeface="新細明體"/>
+        <a:font script="Arab" typeface="Arial"/>
+        <a:font script="Hebr" typeface="Arial"/>
+        <a:font script="Thai" typeface="Cordia New"/>
+        <a:font script="Ethi" typeface="Nyala"/>
+        <a:font script="Beng" typeface="Vrinda"/>
+        <a:font script="Gujr" typeface="Shruti"/>
+        <a:font script="Khmr" typeface="DaunPenh"/>
+        <a:font script="Knda" typeface="Tunga"/>
+        <a:font script="Guru" typeface="Raavi"/>
+        <a:font script="Cans" typeface="Euphemia"/>
+        <a:font script="Cher" typeface="Plantagenet Cherokee"/>
+        <a:font script="Yiii" typeface="Microsoft Yi Baiti"/>
+        <a:font script="Tibt" typeface="Microsoft Himalaya"/>
+        <a:font script="Thaa" typeface="MV Boli"/>
+        <a:font script="Deva" typeface="Mangal"/>
+        <a:font script="Telu" typeface="Gautami"/>
+        <a:font script="Taml" typeface="Latha"/>
+        <a:font script="Syrc" typeface="Estrangelo Edessa"/>
+        <a:font script="Orya" typeface="Kalinga"/>
+        <a:font script="Mlym" typeface="Kartika"/>
+        <a:font script="Laoo" typeface="DokChampa"/>
+        <a:font script="Sinh" typeface="Iskoola Pota"/>
+        <a:font script="Mong" typeface="Mongolian Baiti"/>
+        <a:font script="Viet" typeface="Arial"/>
+        <a:font script="Uigh" typeface="Microsoft Uighur"/>
+        <a:font script="Geor" typeface="Sylfaen"/>
+      </a:minorFont>
+    </a:fontScheme>
+    <a:fmtScheme name="Office">
+      <a:fillStyleLst>
+        <a:solidFill>
+          <a:schemeClr val="phClr"/>
+        </a:solidFill>
+        <a:gradFill rotWithShape="1">
+          <a:gsLst>
+            <a:gs pos="0">
+              <a:schemeClr val="phClr">
+                <a:tint val="50000"/>
+                <a:satMod val="300000"/>
+              </a:schemeClr>
+            </a:gs>
+            <a:gs pos="35000">
+              <a:schemeClr val="phClr">
+                <a:tint val="37000"/>
+                <a:satMod val="300000"/>
+              </a:schemeClr>
+            </a:gs>
+            <a:gs pos="100000">
+              <a:schemeClr val="phClr">
+                <a:tint val="15000"/>
+                <a:satMod val="350000"/>
+              </a:schemeClr>
+            </a:gs>
+          </a:gsLst>
+          <a:lin ang="16200000" scaled="1"/>
+        </a:gradFill>
+        <a:gradFill rotWithShape="1">
+          <a:gsLst>
+            <a:gs pos="0">
+              <a:schemeClr val="phClr">
+                <a:tint val="100000"/>
+                <a:shade val="100000"/>
+                <a:satMod val="130000"/>
+              </a:schemeClr>
+            </a:gs>
+            <a:gs pos="100000">
+              <a:schemeClr val="phClr">
+                <a:tint val="50000"/>
+                <a:shade val="100000"/>
+                <a:satMod val="350000"/>
+              </a:schemeClr>
+            </a:gs>
+          </a:gsLst>
+          <a:lin ang="16200000" scaled="0"/>
+        </a:gradFill>
+      </a:fillStyleLst>
+      <a:lnStyleLst>
+        <a:ln w="9525" cap="flat" cmpd="sng" algn="ctr">
+          <a:solidFill>
+            <a:schemeClr val="phClr">
+              <a:shade val="95000"/>
+              <a:satMod val="105000"/>
+            </a:schemeClr>
+          </a:solidFill>
+          <a:prstDash val="solid"/>
+        </a:ln>
+        <a:ln w="25400" cap="flat" cmpd="sng" algn="ctr">
+          <a:solidFill>
+            <a:schemeClr val="phClr"/>
+          </a:solidFill>
+          <a:prstDash val="solid"/>
+        </a:ln>
+        <a:ln w="38100" cap="flat" cmpd="sng" algn="ctr">
+          <a:solidFill>
+            <a:schemeClr val="phClr"/>
+          </a:solidFill>
+          <a:prstDash val="solid"/>
+        </a:ln>
+      </a:lnStyleLst>
+      <a:effectStyleLst>
+        <a:effectStyle>
+          <a:effectLst>
+            <a:outerShdw blurRad="40000" dist="20000" dir="5400000" rotWithShape="0">
+              <a:srgbClr val="000000">
+                <a:alpha val="38000"/>
+              </a:srgbClr>
+            </a:outerShdw>
+          </a:effectLst>
+        </a:effectStyle>
+        <a:effectStyle>
+          <a:effectLst>
+            <a:outerShdw blurRad="40000" dist="23000" dir="5400000" rotWithShape="0">
+              <a:srgbClr val="000000">
+                <a:alpha val="35000"/>
+              </a:srgbClr>
+            </a:outerShdw>
+          </a:effectLst>
+        </a:effectStyle>
+        <a:effectStyle>
+          <a:effectLst>
+            <a:outerShdw blurRad="40000" dist="23000" dir="5400000" rotWithShape="0">
+              <a:srgbClr val="000000">
+                <a:alpha val="35000"/>
+              </a:srgbClr>
+            </a:outerShdw>
+          </a:effectLst>
+          <a:scene3d>
+            <a:camera prst="orthographicFront">
+              <a:rot lat="0" lon="0" rev="0"/>
+            </a:camera>
+            <a:lightRig rig="threePt" dir="t">
+              <a:rot lat="0" lon="0" rev="1200000"/>
+            </a:lightRig>
+          </a:scene3d>
+          <a:sp3d>
+            <a:bevelT w="63500" h="25400"/>
+          </a:sp3d>
+        </a:effectStyle>
+      </a:effectStyleLst>
+      <a:bgFillStyleLst>
+        <a:solidFill>
+          <a:schemeClr val="phClr"/>
+        </a:solidFill>
+        <a:gradFill rotWithShape="1">
+          <a:gsLst>
+            <a:gs pos="0">
+              <a:schemeClr val="phClr">
+                <a:tint val="40000"/>
+                <a:satMod val="350000"/>
+              </a:schemeClr>
+            </a:gs>
+            <a:gs pos="40000">
+              <a:schemeClr val="phClr">
+                <a:tint val="45000"/>
+                <a:shade val="99000"/>
+                <a:satMod val="350000"/>
+              </a:schemeClr>
+            </a:gs>
+            <a:gs pos="100000">
+              <a:schemeClr val="phClr">
+                <a:shade val="20000"/>
+                <a:satMod val="255000"/>
+              </a:schemeClr>
+            </a:gs>
+          </a:gsLst>
+          <a:path path="circle">
+            <a:fillToRect l="50000" t="-80000" r="50000" b="180000"/>
+          </a:path>
+        </a:gradFill>
+        <a:gradFill rotWithShape="1">
+          <a:gsLst>
+            <a:gs pos="0">
+              <a:schemeClr val="phClr">
+                <a:tint val="80000"/>
+                <a:satMod val="300000"/>
+              </a:schemeClr>
+            </a:gs>
+            <a:gs pos="100000">
+              <a:schemeClr val="phClr">
+                <a:shade val="30000"/>
+                <a:satMod val="200000"/>
+              </a:schemeClr>
+            </a:gs>
+          </a:gsLst>
+          <a:path path="circle">
+            <a:fillToRect l="50000" t="50000" r="50000" b="50000"/>
+          </a:path>
+        </a:gradFill>
+      </a:bgFillStyleLst>
+    </a:fmtScheme>
+  </a:themeElements>
+</a:theme>
+</file>
+
+<file path=ppt/theme/theme2.xml><?xml version="1.0" encoding="utf-8"?>
 <a:theme xmlns:a="http://schemas.openxmlformats.org/drawingml/2006/main" xmlns:r="http://schemas.openxmlformats.org/officeDocument/2006/relationships">
   <a:themeElements>
     <a:clrScheme name="Default">
@@ -16351,283 +21359,4 @@
     </a:fmtScheme>
   </a:themeElements>
 </a:theme>
-</file>
-
-<file path=ppt/theme/theme2.xml><?xml version="1.0" encoding="utf-8"?>
-<a:theme xmlns:a="http://schemas.openxmlformats.org/drawingml/2006/main" xmlns:r="http://schemas.openxmlformats.org/officeDocument/2006/relationships" name="Focus">
-  <a:themeElements>
-    <a:clrScheme name="Focus">
-      <a:dk1>
-        <a:srgbClr val="1B212C"/>
-      </a:dk1>
-      <a:lt1>
-        <a:srgbClr val="FFFFFF"/>
-      </a:lt1>
-      <a:dk2>
-        <a:srgbClr val="D9D9D9"/>
-      </a:dk2>
-      <a:lt2>
-        <a:srgbClr val="82C7A5"/>
-      </a:lt2>
-      <a:accent1>
-        <a:srgbClr val="0145AC"/>
-      </a:accent1>
-      <a:accent2>
-        <a:srgbClr val="EECE1A"/>
-      </a:accent2>
-      <a:accent3>
-        <a:srgbClr val="4E5567"/>
-      </a:accent3>
-      <a:accent4>
-        <a:srgbClr val="F4D6AD"/>
-      </a:accent4>
-      <a:accent5>
-        <a:srgbClr val="7890CD"/>
-      </a:accent5>
-      <a:accent6>
-        <a:srgbClr val="F15E22"/>
-      </a:accent6>
-      <a:hlink>
-        <a:srgbClr val="7890CD"/>
-      </a:hlink>
-      <a:folHlink>
-        <a:srgbClr val="7890CD"/>
-      </a:folHlink>
-    </a:clrScheme>
-    <a:fontScheme name="Office">
-      <a:majorFont>
-        <a:latin typeface="Arial"/>
-        <a:ea typeface=""/>
-        <a:cs typeface=""/>
-        <a:font script="Jpan" typeface="ＭＳ Ｐゴシック"/>
-        <a:font script="Hang" typeface="맑은 고딕"/>
-        <a:font script="Hans" typeface="宋体"/>
-        <a:font script="Hant" typeface="新細明體"/>
-        <a:font script="Arab" typeface="Times New Roman"/>
-        <a:font script="Hebr" typeface="Times New Roman"/>
-        <a:font script="Thai" typeface="Angsana New"/>
-        <a:font script="Ethi" typeface="Nyala"/>
-        <a:font script="Beng" typeface="Vrinda"/>
-        <a:font script="Gujr" typeface="Shruti"/>
-        <a:font script="Khmr" typeface="MoolBoran"/>
-        <a:font script="Knda" typeface="Tunga"/>
-        <a:font script="Guru" typeface="Raavi"/>
-        <a:font script="Cans" typeface="Euphemia"/>
-        <a:font script="Cher" typeface="Plantagenet Cherokee"/>
-        <a:font script="Yiii" typeface="Microsoft Yi Baiti"/>
-        <a:font script="Tibt" typeface="Microsoft Himalaya"/>
-        <a:font script="Thaa" typeface="MV Boli"/>
-        <a:font script="Deva" typeface="Mangal"/>
-        <a:font script="Telu" typeface="Gautami"/>
-        <a:font script="Taml" typeface="Latha"/>
-        <a:font script="Syrc" typeface="Estrangelo Edessa"/>
-        <a:font script="Orya" typeface="Kalinga"/>
-        <a:font script="Mlym" typeface="Kartika"/>
-        <a:font script="Laoo" typeface="DokChampa"/>
-        <a:font script="Sinh" typeface="Iskoola Pota"/>
-        <a:font script="Mong" typeface="Mongolian Baiti"/>
-        <a:font script="Viet" typeface="Times New Roman"/>
-        <a:font script="Uigh" typeface="Microsoft Uighur"/>
-        <a:font script="Geor" typeface="Sylfaen"/>
-      </a:majorFont>
-      <a:minorFont>
-        <a:latin typeface="Arial"/>
-        <a:ea typeface=""/>
-        <a:cs typeface=""/>
-        <a:font script="Jpan" typeface="ＭＳ Ｐゴシック"/>
-        <a:font script="Hang" typeface="맑은 고딕"/>
-        <a:font script="Hans" typeface="宋体"/>
-        <a:font script="Hant" typeface="新細明體"/>
-        <a:font script="Arab" typeface="Arial"/>
-        <a:font script="Hebr" typeface="Arial"/>
-        <a:font script="Thai" typeface="Cordia New"/>
-        <a:font script="Ethi" typeface="Nyala"/>
-        <a:font script="Beng" typeface="Vrinda"/>
-        <a:font script="Gujr" typeface="Shruti"/>
-        <a:font script="Khmr" typeface="DaunPenh"/>
-        <a:font script="Knda" typeface="Tunga"/>
-        <a:font script="Guru" typeface="Raavi"/>
-        <a:font script="Cans" typeface="Euphemia"/>
-        <a:font script="Cher" typeface="Plantagenet Cherokee"/>
-        <a:font script="Yiii" typeface="Microsoft Yi Baiti"/>
-        <a:font script="Tibt" typeface="Microsoft Himalaya"/>
-        <a:font script="Thaa" typeface="MV Boli"/>
-        <a:font script="Deva" typeface="Mangal"/>
-        <a:font script="Telu" typeface="Gautami"/>
-        <a:font script="Taml" typeface="Latha"/>
-        <a:font script="Syrc" typeface="Estrangelo Edessa"/>
-        <a:font script="Orya" typeface="Kalinga"/>
-        <a:font script="Mlym" typeface="Kartika"/>
-        <a:font script="Laoo" typeface="DokChampa"/>
-        <a:font script="Sinh" typeface="Iskoola Pota"/>
-        <a:font script="Mong" typeface="Mongolian Baiti"/>
-        <a:font script="Viet" typeface="Arial"/>
-        <a:font script="Uigh" typeface="Microsoft Uighur"/>
-        <a:font script="Geor" typeface="Sylfaen"/>
-      </a:minorFont>
-    </a:fontScheme>
-    <a:fmtScheme name="Office">
-      <a:fillStyleLst>
-        <a:solidFill>
-          <a:schemeClr val="phClr"/>
-        </a:solidFill>
-        <a:gradFill rotWithShape="1">
-          <a:gsLst>
-            <a:gs pos="0">
-              <a:schemeClr val="phClr">
-                <a:tint val="50000"/>
-                <a:satMod val="300000"/>
-              </a:schemeClr>
-            </a:gs>
-            <a:gs pos="35000">
-              <a:schemeClr val="phClr">
-                <a:tint val="37000"/>
-                <a:satMod val="300000"/>
-              </a:schemeClr>
-            </a:gs>
-            <a:gs pos="100000">
-              <a:schemeClr val="phClr">
-                <a:tint val="15000"/>
-                <a:satMod val="350000"/>
-              </a:schemeClr>
-            </a:gs>
-          </a:gsLst>
-          <a:lin ang="16200000" scaled="1"/>
-        </a:gradFill>
-        <a:gradFill rotWithShape="1">
-          <a:gsLst>
-            <a:gs pos="0">
-              <a:schemeClr val="phClr">
-                <a:tint val="100000"/>
-                <a:shade val="100000"/>
-                <a:satMod val="130000"/>
-              </a:schemeClr>
-            </a:gs>
-            <a:gs pos="100000">
-              <a:schemeClr val="phClr">
-                <a:tint val="50000"/>
-                <a:shade val="100000"/>
-                <a:satMod val="350000"/>
-              </a:schemeClr>
-            </a:gs>
-          </a:gsLst>
-          <a:lin ang="16200000" scaled="0"/>
-        </a:gradFill>
-      </a:fillStyleLst>
-      <a:lnStyleLst>
-        <a:ln w="9525" cap="flat" cmpd="sng" algn="ctr">
-          <a:solidFill>
-            <a:schemeClr val="phClr">
-              <a:shade val="95000"/>
-              <a:satMod val="105000"/>
-            </a:schemeClr>
-          </a:solidFill>
-          <a:prstDash val="solid"/>
-        </a:ln>
-        <a:ln w="25400" cap="flat" cmpd="sng" algn="ctr">
-          <a:solidFill>
-            <a:schemeClr val="phClr"/>
-          </a:solidFill>
-          <a:prstDash val="solid"/>
-        </a:ln>
-        <a:ln w="38100" cap="flat" cmpd="sng" algn="ctr">
-          <a:solidFill>
-            <a:schemeClr val="phClr"/>
-          </a:solidFill>
-          <a:prstDash val="solid"/>
-        </a:ln>
-      </a:lnStyleLst>
-      <a:effectStyleLst>
-        <a:effectStyle>
-          <a:effectLst>
-            <a:outerShdw blurRad="40000" dist="20000" dir="5400000" rotWithShape="0">
-              <a:srgbClr val="000000">
-                <a:alpha val="38000"/>
-              </a:srgbClr>
-            </a:outerShdw>
-          </a:effectLst>
-        </a:effectStyle>
-        <a:effectStyle>
-          <a:effectLst>
-            <a:outerShdw blurRad="40000" dist="23000" dir="5400000" rotWithShape="0">
-              <a:srgbClr val="000000">
-                <a:alpha val="35000"/>
-              </a:srgbClr>
-            </a:outerShdw>
-          </a:effectLst>
-        </a:effectStyle>
-        <a:effectStyle>
-          <a:effectLst>
-            <a:outerShdw blurRad="40000" dist="23000" dir="5400000" rotWithShape="0">
-              <a:srgbClr val="000000">
-                <a:alpha val="35000"/>
-              </a:srgbClr>
-            </a:outerShdw>
-          </a:effectLst>
-          <a:scene3d>
-            <a:camera prst="orthographicFront">
-              <a:rot lat="0" lon="0" rev="0"/>
-            </a:camera>
-            <a:lightRig rig="threePt" dir="t">
-              <a:rot lat="0" lon="0" rev="1200000"/>
-            </a:lightRig>
-          </a:scene3d>
-          <a:sp3d>
-            <a:bevelT w="63500" h="25400"/>
-          </a:sp3d>
-        </a:effectStyle>
-      </a:effectStyleLst>
-      <a:bgFillStyleLst>
-        <a:solidFill>
-          <a:schemeClr val="phClr"/>
-        </a:solidFill>
-        <a:gradFill rotWithShape="1">
-          <a:gsLst>
-            <a:gs pos="0">
-              <a:schemeClr val="phClr">
-                <a:tint val="40000"/>
-                <a:satMod val="350000"/>
-              </a:schemeClr>
-            </a:gs>
-            <a:gs pos="40000">
-              <a:schemeClr val="phClr">
-                <a:tint val="45000"/>
-                <a:shade val="99000"/>
-                <a:satMod val="350000"/>
-              </a:schemeClr>
-            </a:gs>
-            <a:gs pos="100000">
-              <a:schemeClr val="phClr">
-                <a:shade val="20000"/>
-                <a:satMod val="255000"/>
-              </a:schemeClr>
-            </a:gs>
-          </a:gsLst>
-          <a:path path="circle">
-            <a:fillToRect l="50000" t="-80000" r="50000" b="180000"/>
-          </a:path>
-        </a:gradFill>
-        <a:gradFill rotWithShape="1">
-          <a:gsLst>
-            <a:gs pos="0">
-              <a:schemeClr val="phClr">
-                <a:tint val="80000"/>
-                <a:satMod val="300000"/>
-              </a:schemeClr>
-            </a:gs>
-            <a:gs pos="100000">
-              <a:schemeClr val="phClr">
-                <a:shade val="30000"/>
-                <a:satMod val="200000"/>
-              </a:schemeClr>
-            </a:gs>
-          </a:gsLst>
-          <a:path path="circle">
-            <a:fillToRect l="50000" t="50000" r="50000" b="50000"/>
-          </a:path>
-        </a:gradFill>
-      </a:bgFillStyleLst>
-    </a:fmtScheme>
-  </a:themeElements>
-</a:theme>
 </file>